--- a/Execution Trees/SSIS Performance Tuning Techniques.pptx
+++ b/Execution Trees/SSIS Performance Tuning Techniques.pptx
@@ -4,13 +4,19 @@
   <p:sldMasterIdLst>
     <p:sldMasterId id="2147483648" r:id="rId1"/>
   </p:sldMasterIdLst>
+  <p:notesMasterIdLst>
+    <p:notesMasterId r:id="rId11"/>
+  </p:notesMasterIdLst>
   <p:sldIdLst>
     <p:sldId id="256" r:id="rId2"/>
-    <p:sldId id="257" r:id="rId3"/>
-    <p:sldId id="260" r:id="rId4"/>
-    <p:sldId id="261" r:id="rId5"/>
-    <p:sldId id="258" r:id="rId6"/>
-    <p:sldId id="259" r:id="rId7"/>
+    <p:sldId id="263" r:id="rId3"/>
+    <p:sldId id="262" r:id="rId4"/>
+    <p:sldId id="257" r:id="rId5"/>
+    <p:sldId id="260" r:id="rId6"/>
+    <p:sldId id="261" r:id="rId7"/>
+    <p:sldId id="258" r:id="rId8"/>
+    <p:sldId id="259" r:id="rId9"/>
+    <p:sldId id="264" r:id="rId10"/>
   </p:sldIdLst>
   <p:sldSz cx="12192000" cy="6858000"/>
   <p:notesSz cx="6858000" cy="9144000"/>
@@ -117,6 +123,4045 @@
 </p:presentation>
 </file>
 
+<file path=ppt/diagrams/colors1.xml><?xml version="1.0" encoding="utf-8"?>
+<dgm:colorsDef xmlns:dgm="http://schemas.openxmlformats.org/drawingml/2006/diagram" xmlns:a="http://schemas.openxmlformats.org/drawingml/2006/main" uniqueId="urn:microsoft.com/office/officeart/2005/8/colors/colorful5">
+  <dgm:title val=""/>
+  <dgm:desc val=""/>
+  <dgm:catLst>
+    <dgm:cat type="colorful" pri="10500"/>
+  </dgm:catLst>
+  <dgm:styleLbl name="node0">
+    <dgm:fillClrLst meth="repeat">
+      <a:schemeClr val="accent4"/>
+    </dgm:fillClrLst>
+    <dgm:linClrLst meth="repeat">
+      <a:schemeClr val="lt1"/>
+    </dgm:linClrLst>
+    <dgm:effectClrLst/>
+    <dgm:txLinClrLst/>
+    <dgm:txFillClrLst/>
+    <dgm:txEffectClrLst/>
+  </dgm:styleLbl>
+  <dgm:styleLbl name="node1">
+    <dgm:fillClrLst>
+      <a:schemeClr val="accent5"/>
+      <a:schemeClr val="accent6"/>
+    </dgm:fillClrLst>
+    <dgm:linClrLst meth="repeat">
+      <a:schemeClr val="lt1"/>
+    </dgm:linClrLst>
+    <dgm:effectClrLst/>
+    <dgm:txLinClrLst/>
+    <dgm:txFillClrLst/>
+    <dgm:txEffectClrLst/>
+  </dgm:styleLbl>
+  <dgm:styleLbl name="alignNode1">
+    <dgm:fillClrLst>
+      <a:schemeClr val="accent5"/>
+      <a:schemeClr val="accent6"/>
+    </dgm:fillClrLst>
+    <dgm:linClrLst>
+      <a:schemeClr val="accent5"/>
+      <a:schemeClr val="accent6"/>
+    </dgm:linClrLst>
+    <dgm:effectClrLst/>
+    <dgm:txLinClrLst/>
+    <dgm:txFillClrLst/>
+    <dgm:txEffectClrLst/>
+  </dgm:styleLbl>
+  <dgm:styleLbl name="lnNode1">
+    <dgm:fillClrLst>
+      <a:schemeClr val="accent5"/>
+      <a:schemeClr val="accent6"/>
+    </dgm:fillClrLst>
+    <dgm:linClrLst meth="repeat">
+      <a:schemeClr val="lt1"/>
+    </dgm:linClrLst>
+    <dgm:effectClrLst/>
+    <dgm:txLinClrLst/>
+    <dgm:txFillClrLst/>
+    <dgm:txEffectClrLst/>
+  </dgm:styleLbl>
+  <dgm:styleLbl name="vennNode1">
+    <dgm:fillClrLst>
+      <a:schemeClr val="accent5">
+        <a:alpha val="50000"/>
+      </a:schemeClr>
+      <a:schemeClr val="accent6">
+        <a:alpha val="50000"/>
+      </a:schemeClr>
+    </dgm:fillClrLst>
+    <dgm:linClrLst meth="repeat">
+      <a:schemeClr val="lt1"/>
+    </dgm:linClrLst>
+    <dgm:effectClrLst/>
+    <dgm:txLinClrLst/>
+    <dgm:txFillClrLst/>
+    <dgm:txEffectClrLst/>
+  </dgm:styleLbl>
+  <dgm:styleLbl name="node2">
+    <dgm:fillClrLst>
+      <a:schemeClr val="accent6"/>
+    </dgm:fillClrLst>
+    <dgm:linClrLst meth="repeat">
+      <a:schemeClr val="lt1"/>
+    </dgm:linClrLst>
+    <dgm:effectClrLst/>
+    <dgm:txLinClrLst/>
+    <dgm:txFillClrLst/>
+    <dgm:txEffectClrLst/>
+  </dgm:styleLbl>
+  <dgm:styleLbl name="node3">
+    <dgm:fillClrLst>
+      <a:schemeClr val="accent1"/>
+    </dgm:fillClrLst>
+    <dgm:linClrLst meth="repeat">
+      <a:schemeClr val="lt1"/>
+    </dgm:linClrLst>
+    <dgm:effectClrLst/>
+    <dgm:txLinClrLst/>
+    <dgm:txFillClrLst/>
+    <dgm:txEffectClrLst/>
+  </dgm:styleLbl>
+  <dgm:styleLbl name="node4">
+    <dgm:fillClrLst>
+      <a:schemeClr val="accent2"/>
+    </dgm:fillClrLst>
+    <dgm:linClrLst meth="repeat">
+      <a:schemeClr val="lt1"/>
+    </dgm:linClrLst>
+    <dgm:effectClrLst/>
+    <dgm:txLinClrLst/>
+    <dgm:txFillClrLst/>
+    <dgm:txEffectClrLst/>
+  </dgm:styleLbl>
+  <dgm:styleLbl name="fgImgPlace1">
+    <dgm:fillClrLst>
+      <a:schemeClr val="accent5">
+        <a:tint val="50000"/>
+      </a:schemeClr>
+      <a:schemeClr val="accent6">
+        <a:tint val="50000"/>
+      </a:schemeClr>
+    </dgm:fillClrLst>
+    <dgm:linClrLst meth="repeat">
+      <a:schemeClr val="lt1"/>
+    </dgm:linClrLst>
+    <dgm:effectClrLst/>
+    <dgm:txLinClrLst/>
+    <dgm:txFillClrLst meth="repeat">
+      <a:schemeClr val="lt1"/>
+    </dgm:txFillClrLst>
+    <dgm:txEffectClrLst/>
+  </dgm:styleLbl>
+  <dgm:styleLbl name="alignImgPlace1">
+    <dgm:fillClrLst>
+      <a:schemeClr val="accent5">
+        <a:tint val="50000"/>
+      </a:schemeClr>
+      <a:schemeClr val="accent6">
+        <a:tint val="20000"/>
+      </a:schemeClr>
+    </dgm:fillClrLst>
+    <dgm:linClrLst meth="repeat">
+      <a:schemeClr val="lt1"/>
+    </dgm:linClrLst>
+    <dgm:effectClrLst/>
+    <dgm:txLinClrLst/>
+    <dgm:txFillClrLst meth="repeat">
+      <a:schemeClr val="lt1"/>
+    </dgm:txFillClrLst>
+    <dgm:txEffectClrLst/>
+  </dgm:styleLbl>
+  <dgm:styleLbl name="bgImgPlace1">
+    <dgm:fillClrLst>
+      <a:schemeClr val="accent5">
+        <a:tint val="50000"/>
+      </a:schemeClr>
+      <a:schemeClr val="accent6">
+        <a:tint val="20000"/>
+      </a:schemeClr>
+    </dgm:fillClrLst>
+    <dgm:linClrLst meth="repeat">
+      <a:schemeClr val="lt1"/>
+    </dgm:linClrLst>
+    <dgm:effectClrLst/>
+    <dgm:txLinClrLst/>
+    <dgm:txFillClrLst meth="repeat">
+      <a:schemeClr val="lt1"/>
+    </dgm:txFillClrLst>
+    <dgm:txEffectClrLst/>
+  </dgm:styleLbl>
+  <dgm:styleLbl name="sibTrans2D1">
+    <dgm:fillClrLst>
+      <a:schemeClr val="accent5"/>
+      <a:schemeClr val="accent6"/>
+    </dgm:fillClrLst>
+    <dgm:linClrLst meth="repeat">
+      <a:schemeClr val="lt1"/>
+    </dgm:linClrLst>
+    <dgm:effectClrLst/>
+    <dgm:txLinClrLst/>
+    <dgm:txFillClrLst/>
+    <dgm:txEffectClrLst/>
+  </dgm:styleLbl>
+  <dgm:styleLbl name="fgSibTrans2D1">
+    <dgm:fillClrLst>
+      <a:schemeClr val="accent5"/>
+      <a:schemeClr val="accent6"/>
+    </dgm:fillClrLst>
+    <dgm:linClrLst meth="repeat">
+      <a:schemeClr val="lt1"/>
+    </dgm:linClrLst>
+    <dgm:effectClrLst/>
+    <dgm:txLinClrLst/>
+    <dgm:txFillClrLst meth="repeat">
+      <a:schemeClr val="lt1"/>
+    </dgm:txFillClrLst>
+    <dgm:txEffectClrLst/>
+  </dgm:styleLbl>
+  <dgm:styleLbl name="bgSibTrans2D1">
+    <dgm:fillClrLst>
+      <a:schemeClr val="accent5"/>
+      <a:schemeClr val="accent6"/>
+    </dgm:fillClrLst>
+    <dgm:linClrLst meth="repeat">
+      <a:schemeClr val="lt1"/>
+    </dgm:linClrLst>
+    <dgm:effectClrLst/>
+    <dgm:txLinClrLst/>
+    <dgm:txFillClrLst meth="repeat">
+      <a:schemeClr val="lt1"/>
+    </dgm:txFillClrLst>
+    <dgm:txEffectClrLst/>
+  </dgm:styleLbl>
+  <dgm:styleLbl name="sibTrans1D1">
+    <dgm:fillClrLst/>
+    <dgm:linClrLst>
+      <a:schemeClr val="accent5"/>
+      <a:schemeClr val="accent6"/>
+    </dgm:linClrLst>
+    <dgm:effectClrLst/>
+    <dgm:txLinClrLst/>
+    <dgm:txFillClrLst meth="repeat">
+      <a:schemeClr val="tx1"/>
+    </dgm:txFillClrLst>
+    <dgm:txEffectClrLst/>
+  </dgm:styleLbl>
+  <dgm:styleLbl name="callout">
+    <dgm:fillClrLst meth="repeat">
+      <a:schemeClr val="accent5"/>
+    </dgm:fillClrLst>
+    <dgm:linClrLst meth="repeat">
+      <a:schemeClr val="accent5">
+        <a:tint val="50000"/>
+      </a:schemeClr>
+    </dgm:linClrLst>
+    <dgm:effectClrLst/>
+    <dgm:txLinClrLst/>
+    <dgm:txFillClrLst meth="repeat">
+      <a:schemeClr val="tx1"/>
+    </dgm:txFillClrLst>
+    <dgm:txEffectClrLst/>
+  </dgm:styleLbl>
+  <dgm:styleLbl name="asst0">
+    <dgm:fillClrLst meth="repeat">
+      <a:schemeClr val="accent5"/>
+    </dgm:fillClrLst>
+    <dgm:linClrLst meth="repeat">
+      <a:schemeClr val="lt1">
+        <a:shade val="80000"/>
+      </a:schemeClr>
+    </dgm:linClrLst>
+    <dgm:effectClrLst/>
+    <dgm:txLinClrLst/>
+    <dgm:txFillClrLst/>
+    <dgm:txEffectClrLst/>
+  </dgm:styleLbl>
+  <dgm:styleLbl name="asst1">
+    <dgm:fillClrLst meth="repeat">
+      <a:schemeClr val="accent6"/>
+    </dgm:fillClrLst>
+    <dgm:linClrLst meth="repeat">
+      <a:schemeClr val="lt1">
+        <a:shade val="80000"/>
+      </a:schemeClr>
+    </dgm:linClrLst>
+    <dgm:effectClrLst/>
+    <dgm:txLinClrLst/>
+    <dgm:txFillClrLst/>
+    <dgm:txEffectClrLst/>
+  </dgm:styleLbl>
+  <dgm:styleLbl name="asst2">
+    <dgm:fillClrLst>
+      <a:schemeClr val="accent1"/>
+    </dgm:fillClrLst>
+    <dgm:linClrLst meth="repeat">
+      <a:schemeClr val="lt1"/>
+    </dgm:linClrLst>
+    <dgm:effectClrLst/>
+    <dgm:txLinClrLst/>
+    <dgm:txFillClrLst/>
+    <dgm:txEffectClrLst/>
+  </dgm:styleLbl>
+  <dgm:styleLbl name="asst3">
+    <dgm:fillClrLst>
+      <a:schemeClr val="accent2"/>
+    </dgm:fillClrLst>
+    <dgm:linClrLst meth="repeat">
+      <a:schemeClr val="lt1"/>
+    </dgm:linClrLst>
+    <dgm:effectClrLst/>
+    <dgm:txLinClrLst/>
+    <dgm:txFillClrLst/>
+    <dgm:txEffectClrLst/>
+  </dgm:styleLbl>
+  <dgm:styleLbl name="asst4">
+    <dgm:fillClrLst>
+      <a:schemeClr val="accent3"/>
+    </dgm:fillClrLst>
+    <dgm:linClrLst meth="repeat">
+      <a:schemeClr val="lt1"/>
+    </dgm:linClrLst>
+    <dgm:effectClrLst/>
+    <dgm:txLinClrLst/>
+    <dgm:txFillClrLst/>
+    <dgm:txEffectClrLst/>
+  </dgm:styleLbl>
+  <dgm:styleLbl name="parChTrans2D1">
+    <dgm:fillClrLst meth="repeat">
+      <a:schemeClr val="accent5"/>
+    </dgm:fillClrLst>
+    <dgm:linClrLst meth="repeat">
+      <a:schemeClr val="lt1"/>
+    </dgm:linClrLst>
+    <dgm:effectClrLst/>
+    <dgm:txLinClrLst/>
+    <dgm:txFillClrLst meth="repeat">
+      <a:schemeClr val="lt1"/>
+    </dgm:txFillClrLst>
+    <dgm:txEffectClrLst/>
+  </dgm:styleLbl>
+  <dgm:styleLbl name="parChTrans2D2">
+    <dgm:fillClrLst meth="repeat">
+      <a:schemeClr val="accent6"/>
+    </dgm:fillClrLst>
+    <dgm:linClrLst meth="repeat">
+      <a:schemeClr val="lt1"/>
+    </dgm:linClrLst>
+    <dgm:effectClrLst/>
+    <dgm:txLinClrLst/>
+    <dgm:txFillClrLst/>
+    <dgm:txEffectClrLst/>
+  </dgm:styleLbl>
+  <dgm:styleLbl name="parChTrans2D3">
+    <dgm:fillClrLst meth="repeat">
+      <a:schemeClr val="accent6"/>
+    </dgm:fillClrLst>
+    <dgm:linClrLst meth="repeat">
+      <a:schemeClr val="lt1"/>
+    </dgm:linClrLst>
+    <dgm:effectClrLst/>
+    <dgm:txLinClrLst/>
+    <dgm:txFillClrLst/>
+    <dgm:txEffectClrLst/>
+  </dgm:styleLbl>
+  <dgm:styleLbl name="parChTrans2D4">
+    <dgm:fillClrLst meth="repeat">
+      <a:schemeClr val="accent1"/>
+    </dgm:fillClrLst>
+    <dgm:linClrLst meth="repeat">
+      <a:schemeClr val="lt1"/>
+    </dgm:linClrLst>
+    <dgm:effectClrLst/>
+    <dgm:txLinClrLst/>
+    <dgm:txFillClrLst meth="repeat">
+      <a:schemeClr val="lt1"/>
+    </dgm:txFillClrLst>
+    <dgm:txEffectClrLst/>
+  </dgm:styleLbl>
+  <dgm:styleLbl name="parChTrans1D1">
+    <dgm:fillClrLst meth="repeat">
+      <a:schemeClr val="accent5"/>
+    </dgm:fillClrLst>
+    <dgm:linClrLst meth="repeat">
+      <a:schemeClr val="accent5"/>
+    </dgm:linClrLst>
+    <dgm:effectClrLst/>
+    <dgm:txLinClrLst/>
+    <dgm:txFillClrLst meth="repeat">
+      <a:schemeClr val="tx1"/>
+    </dgm:txFillClrLst>
+    <dgm:txEffectClrLst/>
+  </dgm:styleLbl>
+  <dgm:styleLbl name="parChTrans1D2">
+    <dgm:fillClrLst meth="repeat">
+      <a:schemeClr val="accent6">
+        <a:tint val="90000"/>
+      </a:schemeClr>
+    </dgm:fillClrLst>
+    <dgm:linClrLst meth="repeat">
+      <a:schemeClr val="accent6"/>
+    </dgm:linClrLst>
+    <dgm:effectClrLst/>
+    <dgm:txLinClrLst/>
+    <dgm:txFillClrLst meth="repeat">
+      <a:schemeClr val="tx1"/>
+    </dgm:txFillClrLst>
+    <dgm:txEffectClrLst/>
+  </dgm:styleLbl>
+  <dgm:styleLbl name="parChTrans1D3">
+    <dgm:fillClrLst meth="repeat">
+      <a:schemeClr val="accent6">
+        <a:tint val="70000"/>
+      </a:schemeClr>
+    </dgm:fillClrLst>
+    <dgm:linClrLst meth="repeat">
+      <a:schemeClr val="accent1"/>
+    </dgm:linClrLst>
+    <dgm:effectClrLst/>
+    <dgm:txLinClrLst/>
+    <dgm:txFillClrLst meth="repeat">
+      <a:schemeClr val="tx1"/>
+    </dgm:txFillClrLst>
+    <dgm:txEffectClrLst/>
+  </dgm:styleLbl>
+  <dgm:styleLbl name="parChTrans1D4">
+    <dgm:fillClrLst meth="repeat">
+      <a:schemeClr val="accent6">
+        <a:tint val="50000"/>
+      </a:schemeClr>
+    </dgm:fillClrLst>
+    <dgm:linClrLst meth="repeat">
+      <a:schemeClr val="accent2"/>
+    </dgm:linClrLst>
+    <dgm:effectClrLst/>
+    <dgm:txLinClrLst/>
+    <dgm:txFillClrLst meth="repeat">
+      <a:schemeClr val="tx1"/>
+    </dgm:txFillClrLst>
+    <dgm:txEffectClrLst/>
+  </dgm:styleLbl>
+  <dgm:styleLbl name="fgAcc1">
+    <dgm:fillClrLst meth="repeat">
+      <a:schemeClr val="lt1">
+        <a:alpha val="90000"/>
+      </a:schemeClr>
+    </dgm:fillClrLst>
+    <dgm:linClrLst>
+      <a:schemeClr val="accent5"/>
+      <a:schemeClr val="accent6"/>
+    </dgm:linClrLst>
+    <dgm:effectClrLst/>
+    <dgm:txLinClrLst/>
+    <dgm:txFillClrLst meth="repeat">
+      <a:schemeClr val="dk1"/>
+    </dgm:txFillClrLst>
+    <dgm:txEffectClrLst/>
+  </dgm:styleLbl>
+  <dgm:styleLbl name="conFgAcc1">
+    <dgm:fillClrLst meth="repeat">
+      <a:schemeClr val="lt1">
+        <a:alpha val="90000"/>
+      </a:schemeClr>
+    </dgm:fillClrLst>
+    <dgm:linClrLst>
+      <a:schemeClr val="accent5"/>
+      <a:schemeClr val="accent6"/>
+    </dgm:linClrLst>
+    <dgm:effectClrLst/>
+    <dgm:txLinClrLst/>
+    <dgm:txFillClrLst meth="repeat">
+      <a:schemeClr val="dk1"/>
+    </dgm:txFillClrLst>
+    <dgm:txEffectClrLst/>
+  </dgm:styleLbl>
+  <dgm:styleLbl name="alignAcc1">
+    <dgm:fillClrLst meth="repeat">
+      <a:schemeClr val="lt1">
+        <a:alpha val="90000"/>
+      </a:schemeClr>
+    </dgm:fillClrLst>
+    <dgm:linClrLst>
+      <a:schemeClr val="accent5"/>
+      <a:schemeClr val="accent6"/>
+    </dgm:linClrLst>
+    <dgm:effectClrLst/>
+    <dgm:txLinClrLst/>
+    <dgm:txFillClrLst meth="repeat">
+      <a:schemeClr val="dk1"/>
+    </dgm:txFillClrLst>
+    <dgm:txEffectClrLst/>
+  </dgm:styleLbl>
+  <dgm:styleLbl name="trAlignAcc1">
+    <dgm:fillClrLst meth="repeat">
+      <a:schemeClr val="lt1">
+        <a:alpha val="40000"/>
+      </a:schemeClr>
+    </dgm:fillClrLst>
+    <dgm:linClrLst meth="repeat">
+      <a:schemeClr val="accent5"/>
+    </dgm:linClrLst>
+    <dgm:effectClrLst/>
+    <dgm:txLinClrLst/>
+    <dgm:txFillClrLst meth="repeat">
+      <a:schemeClr val="dk1"/>
+    </dgm:txFillClrLst>
+    <dgm:txEffectClrLst/>
+  </dgm:styleLbl>
+  <dgm:styleLbl name="bgAcc1">
+    <dgm:fillClrLst meth="repeat">
+      <a:schemeClr val="lt1">
+        <a:alpha val="90000"/>
+      </a:schemeClr>
+    </dgm:fillClrLst>
+    <dgm:linClrLst>
+      <a:schemeClr val="accent5"/>
+      <a:schemeClr val="accent6"/>
+    </dgm:linClrLst>
+    <dgm:effectClrLst/>
+    <dgm:txLinClrLst/>
+    <dgm:txFillClrLst meth="repeat">
+      <a:schemeClr val="dk1"/>
+    </dgm:txFillClrLst>
+    <dgm:txEffectClrLst/>
+  </dgm:styleLbl>
+  <dgm:styleLbl name="solidFgAcc1">
+    <dgm:fillClrLst meth="repeat">
+      <a:schemeClr val="lt1"/>
+    </dgm:fillClrLst>
+    <dgm:linClrLst>
+      <a:schemeClr val="accent5"/>
+      <a:schemeClr val="accent6"/>
+    </dgm:linClrLst>
+    <dgm:effectClrLst/>
+    <dgm:txLinClrLst/>
+    <dgm:txFillClrLst meth="repeat">
+      <a:schemeClr val="dk1"/>
+    </dgm:txFillClrLst>
+    <dgm:txEffectClrLst/>
+  </dgm:styleLbl>
+  <dgm:styleLbl name="solidAlignAcc1">
+    <dgm:fillClrLst meth="repeat">
+      <a:schemeClr val="lt1"/>
+    </dgm:fillClrLst>
+    <dgm:linClrLst>
+      <a:schemeClr val="accent5"/>
+      <a:schemeClr val="accent6"/>
+    </dgm:linClrLst>
+    <dgm:effectClrLst/>
+    <dgm:txLinClrLst/>
+    <dgm:txFillClrLst meth="repeat">
+      <a:schemeClr val="dk1"/>
+    </dgm:txFillClrLst>
+    <dgm:txEffectClrLst/>
+  </dgm:styleLbl>
+  <dgm:styleLbl name="solidBgAcc1">
+    <dgm:fillClrLst meth="repeat">
+      <a:schemeClr val="lt1"/>
+    </dgm:fillClrLst>
+    <dgm:linClrLst>
+      <a:schemeClr val="accent5"/>
+      <a:schemeClr val="accent6"/>
+    </dgm:linClrLst>
+    <dgm:effectClrLst/>
+    <dgm:txLinClrLst/>
+    <dgm:txFillClrLst meth="repeat">
+      <a:schemeClr val="dk1"/>
+    </dgm:txFillClrLst>
+    <dgm:txEffectClrLst/>
+  </dgm:styleLbl>
+  <dgm:styleLbl name="fgAccFollowNode1">
+    <dgm:fillClrLst>
+      <a:schemeClr val="accent5">
+        <a:tint val="40000"/>
+        <a:alpha val="90000"/>
+      </a:schemeClr>
+      <a:schemeClr val="accent6">
+        <a:tint val="40000"/>
+        <a:alpha val="90000"/>
+      </a:schemeClr>
+    </dgm:fillClrLst>
+    <dgm:linClrLst>
+      <a:schemeClr val="accent5">
+        <a:tint val="40000"/>
+        <a:alpha val="90000"/>
+      </a:schemeClr>
+      <a:schemeClr val="accent5">
+        <a:tint val="40000"/>
+        <a:alpha val="90000"/>
+      </a:schemeClr>
+    </dgm:linClrLst>
+    <dgm:effectClrLst/>
+    <dgm:txLinClrLst/>
+    <dgm:txFillClrLst meth="repeat">
+      <a:schemeClr val="dk1"/>
+    </dgm:txFillClrLst>
+    <dgm:txEffectClrLst/>
+  </dgm:styleLbl>
+  <dgm:styleLbl name="alignAccFollowNode1">
+    <dgm:fillClrLst>
+      <a:schemeClr val="accent5">
+        <a:tint val="40000"/>
+        <a:alpha val="90000"/>
+      </a:schemeClr>
+      <a:schemeClr val="accent6">
+        <a:tint val="40000"/>
+        <a:alpha val="90000"/>
+      </a:schemeClr>
+    </dgm:fillClrLst>
+    <dgm:linClrLst>
+      <a:schemeClr val="accent5">
+        <a:tint val="40000"/>
+        <a:alpha val="90000"/>
+      </a:schemeClr>
+      <a:schemeClr val="accent6">
+        <a:tint val="40000"/>
+        <a:alpha val="90000"/>
+      </a:schemeClr>
+    </dgm:linClrLst>
+    <dgm:effectClrLst/>
+    <dgm:txLinClrLst/>
+    <dgm:txFillClrLst meth="repeat">
+      <a:schemeClr val="dk1"/>
+    </dgm:txFillClrLst>
+    <dgm:txEffectClrLst/>
+  </dgm:styleLbl>
+  <dgm:styleLbl name="bgAccFollowNode1">
+    <dgm:fillClrLst>
+      <a:schemeClr val="accent5">
+        <a:tint val="40000"/>
+        <a:alpha val="90000"/>
+      </a:schemeClr>
+      <a:schemeClr val="accent6">
+        <a:tint val="40000"/>
+        <a:alpha val="90000"/>
+      </a:schemeClr>
+    </dgm:fillClrLst>
+    <dgm:linClrLst>
+      <a:schemeClr val="accent5">
+        <a:tint val="40000"/>
+        <a:alpha val="90000"/>
+      </a:schemeClr>
+      <a:schemeClr val="accent6">
+        <a:tint val="40000"/>
+        <a:alpha val="90000"/>
+      </a:schemeClr>
+    </dgm:linClrLst>
+    <dgm:effectClrLst/>
+    <dgm:txLinClrLst/>
+    <dgm:txFillClrLst meth="repeat">
+      <a:schemeClr val="dk1"/>
+    </dgm:txFillClrLst>
+    <dgm:txEffectClrLst/>
+  </dgm:styleLbl>
+  <dgm:styleLbl name="fgAcc0">
+    <dgm:fillClrLst meth="repeat">
+      <a:schemeClr val="lt1">
+        <a:alpha val="90000"/>
+      </a:schemeClr>
+    </dgm:fillClrLst>
+    <dgm:linClrLst>
+      <a:schemeClr val="accent4"/>
+    </dgm:linClrLst>
+    <dgm:effectClrLst/>
+    <dgm:txLinClrLst/>
+    <dgm:txFillClrLst meth="repeat">
+      <a:schemeClr val="dk1"/>
+    </dgm:txFillClrLst>
+    <dgm:txEffectClrLst/>
+  </dgm:styleLbl>
+  <dgm:styleLbl name="fgAcc2">
+    <dgm:fillClrLst meth="repeat">
+      <a:schemeClr val="lt1">
+        <a:alpha val="90000"/>
+      </a:schemeClr>
+    </dgm:fillClrLst>
+    <dgm:linClrLst>
+      <a:schemeClr val="accent6"/>
+    </dgm:linClrLst>
+    <dgm:effectClrLst/>
+    <dgm:txLinClrLst/>
+    <dgm:txFillClrLst meth="repeat">
+      <a:schemeClr val="dk1"/>
+    </dgm:txFillClrLst>
+    <dgm:txEffectClrLst/>
+  </dgm:styleLbl>
+  <dgm:styleLbl name="fgAcc3">
+    <dgm:fillClrLst meth="repeat">
+      <a:schemeClr val="lt1">
+        <a:alpha val="90000"/>
+      </a:schemeClr>
+    </dgm:fillClrLst>
+    <dgm:linClrLst>
+      <a:schemeClr val="accent1"/>
+    </dgm:linClrLst>
+    <dgm:effectClrLst/>
+    <dgm:txLinClrLst/>
+    <dgm:txFillClrLst meth="repeat">
+      <a:schemeClr val="dk1"/>
+    </dgm:txFillClrLst>
+    <dgm:txEffectClrLst/>
+  </dgm:styleLbl>
+  <dgm:styleLbl name="fgAcc4">
+    <dgm:fillClrLst meth="repeat">
+      <a:schemeClr val="lt1">
+        <a:alpha val="90000"/>
+      </a:schemeClr>
+    </dgm:fillClrLst>
+    <dgm:linClrLst>
+      <a:schemeClr val="accent2"/>
+    </dgm:linClrLst>
+    <dgm:effectClrLst/>
+    <dgm:txLinClrLst/>
+    <dgm:txFillClrLst meth="repeat">
+      <a:schemeClr val="dk1"/>
+    </dgm:txFillClrLst>
+    <dgm:txEffectClrLst/>
+  </dgm:styleLbl>
+  <dgm:styleLbl name="bgShp">
+    <dgm:fillClrLst meth="repeat">
+      <a:schemeClr val="accent5">
+        <a:tint val="40000"/>
+      </a:schemeClr>
+    </dgm:fillClrLst>
+    <dgm:linClrLst meth="repeat">
+      <a:schemeClr val="dk1"/>
+    </dgm:linClrLst>
+    <dgm:effectClrLst/>
+    <dgm:txLinClrLst/>
+    <dgm:txFillClrLst meth="repeat">
+      <a:schemeClr val="dk1"/>
+    </dgm:txFillClrLst>
+    <dgm:txEffectClrLst/>
+  </dgm:styleLbl>
+  <dgm:styleLbl name="dkBgShp">
+    <dgm:fillClrLst meth="repeat">
+      <a:schemeClr val="accent5">
+        <a:shade val="90000"/>
+      </a:schemeClr>
+    </dgm:fillClrLst>
+    <dgm:linClrLst meth="repeat">
+      <a:schemeClr val="dk1"/>
+    </dgm:linClrLst>
+    <dgm:effectClrLst/>
+    <dgm:txLinClrLst/>
+    <dgm:txFillClrLst meth="repeat">
+      <a:schemeClr val="lt1"/>
+    </dgm:txFillClrLst>
+    <dgm:txEffectClrLst/>
+  </dgm:styleLbl>
+  <dgm:styleLbl name="trBgShp">
+    <dgm:fillClrLst meth="repeat">
+      <a:schemeClr val="accent5">
+        <a:tint val="50000"/>
+        <a:alpha val="40000"/>
+      </a:schemeClr>
+    </dgm:fillClrLst>
+    <dgm:linClrLst meth="repeat">
+      <a:schemeClr val="accent5"/>
+    </dgm:linClrLst>
+    <dgm:effectClrLst/>
+    <dgm:txLinClrLst/>
+    <dgm:txFillClrLst meth="repeat">
+      <a:schemeClr val="lt1"/>
+    </dgm:txFillClrLst>
+    <dgm:txEffectClrLst/>
+  </dgm:styleLbl>
+  <dgm:styleLbl name="fgShp">
+    <dgm:fillClrLst meth="repeat">
+      <a:schemeClr val="accent5">
+        <a:tint val="40000"/>
+      </a:schemeClr>
+    </dgm:fillClrLst>
+    <dgm:linClrLst meth="repeat">
+      <a:schemeClr val="lt1"/>
+    </dgm:linClrLst>
+    <dgm:effectClrLst/>
+    <dgm:txLinClrLst/>
+    <dgm:txFillClrLst meth="repeat">
+      <a:schemeClr val="dk1"/>
+    </dgm:txFillClrLst>
+    <dgm:txEffectClrLst/>
+  </dgm:styleLbl>
+  <dgm:styleLbl name="revTx">
+    <dgm:fillClrLst meth="repeat">
+      <a:schemeClr val="lt1">
+        <a:alpha val="0"/>
+      </a:schemeClr>
+    </dgm:fillClrLst>
+    <dgm:linClrLst meth="repeat">
+      <a:schemeClr val="dk1">
+        <a:alpha val="0"/>
+      </a:schemeClr>
+    </dgm:linClrLst>
+    <dgm:effectClrLst/>
+    <dgm:txLinClrLst/>
+    <dgm:txFillClrLst meth="repeat">
+      <a:schemeClr val="tx1"/>
+    </dgm:txFillClrLst>
+    <dgm:txEffectClrLst/>
+  </dgm:styleLbl>
+</dgm:colorsDef>
+</file>
+
+<file path=ppt/diagrams/data1.xml><?xml version="1.0" encoding="utf-8"?>
+<dgm:dataModel xmlns:dgm="http://schemas.openxmlformats.org/drawingml/2006/diagram" xmlns:a="http://schemas.openxmlformats.org/drawingml/2006/main">
+  <dgm:ptLst>
+    <dgm:pt modelId="{769DBFD6-1E3D-4C38-B6DF-7E9CFD060079}" type="doc">
+      <dgm:prSet loTypeId="urn:microsoft.com/office/officeart/2005/8/layout/funnel1" loCatId="relationship" qsTypeId="urn:microsoft.com/office/officeart/2005/8/quickstyle/3d9" qsCatId="3D" csTypeId="urn:microsoft.com/office/officeart/2005/8/colors/colorful5" csCatId="colorful" phldr="1"/>
+      <dgm:spPr/>
+      <dgm:t>
+        <a:bodyPr/>
+        <a:lstStyle/>
+        <a:p>
+          <a:endParaRPr lang="es-ES"/>
+        </a:p>
+      </dgm:t>
+    </dgm:pt>
+    <dgm:pt modelId="{B6D5328D-E061-40A7-8D4E-AFD0E7328F81}">
+      <dgm:prSet phldrT="[Text]"/>
+      <dgm:spPr/>
+      <dgm:t>
+        <a:bodyPr/>
+        <a:lstStyle/>
+        <a:p>
+          <a:r>
+            <a:rPr lang="en-US" dirty="0" smtClean="0"/>
+            <a:t>Oracle</a:t>
+          </a:r>
+          <a:endParaRPr lang="es-ES" dirty="0"/>
+        </a:p>
+      </dgm:t>
+    </dgm:pt>
+    <dgm:pt modelId="{0529D57F-1D62-4945-89B5-AB46B45D9BCD}" type="parTrans" cxnId="{22B4789D-3445-4513-A123-D4DF3554EB68}">
+      <dgm:prSet/>
+      <dgm:spPr/>
+      <dgm:t>
+        <a:bodyPr/>
+        <a:lstStyle/>
+        <a:p>
+          <a:endParaRPr lang="es-ES"/>
+        </a:p>
+      </dgm:t>
+    </dgm:pt>
+    <dgm:pt modelId="{5EC81800-DA9F-4C51-BC59-7CCCEEE15D5E}" type="sibTrans" cxnId="{22B4789D-3445-4513-A123-D4DF3554EB68}">
+      <dgm:prSet/>
+      <dgm:spPr/>
+      <dgm:t>
+        <a:bodyPr/>
+        <a:lstStyle/>
+        <a:p>
+          <a:endParaRPr lang="es-ES"/>
+        </a:p>
+      </dgm:t>
+    </dgm:pt>
+    <dgm:pt modelId="{B5E80C4C-1A88-4497-8381-AB1A7973E80A}">
+      <dgm:prSet phldrT="[Text]"/>
+      <dgm:spPr/>
+      <dgm:t>
+        <a:bodyPr/>
+        <a:lstStyle/>
+        <a:p>
+          <a:r>
+            <a:rPr lang="en-US" dirty="0" smtClean="0"/>
+            <a:t>SQL</a:t>
+          </a:r>
+          <a:endParaRPr lang="es-ES" dirty="0"/>
+        </a:p>
+      </dgm:t>
+    </dgm:pt>
+    <dgm:pt modelId="{3241D38B-977E-4A4C-9C9B-7D56894BCF23}" type="parTrans" cxnId="{C1E08E98-C883-4C29-9141-0E255F70C0D5}">
+      <dgm:prSet/>
+      <dgm:spPr/>
+      <dgm:t>
+        <a:bodyPr/>
+        <a:lstStyle/>
+        <a:p>
+          <a:endParaRPr lang="es-ES"/>
+        </a:p>
+      </dgm:t>
+    </dgm:pt>
+    <dgm:pt modelId="{98DFE2AF-66AE-4BB7-B337-B0F94A9D031B}" type="sibTrans" cxnId="{C1E08E98-C883-4C29-9141-0E255F70C0D5}">
+      <dgm:prSet/>
+      <dgm:spPr/>
+      <dgm:t>
+        <a:bodyPr/>
+        <a:lstStyle/>
+        <a:p>
+          <a:endParaRPr lang="es-ES"/>
+        </a:p>
+      </dgm:t>
+    </dgm:pt>
+    <dgm:pt modelId="{802AF5F2-22B6-4D5F-AF0C-16710DC8DF7D}">
+      <dgm:prSet phldrT="[Text]"/>
+      <dgm:spPr/>
+      <dgm:t>
+        <a:bodyPr/>
+        <a:lstStyle/>
+        <a:p>
+          <a:r>
+            <a:rPr lang="en-US" dirty="0" smtClean="0"/>
+            <a:t>CSV</a:t>
+          </a:r>
+          <a:endParaRPr lang="es-ES" dirty="0"/>
+        </a:p>
+      </dgm:t>
+    </dgm:pt>
+    <dgm:pt modelId="{F1174B9D-99A0-4EFA-A5F7-BF23383D2267}" type="parTrans" cxnId="{AD5C1A50-139D-40B1-8135-07BF9BE3E13D}">
+      <dgm:prSet/>
+      <dgm:spPr/>
+      <dgm:t>
+        <a:bodyPr/>
+        <a:lstStyle/>
+        <a:p>
+          <a:endParaRPr lang="es-ES"/>
+        </a:p>
+      </dgm:t>
+    </dgm:pt>
+    <dgm:pt modelId="{6F8CC1F3-A092-4E45-9E8F-A097BD2DFB22}" type="sibTrans" cxnId="{AD5C1A50-139D-40B1-8135-07BF9BE3E13D}">
+      <dgm:prSet/>
+      <dgm:spPr/>
+      <dgm:t>
+        <a:bodyPr/>
+        <a:lstStyle/>
+        <a:p>
+          <a:endParaRPr lang="es-ES"/>
+        </a:p>
+      </dgm:t>
+    </dgm:pt>
+    <dgm:pt modelId="{B657A63F-17D3-40E6-A466-AF2CBAD632AB}">
+      <dgm:prSet phldrT="[Text]"/>
+      <dgm:spPr/>
+      <dgm:t>
+        <a:bodyPr/>
+        <a:lstStyle/>
+        <a:p>
+          <a:r>
+            <a:rPr lang="en-US" dirty="0" err="1" smtClean="0"/>
+            <a:t>Destino</a:t>
+          </a:r>
+          <a:endParaRPr lang="es-ES" dirty="0"/>
+        </a:p>
+      </dgm:t>
+    </dgm:pt>
+    <dgm:pt modelId="{F0D0236F-DF8D-4953-92C1-318D4AB34E37}" type="parTrans" cxnId="{EE8BB900-1CDC-4A7F-A1FC-3F8AABFB130E}">
+      <dgm:prSet/>
+      <dgm:spPr/>
+      <dgm:t>
+        <a:bodyPr/>
+        <a:lstStyle/>
+        <a:p>
+          <a:endParaRPr lang="es-ES"/>
+        </a:p>
+      </dgm:t>
+    </dgm:pt>
+    <dgm:pt modelId="{B0312C67-47E4-437E-8954-80E7E67EF4F0}" type="sibTrans" cxnId="{EE8BB900-1CDC-4A7F-A1FC-3F8AABFB130E}">
+      <dgm:prSet/>
+      <dgm:spPr/>
+      <dgm:t>
+        <a:bodyPr/>
+        <a:lstStyle/>
+        <a:p>
+          <a:endParaRPr lang="es-ES"/>
+        </a:p>
+      </dgm:t>
+    </dgm:pt>
+    <dgm:pt modelId="{D6F571BF-DCED-4E67-9110-A056E52749D9}" type="pres">
+      <dgm:prSet presAssocID="{769DBFD6-1E3D-4C38-B6DF-7E9CFD060079}" presName="Name0" presStyleCnt="0">
+        <dgm:presLayoutVars>
+          <dgm:chMax val="4"/>
+          <dgm:resizeHandles val="exact"/>
+        </dgm:presLayoutVars>
+      </dgm:prSet>
+      <dgm:spPr/>
+      <dgm:t>
+        <a:bodyPr/>
+        <a:lstStyle/>
+        <a:p>
+          <a:endParaRPr lang="es-ES"/>
+        </a:p>
+      </dgm:t>
+    </dgm:pt>
+    <dgm:pt modelId="{6205F7A5-5597-46AF-BDAB-7C85B74935F2}" type="pres">
+      <dgm:prSet presAssocID="{769DBFD6-1E3D-4C38-B6DF-7E9CFD060079}" presName="ellipse" presStyleLbl="trBgShp" presStyleIdx="0" presStyleCnt="1"/>
+      <dgm:spPr/>
+    </dgm:pt>
+    <dgm:pt modelId="{10CD578B-478D-4308-A87C-C35D680A38F8}" type="pres">
+      <dgm:prSet presAssocID="{769DBFD6-1E3D-4C38-B6DF-7E9CFD060079}" presName="arrow1" presStyleLbl="fgShp" presStyleIdx="0" presStyleCnt="1" custLinFactNeighborX="2427" custLinFactNeighborY="32230"/>
+      <dgm:spPr/>
+    </dgm:pt>
+    <dgm:pt modelId="{9DF06375-0407-4CE4-8893-594D17BBD24C}" type="pres">
+      <dgm:prSet presAssocID="{769DBFD6-1E3D-4C38-B6DF-7E9CFD060079}" presName="rectangle" presStyleLbl="revTx" presStyleIdx="0" presStyleCnt="1">
+        <dgm:presLayoutVars>
+          <dgm:bulletEnabled val="1"/>
+        </dgm:presLayoutVars>
+      </dgm:prSet>
+      <dgm:spPr/>
+      <dgm:t>
+        <a:bodyPr/>
+        <a:lstStyle/>
+        <a:p>
+          <a:endParaRPr lang="es-ES"/>
+        </a:p>
+      </dgm:t>
+    </dgm:pt>
+    <dgm:pt modelId="{A68E6350-19B8-4D20-85AF-F0B5A7F74CB0}" type="pres">
+      <dgm:prSet presAssocID="{B5E80C4C-1A88-4497-8381-AB1A7973E80A}" presName="item1" presStyleLbl="node1" presStyleIdx="0" presStyleCnt="3">
+        <dgm:presLayoutVars>
+          <dgm:bulletEnabled val="1"/>
+        </dgm:presLayoutVars>
+      </dgm:prSet>
+      <dgm:spPr/>
+      <dgm:t>
+        <a:bodyPr/>
+        <a:lstStyle/>
+        <a:p>
+          <a:endParaRPr lang="es-ES"/>
+        </a:p>
+      </dgm:t>
+    </dgm:pt>
+    <dgm:pt modelId="{462F25F0-9AB3-490F-A6A3-34EFAD0E020B}" type="pres">
+      <dgm:prSet presAssocID="{802AF5F2-22B6-4D5F-AF0C-16710DC8DF7D}" presName="item2" presStyleLbl="node1" presStyleIdx="1" presStyleCnt="3">
+        <dgm:presLayoutVars>
+          <dgm:bulletEnabled val="1"/>
+        </dgm:presLayoutVars>
+      </dgm:prSet>
+      <dgm:spPr/>
+      <dgm:t>
+        <a:bodyPr/>
+        <a:lstStyle/>
+        <a:p>
+          <a:endParaRPr lang="es-ES"/>
+        </a:p>
+      </dgm:t>
+    </dgm:pt>
+    <dgm:pt modelId="{9B09BEA2-E39D-4785-9A1A-E3655D51425F}" type="pres">
+      <dgm:prSet presAssocID="{B657A63F-17D3-40E6-A466-AF2CBAD632AB}" presName="item3" presStyleLbl="node1" presStyleIdx="2" presStyleCnt="3">
+        <dgm:presLayoutVars>
+          <dgm:bulletEnabled val="1"/>
+        </dgm:presLayoutVars>
+      </dgm:prSet>
+      <dgm:spPr/>
+      <dgm:t>
+        <a:bodyPr/>
+        <a:lstStyle/>
+        <a:p>
+          <a:endParaRPr lang="es-ES"/>
+        </a:p>
+      </dgm:t>
+    </dgm:pt>
+    <dgm:pt modelId="{C745155E-8DD4-4AE8-8965-DF390C1DC96C}" type="pres">
+      <dgm:prSet presAssocID="{769DBFD6-1E3D-4C38-B6DF-7E9CFD060079}" presName="funnel" presStyleLbl="trAlignAcc1" presStyleIdx="0" presStyleCnt="1"/>
+      <dgm:spPr/>
+    </dgm:pt>
+  </dgm:ptLst>
+  <dgm:cxnLst>
+    <dgm:cxn modelId="{AD5C1A50-139D-40B1-8135-07BF9BE3E13D}" srcId="{769DBFD6-1E3D-4C38-B6DF-7E9CFD060079}" destId="{802AF5F2-22B6-4D5F-AF0C-16710DC8DF7D}" srcOrd="2" destOrd="0" parTransId="{F1174B9D-99A0-4EFA-A5F7-BF23383D2267}" sibTransId="{6F8CC1F3-A092-4E45-9E8F-A097BD2DFB22}"/>
+    <dgm:cxn modelId="{EE8BB900-1CDC-4A7F-A1FC-3F8AABFB130E}" srcId="{769DBFD6-1E3D-4C38-B6DF-7E9CFD060079}" destId="{B657A63F-17D3-40E6-A466-AF2CBAD632AB}" srcOrd="3" destOrd="0" parTransId="{F0D0236F-DF8D-4953-92C1-318D4AB34E37}" sibTransId="{B0312C67-47E4-437E-8954-80E7E67EF4F0}"/>
+    <dgm:cxn modelId="{CFDBDF1F-AB7B-48F0-9119-E84BA2A7745B}" type="presOf" srcId="{B657A63F-17D3-40E6-A466-AF2CBAD632AB}" destId="{9DF06375-0407-4CE4-8893-594D17BBD24C}" srcOrd="0" destOrd="0" presId="urn:microsoft.com/office/officeart/2005/8/layout/funnel1"/>
+    <dgm:cxn modelId="{E21B6A9E-C9A0-4B39-A79E-059D00F7E650}" type="presOf" srcId="{802AF5F2-22B6-4D5F-AF0C-16710DC8DF7D}" destId="{A68E6350-19B8-4D20-85AF-F0B5A7F74CB0}" srcOrd="0" destOrd="0" presId="urn:microsoft.com/office/officeart/2005/8/layout/funnel1"/>
+    <dgm:cxn modelId="{64930EFC-29B1-4848-9C0D-C599C8F41331}" type="presOf" srcId="{769DBFD6-1E3D-4C38-B6DF-7E9CFD060079}" destId="{D6F571BF-DCED-4E67-9110-A056E52749D9}" srcOrd="0" destOrd="0" presId="urn:microsoft.com/office/officeart/2005/8/layout/funnel1"/>
+    <dgm:cxn modelId="{22B4789D-3445-4513-A123-D4DF3554EB68}" srcId="{769DBFD6-1E3D-4C38-B6DF-7E9CFD060079}" destId="{B6D5328D-E061-40A7-8D4E-AFD0E7328F81}" srcOrd="0" destOrd="0" parTransId="{0529D57F-1D62-4945-89B5-AB46B45D9BCD}" sibTransId="{5EC81800-DA9F-4C51-BC59-7CCCEEE15D5E}"/>
+    <dgm:cxn modelId="{C1E08E98-C883-4C29-9141-0E255F70C0D5}" srcId="{769DBFD6-1E3D-4C38-B6DF-7E9CFD060079}" destId="{B5E80C4C-1A88-4497-8381-AB1A7973E80A}" srcOrd="1" destOrd="0" parTransId="{3241D38B-977E-4A4C-9C9B-7D56894BCF23}" sibTransId="{98DFE2AF-66AE-4BB7-B337-B0F94A9D031B}"/>
+    <dgm:cxn modelId="{9D093827-6CDB-43F9-B20B-41F2515EC6AF}" type="presOf" srcId="{B5E80C4C-1A88-4497-8381-AB1A7973E80A}" destId="{462F25F0-9AB3-490F-A6A3-34EFAD0E020B}" srcOrd="0" destOrd="0" presId="urn:microsoft.com/office/officeart/2005/8/layout/funnel1"/>
+    <dgm:cxn modelId="{9B94D09F-CCC3-4188-8661-0208A289D9CC}" type="presOf" srcId="{B6D5328D-E061-40A7-8D4E-AFD0E7328F81}" destId="{9B09BEA2-E39D-4785-9A1A-E3655D51425F}" srcOrd="0" destOrd="0" presId="urn:microsoft.com/office/officeart/2005/8/layout/funnel1"/>
+    <dgm:cxn modelId="{3AA4F5C6-817D-4FEB-A4A9-62267D9488AC}" type="presParOf" srcId="{D6F571BF-DCED-4E67-9110-A056E52749D9}" destId="{6205F7A5-5597-46AF-BDAB-7C85B74935F2}" srcOrd="0" destOrd="0" presId="urn:microsoft.com/office/officeart/2005/8/layout/funnel1"/>
+    <dgm:cxn modelId="{DB3A06B7-8798-4166-97B9-394061718852}" type="presParOf" srcId="{D6F571BF-DCED-4E67-9110-A056E52749D9}" destId="{10CD578B-478D-4308-A87C-C35D680A38F8}" srcOrd="1" destOrd="0" presId="urn:microsoft.com/office/officeart/2005/8/layout/funnel1"/>
+    <dgm:cxn modelId="{9D861FBB-3B7D-4E16-9981-8D7835437D62}" type="presParOf" srcId="{D6F571BF-DCED-4E67-9110-A056E52749D9}" destId="{9DF06375-0407-4CE4-8893-594D17BBD24C}" srcOrd="2" destOrd="0" presId="urn:microsoft.com/office/officeart/2005/8/layout/funnel1"/>
+    <dgm:cxn modelId="{EE3B194A-500A-4730-9414-057316ADB716}" type="presParOf" srcId="{D6F571BF-DCED-4E67-9110-A056E52749D9}" destId="{A68E6350-19B8-4D20-85AF-F0B5A7F74CB0}" srcOrd="3" destOrd="0" presId="urn:microsoft.com/office/officeart/2005/8/layout/funnel1"/>
+    <dgm:cxn modelId="{5CF3338E-D38C-4E4E-A9F6-9F3B83B5F1EE}" type="presParOf" srcId="{D6F571BF-DCED-4E67-9110-A056E52749D9}" destId="{462F25F0-9AB3-490F-A6A3-34EFAD0E020B}" srcOrd="4" destOrd="0" presId="urn:microsoft.com/office/officeart/2005/8/layout/funnel1"/>
+    <dgm:cxn modelId="{DBB1E922-D4D3-4905-88A1-50573D061CBE}" type="presParOf" srcId="{D6F571BF-DCED-4E67-9110-A056E52749D9}" destId="{9B09BEA2-E39D-4785-9A1A-E3655D51425F}" srcOrd="5" destOrd="0" presId="urn:microsoft.com/office/officeart/2005/8/layout/funnel1"/>
+    <dgm:cxn modelId="{C522D1EA-607D-4645-95B3-B8831A79E8CF}" type="presParOf" srcId="{D6F571BF-DCED-4E67-9110-A056E52749D9}" destId="{C745155E-8DD4-4AE8-8965-DF390C1DC96C}" srcOrd="6" destOrd="0" presId="urn:microsoft.com/office/officeart/2005/8/layout/funnel1"/>
+  </dgm:cxnLst>
+  <dgm:bg/>
+  <dgm:whole/>
+  <dgm:extLst>
+    <a:ext uri="http://schemas.microsoft.com/office/drawing/2008/diagram">
+      <dsp:dataModelExt xmlns:dsp="http://schemas.microsoft.com/office/drawing/2008/diagram" relId="rId7" minVer="http://schemas.openxmlformats.org/drawingml/2006/diagram"/>
+    </a:ext>
+  </dgm:extLst>
+</dgm:dataModel>
+</file>
+
+<file path=ppt/diagrams/drawing1.xml><?xml version="1.0" encoding="utf-8"?>
+<dsp:drawing xmlns:dgm="http://schemas.openxmlformats.org/drawingml/2006/diagram" xmlns:dsp="http://schemas.microsoft.com/office/drawing/2008/diagram" xmlns:a="http://schemas.openxmlformats.org/drawingml/2006/main">
+  <dsp:spTree>
+    <dsp:nvGrpSpPr>
+      <dsp:cNvPr id="0" name=""/>
+      <dsp:cNvGrpSpPr/>
+    </dsp:nvGrpSpPr>
+    <dsp:grpSpPr/>
+  </dsp:spTree>
+</dsp:drawing>
+</file>
+
+<file path=ppt/diagrams/layout1.xml><?xml version="1.0" encoding="utf-8"?>
+<dgm:layoutDef xmlns:dgm="http://schemas.openxmlformats.org/drawingml/2006/diagram" xmlns:a="http://schemas.openxmlformats.org/drawingml/2006/main" uniqueId="urn:microsoft.com/office/officeart/2005/8/layout/funnel1">
+  <dgm:title val=""/>
+  <dgm:desc val=""/>
+  <dgm:catLst>
+    <dgm:cat type="relationship" pri="2000"/>
+    <dgm:cat type="process" pri="27000"/>
+  </dgm:catLst>
+  <dgm:sampData>
+    <dgm:dataModel>
+      <dgm:ptLst>
+        <dgm:pt modelId="0" type="doc"/>
+        <dgm:pt modelId="1">
+          <dgm:prSet phldr="1"/>
+        </dgm:pt>
+        <dgm:pt modelId="2">
+          <dgm:prSet phldr="1"/>
+        </dgm:pt>
+        <dgm:pt modelId="3">
+          <dgm:prSet phldr="1"/>
+        </dgm:pt>
+        <dgm:pt modelId="4">
+          <dgm:prSet phldr="1"/>
+        </dgm:pt>
+      </dgm:ptLst>
+      <dgm:cxnLst>
+        <dgm:cxn modelId="5" srcId="0" destId="1" srcOrd="0" destOrd="0"/>
+        <dgm:cxn modelId="6" srcId="0" destId="2" srcOrd="1" destOrd="0"/>
+        <dgm:cxn modelId="7" srcId="0" destId="3" srcOrd="2" destOrd="0"/>
+        <dgm:cxn modelId="8" srcId="0" destId="4" srcOrd="3" destOrd="0"/>
+      </dgm:cxnLst>
+      <dgm:bg/>
+      <dgm:whole/>
+    </dgm:dataModel>
+  </dgm:sampData>
+  <dgm:styleData>
+    <dgm:dataModel>
+      <dgm:ptLst>
+        <dgm:pt modelId="0" type="doc"/>
+        <dgm:pt modelId="1"/>
+        <dgm:pt modelId="2"/>
+      </dgm:ptLst>
+      <dgm:cxnLst>
+        <dgm:cxn modelId="3" srcId="0" destId="1" srcOrd="0" destOrd="0"/>
+        <dgm:cxn modelId="4" srcId="0" destId="2" srcOrd="1" destOrd="0"/>
+      </dgm:cxnLst>
+      <dgm:bg/>
+      <dgm:whole/>
+    </dgm:dataModel>
+  </dgm:styleData>
+  <dgm:clrData>
+    <dgm:dataModel>
+      <dgm:ptLst>
+        <dgm:pt modelId="0" type="doc"/>
+        <dgm:pt modelId="1"/>
+        <dgm:pt modelId="2"/>
+        <dgm:pt modelId="3"/>
+        <dgm:pt modelId="4"/>
+      </dgm:ptLst>
+      <dgm:cxnLst>
+        <dgm:cxn modelId="5" srcId="0" destId="1" srcOrd="0" destOrd="0"/>
+        <dgm:cxn modelId="6" srcId="0" destId="2" srcOrd="1" destOrd="0"/>
+        <dgm:cxn modelId="7" srcId="0" destId="3" srcOrd="2" destOrd="0"/>
+        <dgm:cxn modelId="8" srcId="0" destId="4" srcOrd="3" destOrd="0"/>
+      </dgm:cxnLst>
+      <dgm:bg/>
+      <dgm:whole/>
+    </dgm:dataModel>
+  </dgm:clrData>
+  <dgm:layoutNode name="Name0">
+    <dgm:varLst>
+      <dgm:chMax val="4"/>
+      <dgm:resizeHandles val="exact"/>
+    </dgm:varLst>
+    <dgm:alg type="composite">
+      <dgm:param type="ar" val="1.25"/>
+    </dgm:alg>
+    <dgm:shape xmlns:r="http://schemas.openxmlformats.org/officeDocument/2006/relationships" r:blip="">
+      <dgm:adjLst/>
+    </dgm:shape>
+    <dgm:presOf/>
+    <dgm:choose name="Name1">
+      <dgm:if name="Name2" axis="ch" ptType="node" func="cnt" op="equ" val="2">
+        <dgm:constrLst>
+          <dgm:constr type="w" for="ch" forName="ellipse" refType="w" fact="0.645"/>
+          <dgm:constr type="h" for="ch" forName="ellipse" refType="h" fact="0.28"/>
+          <dgm:constr type="t" for="ch" forName="ellipse" refType="w" fact="0.0275"/>
+          <dgm:constr type="l" for="ch" forName="ellipse" refType="w" fact="0.0265"/>
+          <dgm:constr type="w" for="ch" forName="arrow1" refType="w" fact="0.125"/>
+          <dgm:constr type="h" for="ch" forName="arrow1" refType="h" fact="0.1"/>
+          <dgm:constr type="t" for="ch" forName="arrow1" refType="h" fact="0.72"/>
+          <dgm:constr type="l" for="ch" forName="arrow1" refType="w" fact="0.2875"/>
+          <dgm:constr type="w" for="ch" forName="rectangle" refType="w" fact="0.6"/>
+          <dgm:constr type="h" for="ch" forName="rectangle" refType="w" refFor="ch" refForName="rectangle" fact="0.25"/>
+          <dgm:constr type="t" for="ch" forName="rectangle" refType="h" fact="0.8"/>
+          <dgm:constr type="l" for="ch" forName="rectangle" refType="w" fact="0.05"/>
+          <dgm:constr type="w" for="ch" forName="item1" refType="w" fact="0.35"/>
+          <dgm:constr type="h" for="ch" forName="item1" refType="w" fact="0.35"/>
+          <dgm:constr type="t" for="ch" forName="item1" refType="h" fact="0.05"/>
+          <dgm:constr type="l" for="ch" forName="item1" refType="w" fact="0.125"/>
+          <dgm:constr type="primFontSz" for="ch" forName="item1" op="equ" val="65"/>
+          <dgm:constr type="w" for="ch" forName="funnel" refType="w" fact="0.7"/>
+          <dgm:constr type="h" for="ch" forName="funnel" refType="h" fact="0.7"/>
+          <dgm:constr type="t" for="ch" forName="funnel"/>
+          <dgm:constr type="l" for="ch" forName="funnel"/>
+        </dgm:constrLst>
+      </dgm:if>
+      <dgm:else name="Name3">
+        <dgm:constrLst>
+          <dgm:constr type="w" for="ch" forName="ellipse" refType="w" fact="0.645"/>
+          <dgm:constr type="h" for="ch" forName="ellipse" refType="h" fact="0.28"/>
+          <dgm:constr type="t" for="ch" forName="ellipse" refType="w" fact="0.0275"/>
+          <dgm:constr type="l" for="ch" forName="ellipse" refType="w" fact="0.0265"/>
+          <dgm:constr type="w" for="ch" forName="arrow1" refType="w" fact="0.125"/>
+          <dgm:constr type="h" for="ch" forName="arrow1" refType="h" fact="0.1"/>
+          <dgm:constr type="t" for="ch" forName="arrow1" refType="h" fact="0.72"/>
+          <dgm:constr type="l" for="ch" forName="arrow1" refType="w" fact="0.2875"/>
+          <dgm:constr type="w" for="ch" forName="rectangle" refType="w" fact="0.6"/>
+          <dgm:constr type="h" for="ch" forName="rectangle" refType="w" refFor="ch" refForName="rectangle" fact="0.25"/>
+          <dgm:constr type="t" for="ch" forName="rectangle" refType="h" fact="0.8"/>
+          <dgm:constr type="l" for="ch" forName="rectangle" refType="w" fact="0.05"/>
+          <dgm:constr type="primFontSz" for="ch" forName="rectangle" val="65"/>
+          <dgm:constr type="w" for="ch" forName="item1" refType="w" fact="0.225"/>
+          <dgm:constr type="h" for="ch" forName="item1" refType="w" fact="0.225"/>
+          <dgm:constr type="t" for="ch" forName="item1" refType="h" fact="0.336"/>
+          <dgm:constr type="l" for="ch" forName="item1" refType="w" fact="0.261"/>
+          <dgm:constr type="primFontSz" for="ch" forName="item1" val="65"/>
+          <dgm:constr type="w" for="ch" forName="item2" refType="w" fact="0.225"/>
+          <dgm:constr type="h" for="ch" forName="item2" refType="w" fact="0.225"/>
+          <dgm:constr type="t" for="ch" forName="item2" refType="h" fact="0.125"/>
+          <dgm:constr type="l" for="ch" forName="item2" refType="w" fact="0.1"/>
+          <dgm:constr type="primFontSz" for="ch" forName="item2" refType="primFontSz" refFor="ch" refForName="item1" op="equ"/>
+          <dgm:constr type="w" for="ch" forName="item3" refType="w" fact="0.225"/>
+          <dgm:constr type="h" for="ch" forName="item3" refType="w" fact="0.225"/>
+          <dgm:constr type="t" for="ch" forName="item3" refType="h" fact="0.057"/>
+          <dgm:constr type="l" for="ch" forName="item3" refType="w" fact="0.33"/>
+          <dgm:constr type="primFontSz" for="ch" forName="item3" refType="primFontSz" refFor="ch" refForName="item1" op="equ"/>
+          <dgm:constr type="w" for="ch" forName="funnel" refType="w" fact="0.7"/>
+          <dgm:constr type="h" for="ch" forName="funnel" refType="h" fact="0.7"/>
+          <dgm:constr type="t" for="ch" forName="funnel"/>
+          <dgm:constr type="l" for="ch" forName="funnel"/>
+        </dgm:constrLst>
+      </dgm:else>
+    </dgm:choose>
+    <dgm:ruleLst/>
+    <dgm:choose name="Name4">
+      <dgm:if name="Name5" axis="ch" ptType="node" func="cnt" op="gte" val="1">
+        <dgm:layoutNode name="ellipse" styleLbl="trBgShp">
+          <dgm:alg type="sp"/>
+          <dgm:shape xmlns:r="http://schemas.openxmlformats.org/officeDocument/2006/relationships" type="ellipse" r:blip="">
+            <dgm:adjLst/>
+          </dgm:shape>
+          <dgm:presOf/>
+          <dgm:constrLst/>
+          <dgm:ruleLst/>
+        </dgm:layoutNode>
+        <dgm:layoutNode name="arrow1" styleLbl="fgShp">
+          <dgm:alg type="sp"/>
+          <dgm:shape xmlns:r="http://schemas.openxmlformats.org/officeDocument/2006/relationships" type="downArrow" r:blip="">
+            <dgm:adjLst/>
+          </dgm:shape>
+          <dgm:presOf/>
+          <dgm:constrLst/>
+          <dgm:ruleLst/>
+        </dgm:layoutNode>
+        <dgm:layoutNode name="rectangle" styleLbl="revTx">
+          <dgm:varLst>
+            <dgm:bulletEnabled val="1"/>
+          </dgm:varLst>
+          <dgm:alg type="tx">
+            <dgm:param type="txAnchorHorzCh" val="ctr"/>
+          </dgm:alg>
+          <dgm:shape xmlns:r="http://schemas.openxmlformats.org/officeDocument/2006/relationships" type="rect" r:blip="">
+            <dgm:adjLst/>
+          </dgm:shape>
+          <dgm:choose name="Name6">
+            <dgm:if name="Name7" axis="ch" ptType="node" func="cnt" op="equ" val="1">
+              <dgm:presOf axis="ch desOrSelf" ptType="node node" st="1 1" cnt="1 0"/>
+            </dgm:if>
+            <dgm:if name="Name8" axis="ch" ptType="node" func="cnt" op="equ" val="2">
+              <dgm:presOf axis="ch desOrSelf" ptType="node node" st="2 1" cnt="1 0"/>
+            </dgm:if>
+            <dgm:if name="Name9" axis="ch" ptType="node" func="cnt" op="equ" val="3">
+              <dgm:presOf axis="ch desOrSelf" ptType="node node" st="3 1" cnt="1 0"/>
+            </dgm:if>
+            <dgm:else name="Name10">
+              <dgm:presOf axis="ch desOrSelf" ptType="node node" st="4 1" cnt="1 0"/>
+            </dgm:else>
+          </dgm:choose>
+          <dgm:constrLst/>
+          <dgm:ruleLst>
+            <dgm:rule type="primFontSz" val="5" fact="NaN" max="NaN"/>
+          </dgm:ruleLst>
+        </dgm:layoutNode>
+        <dgm:forEach name="Name11" axis="ch" ptType="node" st="2" cnt="1">
+          <dgm:layoutNode name="item1" styleLbl="node1">
+            <dgm:varLst>
+              <dgm:bulletEnabled val="1"/>
+            </dgm:varLst>
+            <dgm:alg type="tx">
+              <dgm:param type="txAnchorVertCh" val="mid"/>
+            </dgm:alg>
+            <dgm:shape xmlns:r="http://schemas.openxmlformats.org/officeDocument/2006/relationships" type="ellipse" r:blip="">
+              <dgm:adjLst/>
+            </dgm:shape>
+            <dgm:choose name="Name12">
+              <dgm:if name="Name13" axis="root ch" ptType="all node" func="cnt" op="equ" val="1">
+                <dgm:presOf/>
+              </dgm:if>
+              <dgm:if name="Name14" axis="root ch" ptType="all node" func="cnt" op="equ" val="2">
+                <dgm:presOf axis="root ch desOrSelf" ptType="all node node" st="1 1 1" cnt="0 1 0"/>
+              </dgm:if>
+              <dgm:if name="Name15" axis="root ch" ptType="all node" func="cnt" op="equ" val="3">
+                <dgm:presOf axis="root ch desOrSelf" ptType="all node node" st="1 2 1" cnt="0 1 0"/>
+              </dgm:if>
+              <dgm:else name="Name16">
+                <dgm:presOf axis="root ch desOrSelf" ptType="all node node" st="1 3 1" cnt="0 1 0"/>
+              </dgm:else>
+            </dgm:choose>
+            <dgm:constrLst>
+              <dgm:constr type="tMarg" refType="primFontSz" fact="0.1"/>
+              <dgm:constr type="bMarg" refType="primFontSz" fact="0.1"/>
+              <dgm:constr type="lMarg" refType="primFontSz" fact="0.1"/>
+              <dgm:constr type="rMarg" refType="primFontSz" fact="0.1"/>
+            </dgm:constrLst>
+            <dgm:ruleLst>
+              <dgm:rule type="primFontSz" val="5" fact="NaN" max="NaN"/>
+            </dgm:ruleLst>
+          </dgm:layoutNode>
+        </dgm:forEach>
+        <dgm:forEach name="Name17" axis="ch" ptType="node" st="3" cnt="1">
+          <dgm:layoutNode name="item2" styleLbl="node1">
+            <dgm:varLst>
+              <dgm:bulletEnabled val="1"/>
+            </dgm:varLst>
+            <dgm:alg type="tx">
+              <dgm:param type="txAnchorVertCh" val="mid"/>
+            </dgm:alg>
+            <dgm:shape xmlns:r="http://schemas.openxmlformats.org/officeDocument/2006/relationships" type="ellipse" r:blip="">
+              <dgm:adjLst/>
+            </dgm:shape>
+            <dgm:choose name="Name18">
+              <dgm:if name="Name19" axis="root ch" ptType="all node" func="cnt" op="equ" val="1">
+                <dgm:presOf/>
+              </dgm:if>
+              <dgm:if name="Name20" axis="root ch" ptType="all node" func="cnt" op="equ" val="2">
+                <dgm:presOf/>
+              </dgm:if>
+              <dgm:if name="Name21" axis="root ch" ptType="all node" func="cnt" op="equ" val="3">
+                <dgm:presOf axis="root ch desOrSelf" ptType="all node node" st="1 1 1" cnt="0 1 0"/>
+              </dgm:if>
+              <dgm:else name="Name22">
+                <dgm:presOf axis="root ch desOrSelf" ptType="all node node" st="1 2 1" cnt="0 1 0"/>
+              </dgm:else>
+            </dgm:choose>
+            <dgm:constrLst>
+              <dgm:constr type="tMarg" refType="primFontSz" fact="0.1"/>
+              <dgm:constr type="bMarg" refType="primFontSz" fact="0.1"/>
+              <dgm:constr type="lMarg" refType="primFontSz" fact="0.1"/>
+              <dgm:constr type="rMarg" refType="primFontSz" fact="0.1"/>
+            </dgm:constrLst>
+            <dgm:ruleLst>
+              <dgm:rule type="primFontSz" val="5" fact="NaN" max="NaN"/>
+            </dgm:ruleLst>
+          </dgm:layoutNode>
+        </dgm:forEach>
+        <dgm:forEach name="Name23" axis="ch" ptType="node" st="4" cnt="1">
+          <dgm:layoutNode name="item3" styleLbl="node1">
+            <dgm:varLst>
+              <dgm:bulletEnabled val="1"/>
+            </dgm:varLst>
+            <dgm:alg type="tx">
+              <dgm:param type="txAnchorVertCh" val="mid"/>
+            </dgm:alg>
+            <dgm:shape xmlns:r="http://schemas.openxmlformats.org/officeDocument/2006/relationships" type="ellipse" r:blip="">
+              <dgm:adjLst/>
+            </dgm:shape>
+            <dgm:choose name="Name24">
+              <dgm:if name="Name25" axis="root ch" ptType="all node" func="cnt" op="equ" val="1">
+                <dgm:presOf/>
+              </dgm:if>
+              <dgm:if name="Name26" axis="root ch" ptType="all node" func="cnt" op="equ" val="2">
+                <dgm:presOf/>
+              </dgm:if>
+              <dgm:if name="Name27" axis="root ch" ptType="all node" func="cnt" op="equ" val="3">
+                <dgm:presOf/>
+              </dgm:if>
+              <dgm:else name="Name28">
+                <dgm:presOf axis="root ch desOrSelf" ptType="all node node" st="1 1 1" cnt="0 1 0"/>
+              </dgm:else>
+            </dgm:choose>
+            <dgm:constrLst>
+              <dgm:constr type="tMarg" refType="primFontSz" fact="0.1"/>
+              <dgm:constr type="bMarg" refType="primFontSz" fact="0.1"/>
+              <dgm:constr type="lMarg" refType="primFontSz" fact="0.1"/>
+              <dgm:constr type="rMarg" refType="primFontSz" fact="0.1"/>
+            </dgm:constrLst>
+            <dgm:ruleLst>
+              <dgm:rule type="primFontSz" val="5" fact="NaN" max="NaN"/>
+            </dgm:ruleLst>
+          </dgm:layoutNode>
+        </dgm:forEach>
+        <dgm:layoutNode name="funnel" styleLbl="trAlignAcc1">
+          <dgm:alg type="sp"/>
+          <dgm:shape xmlns:r="http://schemas.openxmlformats.org/officeDocument/2006/relationships" type="funnel" r:blip="">
+            <dgm:adjLst/>
+          </dgm:shape>
+          <dgm:presOf/>
+          <dgm:constrLst/>
+          <dgm:ruleLst/>
+        </dgm:layoutNode>
+      </dgm:if>
+      <dgm:else name="Name29"/>
+    </dgm:choose>
+  </dgm:layoutNode>
+</dgm:layoutDef>
+</file>
+
+<file path=ppt/diagrams/quickStyle1.xml><?xml version="1.0" encoding="utf-8"?>
+<dgm:styleDef xmlns:dgm="http://schemas.openxmlformats.org/drawingml/2006/diagram" xmlns:a="http://schemas.openxmlformats.org/drawingml/2006/main" uniqueId="urn:microsoft.com/office/officeart/2005/8/quickstyle/3d9">
+  <dgm:title val=""/>
+  <dgm:desc val=""/>
+  <dgm:catLst>
+    <dgm:cat type="3D" pri="11900"/>
+  </dgm:catLst>
+  <dgm:scene3d>
+    <a:camera prst="perspectiveRelaxed">
+      <a:rot lat="19149996" lon="20104178" rev="1577324"/>
+    </a:camera>
+    <a:lightRig rig="soft" dir="t"/>
+    <a:backdrop>
+      <a:anchor x="0" y="0" z="-210000"/>
+      <a:norm dx="0" dy="0" dz="914400"/>
+      <a:up dx="0" dy="914400" dz="0"/>
+    </a:backdrop>
+  </dgm:scene3d>
+  <dgm:styleLbl name="node0">
+    <dgm:scene3d>
+      <a:camera prst="orthographicFront"/>
+      <a:lightRig rig="threePt" dir="t"/>
+    </dgm:scene3d>
+    <dgm:sp3d extrusionH="152250" prstMaterial="matte">
+      <a:bevelT w="165100" prst="coolSlant"/>
+    </dgm:sp3d>
+    <dgm:txPr>
+      <a:sp3d extrusionH="28000" prstMaterial="matte"/>
+    </dgm:txPr>
+    <dgm:style>
+      <a:lnRef idx="0">
+        <a:scrgbClr r="0" g="0" b="0"/>
+      </a:lnRef>
+      <a:fillRef idx="1">
+        <a:scrgbClr r="0" g="0" b="0"/>
+      </a:fillRef>
+      <a:effectRef idx="2">
+        <a:scrgbClr r="0" g="0" b="0"/>
+      </a:effectRef>
+      <a:fontRef idx="minor">
+        <a:schemeClr val="lt1"/>
+      </a:fontRef>
+    </dgm:style>
+  </dgm:styleLbl>
+  <dgm:styleLbl name="lnNode1">
+    <dgm:scene3d>
+      <a:camera prst="orthographicFront"/>
+      <a:lightRig rig="threePt" dir="t"/>
+    </dgm:scene3d>
+    <dgm:sp3d extrusionH="152250" prstMaterial="matte">
+      <a:bevelT w="165100" prst="coolSlant"/>
+    </dgm:sp3d>
+    <dgm:txPr>
+      <a:sp3d extrusionH="28000" prstMaterial="matte"/>
+    </dgm:txPr>
+    <dgm:style>
+      <a:lnRef idx="0">
+        <a:scrgbClr r="0" g="0" b="0"/>
+      </a:lnRef>
+      <a:fillRef idx="1">
+        <a:scrgbClr r="0" g="0" b="0"/>
+      </a:fillRef>
+      <a:effectRef idx="2">
+        <a:scrgbClr r="0" g="0" b="0"/>
+      </a:effectRef>
+      <a:fontRef idx="minor">
+        <a:schemeClr val="lt1"/>
+      </a:fontRef>
+    </dgm:style>
+  </dgm:styleLbl>
+  <dgm:styleLbl name="vennNode1">
+    <dgm:scene3d>
+      <a:camera prst="orthographicFront"/>
+      <a:lightRig rig="threePt" dir="t"/>
+    </dgm:scene3d>
+    <dgm:sp3d extrusionH="152250" prstMaterial="matte">
+      <a:bevelT w="165100" prst="coolSlant"/>
+    </dgm:sp3d>
+    <dgm:txPr>
+      <a:sp3d extrusionH="28000" prstMaterial="matte"/>
+    </dgm:txPr>
+    <dgm:style>
+      <a:lnRef idx="0">
+        <a:scrgbClr r="0" g="0" b="0"/>
+      </a:lnRef>
+      <a:fillRef idx="1">
+        <a:scrgbClr r="0" g="0" b="0"/>
+      </a:fillRef>
+      <a:effectRef idx="2">
+        <a:scrgbClr r="0" g="0" b="0"/>
+      </a:effectRef>
+      <a:fontRef idx="minor">
+        <a:schemeClr val="tx1"/>
+      </a:fontRef>
+    </dgm:style>
+  </dgm:styleLbl>
+  <dgm:styleLbl name="alignNode1">
+    <dgm:scene3d>
+      <a:camera prst="orthographicFront"/>
+      <a:lightRig rig="threePt" dir="t"/>
+    </dgm:scene3d>
+    <dgm:sp3d extrusionH="152250" prstMaterial="matte">
+      <a:bevelT w="165100" prst="coolSlant"/>
+    </dgm:sp3d>
+    <dgm:txPr>
+      <a:sp3d extrusionH="28000" prstMaterial="matte"/>
+    </dgm:txPr>
+    <dgm:style>
+      <a:lnRef idx="1">
+        <a:scrgbClr r="0" g="0" b="0"/>
+      </a:lnRef>
+      <a:fillRef idx="1">
+        <a:scrgbClr r="0" g="0" b="0"/>
+      </a:fillRef>
+      <a:effectRef idx="2">
+        <a:scrgbClr r="0" g="0" b="0"/>
+      </a:effectRef>
+      <a:fontRef idx="minor">
+        <a:schemeClr val="lt1"/>
+      </a:fontRef>
+    </dgm:style>
+  </dgm:styleLbl>
+  <dgm:styleLbl name="node1">
+    <dgm:scene3d>
+      <a:camera prst="orthographicFront"/>
+      <a:lightRig rig="threePt" dir="t"/>
+    </dgm:scene3d>
+    <dgm:sp3d extrusionH="152250" prstMaterial="matte">
+      <a:bevelT w="165100" prst="coolSlant"/>
+    </dgm:sp3d>
+    <dgm:txPr>
+      <a:sp3d extrusionH="28000" prstMaterial="matte"/>
+    </dgm:txPr>
+    <dgm:style>
+      <a:lnRef idx="0">
+        <a:scrgbClr r="0" g="0" b="0"/>
+      </a:lnRef>
+      <a:fillRef idx="1">
+        <a:scrgbClr r="0" g="0" b="0"/>
+      </a:fillRef>
+      <a:effectRef idx="2">
+        <a:scrgbClr r="0" g="0" b="0"/>
+      </a:effectRef>
+      <a:fontRef idx="minor">
+        <a:schemeClr val="lt1"/>
+      </a:fontRef>
+    </dgm:style>
+  </dgm:styleLbl>
+  <dgm:styleLbl name="node2">
+    <dgm:scene3d>
+      <a:camera prst="orthographicFront"/>
+      <a:lightRig rig="threePt" dir="t"/>
+    </dgm:scene3d>
+    <dgm:sp3d extrusionH="152250" prstMaterial="matte">
+      <a:bevelT w="165100" prst="coolSlant"/>
+    </dgm:sp3d>
+    <dgm:txPr>
+      <a:sp3d extrusionH="28000" prstMaterial="matte"/>
+    </dgm:txPr>
+    <dgm:style>
+      <a:lnRef idx="0">
+        <a:scrgbClr r="0" g="0" b="0"/>
+      </a:lnRef>
+      <a:fillRef idx="1">
+        <a:scrgbClr r="0" g="0" b="0"/>
+      </a:fillRef>
+      <a:effectRef idx="2">
+        <a:scrgbClr r="0" g="0" b="0"/>
+      </a:effectRef>
+      <a:fontRef idx="minor">
+        <a:schemeClr val="lt1"/>
+      </a:fontRef>
+    </dgm:style>
+  </dgm:styleLbl>
+  <dgm:styleLbl name="node3">
+    <dgm:scene3d>
+      <a:camera prst="orthographicFront"/>
+      <a:lightRig rig="threePt" dir="t"/>
+    </dgm:scene3d>
+    <dgm:sp3d extrusionH="152250" prstMaterial="matte">
+      <a:bevelT w="165100" prst="coolSlant"/>
+    </dgm:sp3d>
+    <dgm:txPr>
+      <a:sp3d extrusionH="28000" prstMaterial="matte"/>
+    </dgm:txPr>
+    <dgm:style>
+      <a:lnRef idx="0">
+        <a:scrgbClr r="0" g="0" b="0"/>
+      </a:lnRef>
+      <a:fillRef idx="1">
+        <a:scrgbClr r="0" g="0" b="0"/>
+      </a:fillRef>
+      <a:effectRef idx="2">
+        <a:scrgbClr r="0" g="0" b="0"/>
+      </a:effectRef>
+      <a:fontRef idx="minor">
+        <a:schemeClr val="lt1"/>
+      </a:fontRef>
+    </dgm:style>
+  </dgm:styleLbl>
+  <dgm:styleLbl name="node4">
+    <dgm:scene3d>
+      <a:camera prst="orthographicFront"/>
+      <a:lightRig rig="threePt" dir="t"/>
+    </dgm:scene3d>
+    <dgm:sp3d extrusionH="152250" prstMaterial="matte">
+      <a:bevelT w="165100" prst="coolSlant"/>
+    </dgm:sp3d>
+    <dgm:txPr>
+      <a:sp3d extrusionH="28000" prstMaterial="matte"/>
+    </dgm:txPr>
+    <dgm:style>
+      <a:lnRef idx="0">
+        <a:scrgbClr r="0" g="0" b="0"/>
+      </a:lnRef>
+      <a:fillRef idx="1">
+        <a:scrgbClr r="0" g="0" b="0"/>
+      </a:fillRef>
+      <a:effectRef idx="2">
+        <a:scrgbClr r="0" g="0" b="0"/>
+      </a:effectRef>
+      <a:fontRef idx="minor">
+        <a:schemeClr val="lt1"/>
+      </a:fontRef>
+    </dgm:style>
+  </dgm:styleLbl>
+  <dgm:styleLbl name="fgImgPlace1">
+    <dgm:scene3d>
+      <a:camera prst="orthographicFront"/>
+      <a:lightRig rig="threePt" dir="t"/>
+    </dgm:scene3d>
+    <dgm:sp3d prstMaterial="matte"/>
+    <dgm:txPr/>
+    <dgm:style>
+      <a:lnRef idx="0">
+        <a:scrgbClr r="0" g="0" b="0"/>
+      </a:lnRef>
+      <a:fillRef idx="1">
+        <a:scrgbClr r="0" g="0" b="0"/>
+      </a:fillRef>
+      <a:effectRef idx="0">
+        <a:scrgbClr r="0" g="0" b="0"/>
+      </a:effectRef>
+      <a:fontRef idx="minor"/>
+    </dgm:style>
+  </dgm:styleLbl>
+  <dgm:styleLbl name="alignImgPlace1">
+    <dgm:scene3d>
+      <a:camera prst="orthographicFront"/>
+      <a:lightRig rig="threePt" dir="t"/>
+    </dgm:scene3d>
+    <dgm:sp3d extrusionH="152250" prstMaterial="matte">
+      <a:bevelT w="165100" prst="coolSlant"/>
+    </dgm:sp3d>
+    <dgm:txPr/>
+    <dgm:style>
+      <a:lnRef idx="0">
+        <a:scrgbClr r="0" g="0" b="0"/>
+      </a:lnRef>
+      <a:fillRef idx="1">
+        <a:scrgbClr r="0" g="0" b="0"/>
+      </a:fillRef>
+      <a:effectRef idx="0">
+        <a:scrgbClr r="0" g="0" b="0"/>
+      </a:effectRef>
+      <a:fontRef idx="minor"/>
+    </dgm:style>
+  </dgm:styleLbl>
+  <dgm:styleLbl name="bgImgPlace1">
+    <dgm:scene3d>
+      <a:camera prst="orthographicFront"/>
+      <a:lightRig rig="threePt" dir="t"/>
+    </dgm:scene3d>
+    <dgm:sp3d z="-227350" prstMaterial="matte"/>
+    <dgm:txPr/>
+    <dgm:style>
+      <a:lnRef idx="0">
+        <a:scrgbClr r="0" g="0" b="0"/>
+      </a:lnRef>
+      <a:fillRef idx="1">
+        <a:scrgbClr r="0" g="0" b="0"/>
+      </a:fillRef>
+      <a:effectRef idx="0">
+        <a:scrgbClr r="0" g="0" b="0"/>
+      </a:effectRef>
+      <a:fontRef idx="minor"/>
+    </dgm:style>
+  </dgm:styleLbl>
+  <dgm:styleLbl name="sibTrans2D1">
+    <dgm:scene3d>
+      <a:camera prst="orthographicFront"/>
+      <a:lightRig rig="threePt" dir="t"/>
+    </dgm:scene3d>
+    <dgm:sp3d z="-227350" prstMaterial="matte"/>
+    <dgm:txPr/>
+    <dgm:style>
+      <a:lnRef idx="0">
+        <a:scrgbClr r="0" g="0" b="0"/>
+      </a:lnRef>
+      <a:fillRef idx="1">
+        <a:scrgbClr r="0" g="0" b="0"/>
+      </a:fillRef>
+      <a:effectRef idx="0">
+        <a:scrgbClr r="0" g="0" b="0"/>
+      </a:effectRef>
+      <a:fontRef idx="minor">
+        <a:schemeClr val="lt1"/>
+      </a:fontRef>
+    </dgm:style>
+  </dgm:styleLbl>
+  <dgm:styleLbl name="fgSibTrans2D1">
+    <dgm:scene3d>
+      <a:camera prst="orthographicFront"/>
+      <a:lightRig rig="threePt" dir="t"/>
+    </dgm:scene3d>
+    <dgm:sp3d prstMaterial="matte"/>
+    <dgm:txPr/>
+    <dgm:style>
+      <a:lnRef idx="0">
+        <a:scrgbClr r="0" g="0" b="0"/>
+      </a:lnRef>
+      <a:fillRef idx="1">
+        <a:scrgbClr r="0" g="0" b="0"/>
+      </a:fillRef>
+      <a:effectRef idx="2">
+        <a:scrgbClr r="0" g="0" b="0"/>
+      </a:effectRef>
+      <a:fontRef idx="minor">
+        <a:schemeClr val="lt1"/>
+      </a:fontRef>
+    </dgm:style>
+  </dgm:styleLbl>
+  <dgm:styleLbl name="bgSibTrans2D1">
+    <dgm:scene3d>
+      <a:camera prst="orthographicFront"/>
+      <a:lightRig rig="threePt" dir="t"/>
+    </dgm:scene3d>
+    <dgm:sp3d z="-227350" prstMaterial="matte"/>
+    <dgm:txPr/>
+    <dgm:style>
+      <a:lnRef idx="0">
+        <a:scrgbClr r="0" g="0" b="0"/>
+      </a:lnRef>
+      <a:fillRef idx="1">
+        <a:scrgbClr r="0" g="0" b="0"/>
+      </a:fillRef>
+      <a:effectRef idx="0">
+        <a:scrgbClr r="0" g="0" b="0"/>
+      </a:effectRef>
+      <a:fontRef idx="minor">
+        <a:schemeClr val="lt1"/>
+      </a:fontRef>
+    </dgm:style>
+  </dgm:styleLbl>
+  <dgm:styleLbl name="sibTrans1D1">
+    <dgm:scene3d>
+      <a:camera prst="orthographicFront"/>
+      <a:lightRig rig="threePt" dir="t"/>
+    </dgm:scene3d>
+    <dgm:sp3d z="-227350" prstMaterial="matte"/>
+    <dgm:txPr/>
+    <dgm:style>
+      <a:lnRef idx="1">
+        <a:scrgbClr r="0" g="0" b="0"/>
+      </a:lnRef>
+      <a:fillRef idx="0">
+        <a:scrgbClr r="0" g="0" b="0"/>
+      </a:fillRef>
+      <a:effectRef idx="0">
+        <a:scrgbClr r="0" g="0" b="0"/>
+      </a:effectRef>
+      <a:fontRef idx="minor"/>
+    </dgm:style>
+  </dgm:styleLbl>
+  <dgm:styleLbl name="callout">
+    <dgm:scene3d>
+      <a:camera prst="orthographicFront"/>
+      <a:lightRig rig="threePt" dir="t"/>
+    </dgm:scene3d>
+    <dgm:sp3d prstMaterial="matte"/>
+    <dgm:txPr/>
+    <dgm:style>
+      <a:lnRef idx="2">
+        <a:scrgbClr r="0" g="0" b="0"/>
+      </a:lnRef>
+      <a:fillRef idx="1">
+        <a:scrgbClr r="0" g="0" b="0"/>
+      </a:fillRef>
+      <a:effectRef idx="0">
+        <a:scrgbClr r="0" g="0" b="0"/>
+      </a:effectRef>
+      <a:fontRef idx="minor"/>
+    </dgm:style>
+  </dgm:styleLbl>
+  <dgm:styleLbl name="asst0">
+    <dgm:scene3d>
+      <a:camera prst="orthographicFront"/>
+      <a:lightRig rig="threePt" dir="t"/>
+    </dgm:scene3d>
+    <dgm:sp3d extrusionH="152250" prstMaterial="matte">
+      <a:bevelT w="165100" prst="coolSlant"/>
+    </dgm:sp3d>
+    <dgm:txPr>
+      <a:sp3d extrusionH="28000" prstMaterial="matte"/>
+    </dgm:txPr>
+    <dgm:style>
+      <a:lnRef idx="0">
+        <a:scrgbClr r="0" g="0" b="0"/>
+      </a:lnRef>
+      <a:fillRef idx="1">
+        <a:scrgbClr r="0" g="0" b="0"/>
+      </a:fillRef>
+      <a:effectRef idx="2">
+        <a:scrgbClr r="0" g="0" b="0"/>
+      </a:effectRef>
+      <a:fontRef idx="minor">
+        <a:schemeClr val="lt1"/>
+      </a:fontRef>
+    </dgm:style>
+  </dgm:styleLbl>
+  <dgm:styleLbl name="asst1">
+    <dgm:scene3d>
+      <a:camera prst="orthographicFront"/>
+      <a:lightRig rig="threePt" dir="t"/>
+    </dgm:scene3d>
+    <dgm:sp3d extrusionH="152250" prstMaterial="matte">
+      <a:bevelT w="165100" prst="coolSlant"/>
+    </dgm:sp3d>
+    <dgm:txPr>
+      <a:sp3d extrusionH="28000" prstMaterial="matte"/>
+    </dgm:txPr>
+    <dgm:style>
+      <a:lnRef idx="0">
+        <a:scrgbClr r="0" g="0" b="0"/>
+      </a:lnRef>
+      <a:fillRef idx="1">
+        <a:scrgbClr r="0" g="0" b="0"/>
+      </a:fillRef>
+      <a:effectRef idx="2">
+        <a:scrgbClr r="0" g="0" b="0"/>
+      </a:effectRef>
+      <a:fontRef idx="minor">
+        <a:schemeClr val="lt1"/>
+      </a:fontRef>
+    </dgm:style>
+  </dgm:styleLbl>
+  <dgm:styleLbl name="asst2">
+    <dgm:scene3d>
+      <a:camera prst="orthographicFront"/>
+      <a:lightRig rig="threePt" dir="t"/>
+    </dgm:scene3d>
+    <dgm:sp3d extrusionH="152250" prstMaterial="matte">
+      <a:bevelT w="165100" prst="coolSlant"/>
+    </dgm:sp3d>
+    <dgm:txPr>
+      <a:sp3d extrusionH="28000" prstMaterial="matte"/>
+    </dgm:txPr>
+    <dgm:style>
+      <a:lnRef idx="0">
+        <a:scrgbClr r="0" g="0" b="0"/>
+      </a:lnRef>
+      <a:fillRef idx="1">
+        <a:scrgbClr r="0" g="0" b="0"/>
+      </a:fillRef>
+      <a:effectRef idx="2">
+        <a:scrgbClr r="0" g="0" b="0"/>
+      </a:effectRef>
+      <a:fontRef idx="minor">
+        <a:schemeClr val="lt1"/>
+      </a:fontRef>
+    </dgm:style>
+  </dgm:styleLbl>
+  <dgm:styleLbl name="asst3">
+    <dgm:scene3d>
+      <a:camera prst="orthographicFront"/>
+      <a:lightRig rig="threePt" dir="t"/>
+    </dgm:scene3d>
+    <dgm:sp3d extrusionH="152250" prstMaterial="matte">
+      <a:bevelT w="165100" prst="coolSlant"/>
+    </dgm:sp3d>
+    <dgm:txPr>
+      <a:sp3d extrusionH="28000" prstMaterial="matte"/>
+    </dgm:txPr>
+    <dgm:style>
+      <a:lnRef idx="0">
+        <a:scrgbClr r="0" g="0" b="0"/>
+      </a:lnRef>
+      <a:fillRef idx="1">
+        <a:scrgbClr r="0" g="0" b="0"/>
+      </a:fillRef>
+      <a:effectRef idx="2">
+        <a:scrgbClr r="0" g="0" b="0"/>
+      </a:effectRef>
+      <a:fontRef idx="minor">
+        <a:schemeClr val="lt1"/>
+      </a:fontRef>
+    </dgm:style>
+  </dgm:styleLbl>
+  <dgm:styleLbl name="parChTrans2D1">
+    <dgm:scene3d>
+      <a:camera prst="orthographicFront"/>
+      <a:lightRig rig="threePt" dir="t"/>
+    </dgm:scene3d>
+    <dgm:sp3d z="-227350" prstMaterial="matte"/>
+    <dgm:txPr/>
+    <dgm:style>
+      <a:lnRef idx="0">
+        <a:scrgbClr r="0" g="0" b="0"/>
+      </a:lnRef>
+      <a:fillRef idx="1">
+        <a:scrgbClr r="0" g="0" b="0"/>
+      </a:fillRef>
+      <a:effectRef idx="0">
+        <a:scrgbClr r="0" g="0" b="0"/>
+      </a:effectRef>
+      <a:fontRef idx="minor">
+        <a:schemeClr val="lt1"/>
+      </a:fontRef>
+    </dgm:style>
+  </dgm:styleLbl>
+  <dgm:styleLbl name="parChTrans2D2">
+    <dgm:scene3d>
+      <a:camera prst="orthographicFront"/>
+      <a:lightRig rig="threePt" dir="t"/>
+    </dgm:scene3d>
+    <dgm:sp3d z="-227350" prstMaterial="matte"/>
+    <dgm:txPr/>
+    <dgm:style>
+      <a:lnRef idx="0">
+        <a:scrgbClr r="0" g="0" b="0"/>
+      </a:lnRef>
+      <a:fillRef idx="1">
+        <a:scrgbClr r="0" g="0" b="0"/>
+      </a:fillRef>
+      <a:effectRef idx="0">
+        <a:scrgbClr r="0" g="0" b="0"/>
+      </a:effectRef>
+      <a:fontRef idx="minor">
+        <a:schemeClr val="lt1"/>
+      </a:fontRef>
+    </dgm:style>
+  </dgm:styleLbl>
+  <dgm:styleLbl name="parChTrans2D3">
+    <dgm:scene3d>
+      <a:camera prst="orthographicFront"/>
+      <a:lightRig rig="threePt" dir="t"/>
+    </dgm:scene3d>
+    <dgm:sp3d z="-227350" prstMaterial="matte"/>
+    <dgm:txPr/>
+    <dgm:style>
+      <a:lnRef idx="0">
+        <a:scrgbClr r="0" g="0" b="0"/>
+      </a:lnRef>
+      <a:fillRef idx="3">
+        <a:scrgbClr r="0" g="0" b="0"/>
+      </a:fillRef>
+      <a:effectRef idx="0">
+        <a:scrgbClr r="0" g="0" b="0"/>
+      </a:effectRef>
+      <a:fontRef idx="minor">
+        <a:schemeClr val="lt1"/>
+      </a:fontRef>
+    </dgm:style>
+  </dgm:styleLbl>
+  <dgm:styleLbl name="parChTrans2D4">
+    <dgm:scene3d>
+      <a:camera prst="orthographicFront"/>
+      <a:lightRig rig="threePt" dir="t"/>
+    </dgm:scene3d>
+    <dgm:sp3d z="-227350" prstMaterial="matte"/>
+    <dgm:txPr/>
+    <dgm:style>
+      <a:lnRef idx="0">
+        <a:scrgbClr r="0" g="0" b="0"/>
+      </a:lnRef>
+      <a:fillRef idx="3">
+        <a:scrgbClr r="0" g="0" b="0"/>
+      </a:fillRef>
+      <a:effectRef idx="0">
+        <a:scrgbClr r="0" g="0" b="0"/>
+      </a:effectRef>
+      <a:fontRef idx="minor">
+        <a:schemeClr val="lt1"/>
+      </a:fontRef>
+    </dgm:style>
+  </dgm:styleLbl>
+  <dgm:styleLbl name="parChTrans1D1">
+    <dgm:scene3d>
+      <a:camera prst="orthographicFront"/>
+      <a:lightRig rig="threePt" dir="t"/>
+    </dgm:scene3d>
+    <dgm:sp3d z="-227350" prstMaterial="matte"/>
+    <dgm:txPr/>
+    <dgm:style>
+      <a:lnRef idx="2">
+        <a:scrgbClr r="0" g="0" b="0"/>
+      </a:lnRef>
+      <a:fillRef idx="0">
+        <a:scrgbClr r="0" g="0" b="0"/>
+      </a:fillRef>
+      <a:effectRef idx="0">
+        <a:scrgbClr r="0" g="0" b="0"/>
+      </a:effectRef>
+      <a:fontRef idx="minor"/>
+    </dgm:style>
+  </dgm:styleLbl>
+  <dgm:styleLbl name="parChTrans1D2">
+    <dgm:scene3d>
+      <a:camera prst="orthographicFront"/>
+      <a:lightRig rig="threePt" dir="t"/>
+    </dgm:scene3d>
+    <dgm:sp3d z="-227350" prstMaterial="matte"/>
+    <dgm:txPr/>
+    <dgm:style>
+      <a:lnRef idx="2">
+        <a:scrgbClr r="0" g="0" b="0"/>
+      </a:lnRef>
+      <a:fillRef idx="0">
+        <a:scrgbClr r="0" g="0" b="0"/>
+      </a:fillRef>
+      <a:effectRef idx="0">
+        <a:scrgbClr r="0" g="0" b="0"/>
+      </a:effectRef>
+      <a:fontRef idx="minor"/>
+    </dgm:style>
+  </dgm:styleLbl>
+  <dgm:styleLbl name="parChTrans1D3">
+    <dgm:scene3d>
+      <a:camera prst="orthographicFront"/>
+      <a:lightRig rig="threePt" dir="t"/>
+    </dgm:scene3d>
+    <dgm:sp3d z="-227350" prstMaterial="matte"/>
+    <dgm:txPr/>
+    <dgm:style>
+      <a:lnRef idx="2">
+        <a:scrgbClr r="0" g="0" b="0"/>
+      </a:lnRef>
+      <a:fillRef idx="0">
+        <a:scrgbClr r="0" g="0" b="0"/>
+      </a:fillRef>
+      <a:effectRef idx="0">
+        <a:scrgbClr r="0" g="0" b="0"/>
+      </a:effectRef>
+      <a:fontRef idx="minor"/>
+    </dgm:style>
+  </dgm:styleLbl>
+  <dgm:styleLbl name="parChTrans1D4">
+    <dgm:scene3d>
+      <a:camera prst="orthographicFront"/>
+      <a:lightRig rig="threePt" dir="t"/>
+    </dgm:scene3d>
+    <dgm:sp3d z="-227350" prstMaterial="matte"/>
+    <dgm:txPr/>
+    <dgm:style>
+      <a:lnRef idx="2">
+        <a:scrgbClr r="0" g="0" b="0"/>
+      </a:lnRef>
+      <a:fillRef idx="0">
+        <a:scrgbClr r="0" g="0" b="0"/>
+      </a:fillRef>
+      <a:effectRef idx="0">
+        <a:scrgbClr r="0" g="0" b="0"/>
+      </a:effectRef>
+      <a:fontRef idx="minor"/>
+    </dgm:style>
+  </dgm:styleLbl>
+  <dgm:styleLbl name="fgAcc1">
+    <dgm:scene3d>
+      <a:camera prst="orthographicFront"/>
+      <a:lightRig rig="threePt" dir="t"/>
+    </dgm:scene3d>
+    <dgm:sp3d prstMaterial="matte"/>
+    <dgm:txPr/>
+    <dgm:style>
+      <a:lnRef idx="1">
+        <a:scrgbClr r="0" g="0" b="0"/>
+      </a:lnRef>
+      <a:fillRef idx="1">
+        <a:scrgbClr r="0" g="0" b="0"/>
+      </a:fillRef>
+      <a:effectRef idx="0">
+        <a:scrgbClr r="0" g="0" b="0"/>
+      </a:effectRef>
+      <a:fontRef idx="minor"/>
+    </dgm:style>
+  </dgm:styleLbl>
+  <dgm:styleLbl name="conFgAcc1">
+    <dgm:scene3d>
+      <a:camera prst="orthographicFront"/>
+      <a:lightRig rig="threePt" dir="t"/>
+    </dgm:scene3d>
+    <dgm:sp3d z="-227350" prstMaterial="matte"/>
+    <dgm:txPr/>
+    <dgm:style>
+      <a:lnRef idx="1">
+        <a:scrgbClr r="0" g="0" b="0"/>
+      </a:lnRef>
+      <a:fillRef idx="1">
+        <a:scrgbClr r="0" g="0" b="0"/>
+      </a:fillRef>
+      <a:effectRef idx="0">
+        <a:scrgbClr r="0" g="0" b="0"/>
+      </a:effectRef>
+      <a:fontRef idx="minor"/>
+    </dgm:style>
+  </dgm:styleLbl>
+  <dgm:styleLbl name="alignAcc1">
+    <dgm:scene3d>
+      <a:camera prst="orthographicFront"/>
+      <a:lightRig rig="threePt" dir="t"/>
+    </dgm:scene3d>
+    <dgm:sp3d extrusionH="152250" prstMaterial="matte">
+      <a:bevelT w="165100" prst="coolSlant"/>
+    </dgm:sp3d>
+    <dgm:txPr/>
+    <dgm:style>
+      <a:lnRef idx="0">
+        <a:scrgbClr r="0" g="0" b="0"/>
+      </a:lnRef>
+      <a:fillRef idx="1">
+        <a:scrgbClr r="0" g="0" b="0"/>
+      </a:fillRef>
+      <a:effectRef idx="2">
+        <a:scrgbClr r="0" g="0" b="0"/>
+      </a:effectRef>
+      <a:fontRef idx="minor"/>
+    </dgm:style>
+  </dgm:styleLbl>
+  <dgm:styleLbl name="trAlignAcc1">
+    <dgm:scene3d>
+      <a:camera prst="orthographicFront"/>
+      <a:lightRig rig="threePt" dir="t"/>
+    </dgm:scene3d>
+    <dgm:sp3d extrusionH="152250" prstMaterial="matte">
+      <a:bevelT w="165100" prst="coolSlant"/>
+    </dgm:sp3d>
+    <dgm:txPr/>
+    <dgm:style>
+      <a:lnRef idx="0">
+        <a:scrgbClr r="0" g="0" b="0"/>
+      </a:lnRef>
+      <a:fillRef idx="1">
+        <a:scrgbClr r="0" g="0" b="0"/>
+      </a:fillRef>
+      <a:effectRef idx="2">
+        <a:scrgbClr r="0" g="0" b="0"/>
+      </a:effectRef>
+      <a:fontRef idx="minor"/>
+    </dgm:style>
+  </dgm:styleLbl>
+  <dgm:styleLbl name="bgAcc1">
+    <dgm:scene3d>
+      <a:camera prst="orthographicFront"/>
+      <a:lightRig rig="threePt" dir="t"/>
+    </dgm:scene3d>
+    <dgm:sp3d z="-227350" prstMaterial="matte"/>
+    <dgm:txPr/>
+    <dgm:style>
+      <a:lnRef idx="1">
+        <a:scrgbClr r="0" g="0" b="0"/>
+      </a:lnRef>
+      <a:fillRef idx="1">
+        <a:scrgbClr r="0" g="0" b="0"/>
+      </a:fillRef>
+      <a:effectRef idx="0">
+        <a:scrgbClr r="0" g="0" b="0"/>
+      </a:effectRef>
+      <a:fontRef idx="minor"/>
+    </dgm:style>
+  </dgm:styleLbl>
+  <dgm:styleLbl name="solidFgAcc1">
+    <dgm:scene3d>
+      <a:camera prst="orthographicFront"/>
+      <a:lightRig rig="threePt" dir="t"/>
+    </dgm:scene3d>
+    <dgm:sp3d prstMaterial="matte"/>
+    <dgm:txPr/>
+    <dgm:style>
+      <a:lnRef idx="1">
+        <a:scrgbClr r="0" g="0" b="0"/>
+      </a:lnRef>
+      <a:fillRef idx="1">
+        <a:scrgbClr r="0" g="0" b="0"/>
+      </a:fillRef>
+      <a:effectRef idx="0">
+        <a:scrgbClr r="0" g="0" b="0"/>
+      </a:effectRef>
+      <a:fontRef idx="minor"/>
+    </dgm:style>
+  </dgm:styleLbl>
+  <dgm:styleLbl name="solidAlignAcc1">
+    <dgm:scene3d>
+      <a:camera prst="orthographicFront"/>
+      <a:lightRig rig="threePt" dir="t"/>
+    </dgm:scene3d>
+    <dgm:sp3d extrusionH="152250" prstMaterial="matte">
+      <a:bevelT w="165100" prst="coolSlant"/>
+    </dgm:sp3d>
+    <dgm:txPr/>
+    <dgm:style>
+      <a:lnRef idx="0">
+        <a:scrgbClr r="0" g="0" b="0"/>
+      </a:lnRef>
+      <a:fillRef idx="1">
+        <a:scrgbClr r="0" g="0" b="0"/>
+      </a:fillRef>
+      <a:effectRef idx="2">
+        <a:scrgbClr r="0" g="0" b="0"/>
+      </a:effectRef>
+      <a:fontRef idx="minor"/>
+    </dgm:style>
+  </dgm:styleLbl>
+  <dgm:styleLbl name="solidBgAcc1">
+    <dgm:scene3d>
+      <a:camera prst="orthographicFront"/>
+      <a:lightRig rig="threePt" dir="t"/>
+    </dgm:scene3d>
+    <dgm:sp3d z="-227350" prstMaterial="matte"/>
+    <dgm:txPr/>
+    <dgm:style>
+      <a:lnRef idx="1">
+        <a:scrgbClr r="0" g="0" b="0"/>
+      </a:lnRef>
+      <a:fillRef idx="1">
+        <a:scrgbClr r="0" g="0" b="0"/>
+      </a:fillRef>
+      <a:effectRef idx="0">
+        <a:scrgbClr r="0" g="0" b="0"/>
+      </a:effectRef>
+      <a:fontRef idx="minor"/>
+    </dgm:style>
+  </dgm:styleLbl>
+  <dgm:styleLbl name="fgAccFollowNode1">
+    <dgm:scene3d>
+      <a:camera prst="orthographicFront"/>
+      <a:lightRig rig="threePt" dir="t"/>
+    </dgm:scene3d>
+    <dgm:sp3d prstMaterial="matte"/>
+    <dgm:txPr/>
+    <dgm:style>
+      <a:lnRef idx="1">
+        <a:scrgbClr r="0" g="0" b="0"/>
+      </a:lnRef>
+      <a:fillRef idx="1">
+        <a:scrgbClr r="0" g="0" b="0"/>
+      </a:fillRef>
+      <a:effectRef idx="0">
+        <a:scrgbClr r="0" g="0" b="0"/>
+      </a:effectRef>
+      <a:fontRef idx="minor"/>
+    </dgm:style>
+  </dgm:styleLbl>
+  <dgm:styleLbl name="alignAccFollowNode1">
+    <dgm:scene3d>
+      <a:camera prst="orthographicFront"/>
+      <a:lightRig rig="threePt" dir="t"/>
+    </dgm:scene3d>
+    <dgm:sp3d extrusionH="152250" prstMaterial="matte">
+      <a:bevelT w="165100" prst="coolSlant"/>
+    </dgm:sp3d>
+    <dgm:txPr/>
+    <dgm:style>
+      <a:lnRef idx="0">
+        <a:scrgbClr r="0" g="0" b="0"/>
+      </a:lnRef>
+      <a:fillRef idx="1">
+        <a:scrgbClr r="0" g="0" b="0"/>
+      </a:fillRef>
+      <a:effectRef idx="2">
+        <a:scrgbClr r="0" g="0" b="0"/>
+      </a:effectRef>
+      <a:fontRef idx="minor"/>
+    </dgm:style>
+  </dgm:styleLbl>
+  <dgm:styleLbl name="bgAccFollowNode1">
+    <dgm:scene3d>
+      <a:camera prst="orthographicFront"/>
+      <a:lightRig rig="threePt" dir="t"/>
+    </dgm:scene3d>
+    <dgm:sp3d z="-227350" prstMaterial="matte"/>
+    <dgm:txPr/>
+    <dgm:style>
+      <a:lnRef idx="1">
+        <a:scrgbClr r="0" g="0" b="0"/>
+      </a:lnRef>
+      <a:fillRef idx="1">
+        <a:scrgbClr r="0" g="0" b="0"/>
+      </a:fillRef>
+      <a:effectRef idx="0">
+        <a:scrgbClr r="0" g="0" b="0"/>
+      </a:effectRef>
+      <a:fontRef idx="minor"/>
+    </dgm:style>
+  </dgm:styleLbl>
+  <dgm:styleLbl name="fgAcc0">
+    <dgm:scene3d>
+      <a:camera prst="orthographicFront"/>
+      <a:lightRig rig="threePt" dir="t"/>
+    </dgm:scene3d>
+    <dgm:sp3d prstMaterial="matte"/>
+    <dgm:txPr/>
+    <dgm:style>
+      <a:lnRef idx="0">
+        <a:scrgbClr r="0" g="0" b="0"/>
+      </a:lnRef>
+      <a:fillRef idx="1">
+        <a:scrgbClr r="0" g="0" b="0"/>
+      </a:fillRef>
+      <a:effectRef idx="0">
+        <a:scrgbClr r="0" g="0" b="0"/>
+      </a:effectRef>
+      <a:fontRef idx="minor"/>
+    </dgm:style>
+  </dgm:styleLbl>
+  <dgm:styleLbl name="fgAcc2">
+    <dgm:scene3d>
+      <a:camera prst="orthographicFront"/>
+      <a:lightRig rig="threePt" dir="t"/>
+    </dgm:scene3d>
+    <dgm:sp3d prstMaterial="matte"/>
+    <dgm:txPr/>
+    <dgm:style>
+      <a:lnRef idx="0">
+        <a:scrgbClr r="0" g="0" b="0"/>
+      </a:lnRef>
+      <a:fillRef idx="1">
+        <a:scrgbClr r="0" g="0" b="0"/>
+      </a:fillRef>
+      <a:effectRef idx="0">
+        <a:scrgbClr r="0" g="0" b="0"/>
+      </a:effectRef>
+      <a:fontRef idx="minor"/>
+    </dgm:style>
+  </dgm:styleLbl>
+  <dgm:styleLbl name="fgAcc3">
+    <dgm:scene3d>
+      <a:camera prst="orthographicFront"/>
+      <a:lightRig rig="threePt" dir="t"/>
+    </dgm:scene3d>
+    <dgm:sp3d prstMaterial="matte"/>
+    <dgm:txPr/>
+    <dgm:style>
+      <a:lnRef idx="0">
+        <a:scrgbClr r="0" g="0" b="0"/>
+      </a:lnRef>
+      <a:fillRef idx="1">
+        <a:scrgbClr r="0" g="0" b="0"/>
+      </a:fillRef>
+      <a:effectRef idx="0">
+        <a:scrgbClr r="0" g="0" b="0"/>
+      </a:effectRef>
+      <a:fontRef idx="minor"/>
+    </dgm:style>
+  </dgm:styleLbl>
+  <dgm:styleLbl name="fgAcc4">
+    <dgm:scene3d>
+      <a:camera prst="orthographicFront"/>
+      <a:lightRig rig="threePt" dir="t"/>
+    </dgm:scene3d>
+    <dgm:sp3d prstMaterial="matte"/>
+    <dgm:txPr/>
+    <dgm:style>
+      <a:lnRef idx="0">
+        <a:scrgbClr r="0" g="0" b="0"/>
+      </a:lnRef>
+      <a:fillRef idx="1">
+        <a:scrgbClr r="0" g="0" b="0"/>
+      </a:fillRef>
+      <a:effectRef idx="0">
+        <a:scrgbClr r="0" g="0" b="0"/>
+      </a:effectRef>
+      <a:fontRef idx="minor"/>
+    </dgm:style>
+  </dgm:styleLbl>
+  <dgm:styleLbl name="bgShp">
+    <dgm:scene3d>
+      <a:camera prst="orthographicFront"/>
+      <a:lightRig rig="threePt" dir="t"/>
+    </dgm:scene3d>
+    <dgm:sp3d z="-227350" prstMaterial="matte"/>
+    <dgm:txPr/>
+    <dgm:style>
+      <a:lnRef idx="0">
+        <a:scrgbClr r="0" g="0" b="0"/>
+      </a:lnRef>
+      <a:fillRef idx="1">
+        <a:scrgbClr r="0" g="0" b="0"/>
+      </a:fillRef>
+      <a:effectRef idx="0">
+        <a:scrgbClr r="0" g="0" b="0"/>
+      </a:effectRef>
+      <a:fontRef idx="minor"/>
+    </dgm:style>
+  </dgm:styleLbl>
+  <dgm:styleLbl name="dkBgShp">
+    <dgm:scene3d>
+      <a:camera prst="orthographicFront"/>
+      <a:lightRig rig="threePt" dir="t"/>
+    </dgm:scene3d>
+    <dgm:sp3d z="-227350" prstMaterial="matte"/>
+    <dgm:txPr/>
+    <dgm:style>
+      <a:lnRef idx="0">
+        <a:scrgbClr r="0" g="0" b="0"/>
+      </a:lnRef>
+      <a:fillRef idx="1">
+        <a:scrgbClr r="0" g="0" b="0"/>
+      </a:fillRef>
+      <a:effectRef idx="0">
+        <a:scrgbClr r="0" g="0" b="0"/>
+      </a:effectRef>
+      <a:fontRef idx="minor">
+        <a:schemeClr val="lt1"/>
+      </a:fontRef>
+    </dgm:style>
+  </dgm:styleLbl>
+  <dgm:styleLbl name="trBgShp">
+    <dgm:scene3d>
+      <a:camera prst="orthographicFront"/>
+      <a:lightRig rig="threePt" dir="t"/>
+    </dgm:scene3d>
+    <dgm:sp3d z="-227350" prstMaterial="matte"/>
+    <dgm:txPr/>
+    <dgm:style>
+      <a:lnRef idx="0">
+        <a:scrgbClr r="0" g="0" b="0"/>
+      </a:lnRef>
+      <a:fillRef idx="1">
+        <a:scrgbClr r="0" g="0" b="0"/>
+      </a:fillRef>
+      <a:effectRef idx="0">
+        <a:scrgbClr r="0" g="0" b="0"/>
+      </a:effectRef>
+      <a:fontRef idx="minor"/>
+    </dgm:style>
+  </dgm:styleLbl>
+  <dgm:styleLbl name="fgShp">
+    <dgm:scene3d>
+      <a:camera prst="orthographicFront"/>
+      <a:lightRig rig="threePt" dir="t"/>
+    </dgm:scene3d>
+    <dgm:sp3d prstMaterial="matte"/>
+    <dgm:txPr/>
+    <dgm:style>
+      <a:lnRef idx="0">
+        <a:scrgbClr r="0" g="0" b="0"/>
+      </a:lnRef>
+      <a:fillRef idx="1">
+        <a:scrgbClr r="0" g="0" b="0"/>
+      </a:fillRef>
+      <a:effectRef idx="0">
+        <a:scrgbClr r="0" g="0" b="0"/>
+      </a:effectRef>
+      <a:fontRef idx="minor">
+        <a:schemeClr val="lt1"/>
+      </a:fontRef>
+    </dgm:style>
+  </dgm:styleLbl>
+  <dgm:styleLbl name="revTx">
+    <dgm:scene3d>
+      <a:camera prst="orthographicFront"/>
+      <a:lightRig rig="threePt" dir="t"/>
+    </dgm:scene3d>
+    <dgm:sp3d/>
+    <dgm:txPr>
+      <a:sp3d extrusionH="28000" prstMaterial="matte"/>
+    </dgm:txPr>
+    <dgm:style>
+      <a:lnRef idx="0">
+        <a:scrgbClr r="0" g="0" b="0"/>
+      </a:lnRef>
+      <a:fillRef idx="0">
+        <a:scrgbClr r="0" g="0" b="0"/>
+      </a:fillRef>
+      <a:effectRef idx="0">
+        <a:scrgbClr r="0" g="0" b="0"/>
+      </a:effectRef>
+      <a:fontRef idx="minor"/>
+    </dgm:style>
+  </dgm:styleLbl>
+</dgm:styleDef>
+</file>
+
+<file path=ppt/notesMasters/notesMaster1.xml><?xml version="1.0" encoding="utf-8"?>
+<p:notesMaster xmlns:a="http://schemas.openxmlformats.org/drawingml/2006/main" xmlns:r="http://schemas.openxmlformats.org/officeDocument/2006/relationships" xmlns:p="http://schemas.openxmlformats.org/presentationml/2006/main">
+  <p:cSld>
+    <p:bg>
+      <p:bgRef idx="1001">
+        <a:schemeClr val="bg1"/>
+      </p:bgRef>
+    </p:bg>
+    <p:spTree>
+      <p:nvGrpSpPr>
+        <p:cNvPr id="1" name=""/>
+        <p:cNvGrpSpPr/>
+        <p:nvPr/>
+      </p:nvGrpSpPr>
+      <p:grpSpPr>
+        <a:xfrm>
+          <a:off x="0" y="0"/>
+          <a:ext cx="0" cy="0"/>
+          <a:chOff x="0" y="0"/>
+          <a:chExt cx="0" cy="0"/>
+        </a:xfrm>
+      </p:grpSpPr>
+      <p:sp>
+        <p:nvSpPr>
+          <p:cNvPr id="2" name="Header Placeholder 1"/>
+          <p:cNvSpPr>
+            <a:spLocks noGrp="1"/>
+          </p:cNvSpPr>
+          <p:nvPr>
+            <p:ph type="hdr" sz="quarter"/>
+          </p:nvPr>
+        </p:nvSpPr>
+        <p:spPr>
+          <a:xfrm>
+            <a:off x="0" y="0"/>
+            <a:ext cx="2971800" cy="458788"/>
+          </a:xfrm>
+          <a:prstGeom prst="rect">
+            <a:avLst/>
+          </a:prstGeom>
+        </p:spPr>
+        <p:txBody>
+          <a:bodyPr vert="horz" lIns="91440" tIns="45720" rIns="91440" bIns="45720" rtlCol="0"/>
+          <a:lstStyle>
+            <a:lvl1pPr algn="l">
+              <a:defRPr sz="1200"/>
+            </a:lvl1pPr>
+          </a:lstStyle>
+          <a:p>
+            <a:endParaRPr lang="es-ES"/>
+          </a:p>
+        </p:txBody>
+      </p:sp>
+      <p:sp>
+        <p:nvSpPr>
+          <p:cNvPr id="3" name="Date Placeholder 2"/>
+          <p:cNvSpPr>
+            <a:spLocks noGrp="1"/>
+          </p:cNvSpPr>
+          <p:nvPr>
+            <p:ph type="dt" idx="1"/>
+          </p:nvPr>
+        </p:nvSpPr>
+        <p:spPr>
+          <a:xfrm>
+            <a:off x="3884613" y="0"/>
+            <a:ext cx="2971800" cy="458788"/>
+          </a:xfrm>
+          <a:prstGeom prst="rect">
+            <a:avLst/>
+          </a:prstGeom>
+        </p:spPr>
+        <p:txBody>
+          <a:bodyPr vert="horz" lIns="91440" tIns="45720" rIns="91440" bIns="45720" rtlCol="0"/>
+          <a:lstStyle>
+            <a:lvl1pPr algn="r">
+              <a:defRPr sz="1200"/>
+            </a:lvl1pPr>
+          </a:lstStyle>
+          <a:p>
+            <a:fld id="{B93B40DB-43CF-4639-AFAB-B6E87E95DB87}" type="datetimeFigureOut">
+              <a:rPr lang="es-ES" smtClean="0"/>
+              <a:t>12/04/2015</a:t>
+            </a:fld>
+            <a:endParaRPr lang="es-ES"/>
+          </a:p>
+        </p:txBody>
+      </p:sp>
+      <p:sp>
+        <p:nvSpPr>
+          <p:cNvPr id="4" name="Slide Image Placeholder 3"/>
+          <p:cNvSpPr>
+            <a:spLocks noGrp="1" noRot="1" noChangeAspect="1"/>
+          </p:cNvSpPr>
+          <p:nvPr>
+            <p:ph type="sldImg" idx="2"/>
+          </p:nvPr>
+        </p:nvSpPr>
+        <p:spPr>
+          <a:xfrm>
+            <a:off x="685800" y="1143000"/>
+            <a:ext cx="5486400" cy="3086100"/>
+          </a:xfrm>
+          <a:prstGeom prst="rect">
+            <a:avLst/>
+          </a:prstGeom>
+          <a:noFill/>
+          <a:ln w="12700">
+            <a:solidFill>
+              <a:prstClr val="black"/>
+            </a:solidFill>
+          </a:ln>
+        </p:spPr>
+        <p:txBody>
+          <a:bodyPr vert="horz" lIns="91440" tIns="45720" rIns="91440" bIns="45720" rtlCol="0" anchor="ctr"/>
+          <a:lstStyle/>
+          <a:p>
+            <a:endParaRPr lang="es-ES"/>
+          </a:p>
+        </p:txBody>
+      </p:sp>
+      <p:sp>
+        <p:nvSpPr>
+          <p:cNvPr id="5" name="Notes Placeholder 4"/>
+          <p:cNvSpPr>
+            <a:spLocks noGrp="1"/>
+          </p:cNvSpPr>
+          <p:nvPr>
+            <p:ph type="body" sz="quarter" idx="3"/>
+          </p:nvPr>
+        </p:nvSpPr>
+        <p:spPr>
+          <a:xfrm>
+            <a:off x="685800" y="4400550"/>
+            <a:ext cx="5486400" cy="3600450"/>
+          </a:xfrm>
+          <a:prstGeom prst="rect">
+            <a:avLst/>
+          </a:prstGeom>
+        </p:spPr>
+        <p:txBody>
+          <a:bodyPr vert="horz" lIns="91440" tIns="45720" rIns="91440" bIns="45720" rtlCol="0"/>
+          <a:lstStyle/>
+          <a:p>
+            <a:pPr lvl="0"/>
+            <a:r>
+              <a:rPr lang="en-US" smtClean="0"/>
+              <a:t>Click to edit Master text styles</a:t>
+            </a:r>
+          </a:p>
+          <a:p>
+            <a:pPr lvl="1"/>
+            <a:r>
+              <a:rPr lang="en-US" smtClean="0"/>
+              <a:t>Second level</a:t>
+            </a:r>
+          </a:p>
+          <a:p>
+            <a:pPr lvl="2"/>
+            <a:r>
+              <a:rPr lang="en-US" smtClean="0"/>
+              <a:t>Third level</a:t>
+            </a:r>
+          </a:p>
+          <a:p>
+            <a:pPr lvl="3"/>
+            <a:r>
+              <a:rPr lang="en-US" smtClean="0"/>
+              <a:t>Fourth level</a:t>
+            </a:r>
+          </a:p>
+          <a:p>
+            <a:pPr lvl="4"/>
+            <a:r>
+              <a:rPr lang="en-US" smtClean="0"/>
+              <a:t>Fifth level</a:t>
+            </a:r>
+            <a:endParaRPr lang="es-ES"/>
+          </a:p>
+        </p:txBody>
+      </p:sp>
+      <p:sp>
+        <p:nvSpPr>
+          <p:cNvPr id="6" name="Footer Placeholder 5"/>
+          <p:cNvSpPr>
+            <a:spLocks noGrp="1"/>
+          </p:cNvSpPr>
+          <p:nvPr>
+            <p:ph type="ftr" sz="quarter" idx="4"/>
+          </p:nvPr>
+        </p:nvSpPr>
+        <p:spPr>
+          <a:xfrm>
+            <a:off x="0" y="8685213"/>
+            <a:ext cx="2971800" cy="458787"/>
+          </a:xfrm>
+          <a:prstGeom prst="rect">
+            <a:avLst/>
+          </a:prstGeom>
+        </p:spPr>
+        <p:txBody>
+          <a:bodyPr vert="horz" lIns="91440" tIns="45720" rIns="91440" bIns="45720" rtlCol="0" anchor="b"/>
+          <a:lstStyle>
+            <a:lvl1pPr algn="l">
+              <a:defRPr sz="1200"/>
+            </a:lvl1pPr>
+          </a:lstStyle>
+          <a:p>
+            <a:endParaRPr lang="es-ES"/>
+          </a:p>
+        </p:txBody>
+      </p:sp>
+      <p:sp>
+        <p:nvSpPr>
+          <p:cNvPr id="7" name="Slide Number Placeholder 6"/>
+          <p:cNvSpPr>
+            <a:spLocks noGrp="1"/>
+          </p:cNvSpPr>
+          <p:nvPr>
+            <p:ph type="sldNum" sz="quarter" idx="5"/>
+          </p:nvPr>
+        </p:nvSpPr>
+        <p:spPr>
+          <a:xfrm>
+            <a:off x="3884613" y="8685213"/>
+            <a:ext cx="2971800" cy="458787"/>
+          </a:xfrm>
+          <a:prstGeom prst="rect">
+            <a:avLst/>
+          </a:prstGeom>
+        </p:spPr>
+        <p:txBody>
+          <a:bodyPr vert="horz" lIns="91440" tIns="45720" rIns="91440" bIns="45720" rtlCol="0" anchor="b"/>
+          <a:lstStyle>
+            <a:lvl1pPr algn="r">
+              <a:defRPr sz="1200"/>
+            </a:lvl1pPr>
+          </a:lstStyle>
+          <a:p>
+            <a:fld id="{C42A67DC-8677-4C0C-9BD5-613D8A4CD6D6}" type="slidenum">
+              <a:rPr lang="es-ES" smtClean="0"/>
+              <a:t>‹#›</a:t>
+            </a:fld>
+            <a:endParaRPr lang="es-ES"/>
+          </a:p>
+        </p:txBody>
+      </p:sp>
+    </p:spTree>
+    <p:extLst>
+      <p:ext uri="{BB962C8B-B14F-4D97-AF65-F5344CB8AC3E}">
+        <p14:creationId xmlns:p14="http://schemas.microsoft.com/office/powerpoint/2010/main" val="2583440509"/>
+      </p:ext>
+    </p:extLst>
+  </p:cSld>
+  <p:clrMap bg1="lt1" tx1="dk1" bg2="lt2" tx2="dk2" accent1="accent1" accent2="accent2" accent3="accent3" accent4="accent4" accent5="accent5" accent6="accent6" hlink="hlink" folHlink="folHlink"/>
+  <p:notesStyle>
+    <a:lvl1pPr marL="0" algn="l" defTabSz="914400" rtl="0" eaLnBrk="1" latinLnBrk="0" hangingPunct="1">
+      <a:defRPr sz="1200" kern="1200">
+        <a:solidFill>
+          <a:schemeClr val="tx1"/>
+        </a:solidFill>
+        <a:latin typeface="+mn-lt"/>
+        <a:ea typeface="+mn-ea"/>
+        <a:cs typeface="+mn-cs"/>
+      </a:defRPr>
+    </a:lvl1pPr>
+    <a:lvl2pPr marL="457200" algn="l" defTabSz="914400" rtl="0" eaLnBrk="1" latinLnBrk="0" hangingPunct="1">
+      <a:defRPr sz="1200" kern="1200">
+        <a:solidFill>
+          <a:schemeClr val="tx1"/>
+        </a:solidFill>
+        <a:latin typeface="+mn-lt"/>
+        <a:ea typeface="+mn-ea"/>
+        <a:cs typeface="+mn-cs"/>
+      </a:defRPr>
+    </a:lvl2pPr>
+    <a:lvl3pPr marL="914400" algn="l" defTabSz="914400" rtl="0" eaLnBrk="1" latinLnBrk="0" hangingPunct="1">
+      <a:defRPr sz="1200" kern="1200">
+        <a:solidFill>
+          <a:schemeClr val="tx1"/>
+        </a:solidFill>
+        <a:latin typeface="+mn-lt"/>
+        <a:ea typeface="+mn-ea"/>
+        <a:cs typeface="+mn-cs"/>
+      </a:defRPr>
+    </a:lvl3pPr>
+    <a:lvl4pPr marL="1371600" algn="l" defTabSz="914400" rtl="0" eaLnBrk="1" latinLnBrk="0" hangingPunct="1">
+      <a:defRPr sz="1200" kern="1200">
+        <a:solidFill>
+          <a:schemeClr val="tx1"/>
+        </a:solidFill>
+        <a:latin typeface="+mn-lt"/>
+        <a:ea typeface="+mn-ea"/>
+        <a:cs typeface="+mn-cs"/>
+      </a:defRPr>
+    </a:lvl4pPr>
+    <a:lvl5pPr marL="1828800" algn="l" defTabSz="914400" rtl="0" eaLnBrk="1" latinLnBrk="0" hangingPunct="1">
+      <a:defRPr sz="1200" kern="1200">
+        <a:solidFill>
+          <a:schemeClr val="tx1"/>
+        </a:solidFill>
+        <a:latin typeface="+mn-lt"/>
+        <a:ea typeface="+mn-ea"/>
+        <a:cs typeface="+mn-cs"/>
+      </a:defRPr>
+    </a:lvl5pPr>
+    <a:lvl6pPr marL="2286000" algn="l" defTabSz="914400" rtl="0" eaLnBrk="1" latinLnBrk="0" hangingPunct="1">
+      <a:defRPr sz="1200" kern="1200">
+        <a:solidFill>
+          <a:schemeClr val="tx1"/>
+        </a:solidFill>
+        <a:latin typeface="+mn-lt"/>
+        <a:ea typeface="+mn-ea"/>
+        <a:cs typeface="+mn-cs"/>
+      </a:defRPr>
+    </a:lvl6pPr>
+    <a:lvl7pPr marL="2743200" algn="l" defTabSz="914400" rtl="0" eaLnBrk="1" latinLnBrk="0" hangingPunct="1">
+      <a:defRPr sz="1200" kern="1200">
+        <a:solidFill>
+          <a:schemeClr val="tx1"/>
+        </a:solidFill>
+        <a:latin typeface="+mn-lt"/>
+        <a:ea typeface="+mn-ea"/>
+        <a:cs typeface="+mn-cs"/>
+      </a:defRPr>
+    </a:lvl7pPr>
+    <a:lvl8pPr marL="3200400" algn="l" defTabSz="914400" rtl="0" eaLnBrk="1" latinLnBrk="0" hangingPunct="1">
+      <a:defRPr sz="1200" kern="1200">
+        <a:solidFill>
+          <a:schemeClr val="tx1"/>
+        </a:solidFill>
+        <a:latin typeface="+mn-lt"/>
+        <a:ea typeface="+mn-ea"/>
+        <a:cs typeface="+mn-cs"/>
+      </a:defRPr>
+    </a:lvl8pPr>
+    <a:lvl9pPr marL="3657600" algn="l" defTabSz="914400" rtl="0" eaLnBrk="1" latinLnBrk="0" hangingPunct="1">
+      <a:defRPr sz="1200" kern="1200">
+        <a:solidFill>
+          <a:schemeClr val="tx1"/>
+        </a:solidFill>
+        <a:latin typeface="+mn-lt"/>
+        <a:ea typeface="+mn-ea"/>
+        <a:cs typeface="+mn-cs"/>
+      </a:defRPr>
+    </a:lvl9pPr>
+  </p:notesStyle>
+</p:notesMaster>
+</file>
+
+<file path=ppt/notesSlides/notesSlide1.xml><?xml version="1.0" encoding="utf-8"?>
+<p:notes xmlns:a="http://schemas.openxmlformats.org/drawingml/2006/main" xmlns:r="http://schemas.openxmlformats.org/officeDocument/2006/relationships" xmlns:p="http://schemas.openxmlformats.org/presentationml/2006/main">
+  <p:cSld>
+    <p:spTree>
+      <p:nvGrpSpPr>
+        <p:cNvPr id="1" name=""/>
+        <p:cNvGrpSpPr/>
+        <p:nvPr/>
+      </p:nvGrpSpPr>
+      <p:grpSpPr>
+        <a:xfrm>
+          <a:off x="0" y="0"/>
+          <a:ext cx="0" cy="0"/>
+          <a:chOff x="0" y="0"/>
+          <a:chExt cx="0" cy="0"/>
+        </a:xfrm>
+      </p:grpSpPr>
+      <p:sp>
+        <p:nvSpPr>
+          <p:cNvPr id="2" name="Slide Image Placeholder 1"/>
+          <p:cNvSpPr>
+            <a:spLocks noGrp="1" noRot="1" noChangeAspect="1"/>
+          </p:cNvSpPr>
+          <p:nvPr>
+            <p:ph type="sldImg"/>
+          </p:nvPr>
+        </p:nvSpPr>
+        <p:spPr/>
+      </p:sp>
+      <p:sp>
+        <p:nvSpPr>
+          <p:cNvPr id="3" name="Notes Placeholder 2"/>
+          <p:cNvSpPr>
+            <a:spLocks noGrp="1"/>
+          </p:cNvSpPr>
+          <p:nvPr>
+            <p:ph type="body" idx="1"/>
+          </p:nvPr>
+        </p:nvSpPr>
+        <p:spPr/>
+        <p:txBody>
+          <a:bodyPr/>
+          <a:lstStyle/>
+          <a:p>
+            <a:endParaRPr lang="es-ES" dirty="0"/>
+          </a:p>
+        </p:txBody>
+      </p:sp>
+      <p:sp>
+        <p:nvSpPr>
+          <p:cNvPr id="4" name="Slide Number Placeholder 3"/>
+          <p:cNvSpPr>
+            <a:spLocks noGrp="1"/>
+          </p:cNvSpPr>
+          <p:nvPr>
+            <p:ph type="sldNum" sz="quarter" idx="10"/>
+          </p:nvPr>
+        </p:nvSpPr>
+        <p:spPr/>
+        <p:txBody>
+          <a:bodyPr/>
+          <a:lstStyle/>
+          <a:p>
+            <a:fld id="{C42A67DC-8677-4C0C-9BD5-613D8A4CD6D6}" type="slidenum">
+              <a:rPr lang="es-ES" smtClean="0"/>
+              <a:t>2</a:t>
+            </a:fld>
+            <a:endParaRPr lang="es-ES"/>
+          </a:p>
+        </p:txBody>
+      </p:sp>
+    </p:spTree>
+    <p:extLst>
+      <p:ext uri="{BB962C8B-B14F-4D97-AF65-F5344CB8AC3E}">
+        <p14:creationId xmlns:p14="http://schemas.microsoft.com/office/powerpoint/2010/main" val="3499435284"/>
+      </p:ext>
+    </p:extLst>
+  </p:cSld>
+  <p:clrMapOvr>
+    <a:masterClrMapping/>
+  </p:clrMapOvr>
+</p:notes>
+</file>
+
+<file path=ppt/notesSlides/notesSlide2.xml><?xml version="1.0" encoding="utf-8"?>
+<p:notes xmlns:a="http://schemas.openxmlformats.org/drawingml/2006/main" xmlns:r="http://schemas.openxmlformats.org/officeDocument/2006/relationships" xmlns:p="http://schemas.openxmlformats.org/presentationml/2006/main">
+  <p:cSld>
+    <p:spTree>
+      <p:nvGrpSpPr>
+        <p:cNvPr id="1" name=""/>
+        <p:cNvGrpSpPr/>
+        <p:nvPr/>
+      </p:nvGrpSpPr>
+      <p:grpSpPr>
+        <a:xfrm>
+          <a:off x="0" y="0"/>
+          <a:ext cx="0" cy="0"/>
+          <a:chOff x="0" y="0"/>
+          <a:chExt cx="0" cy="0"/>
+        </a:xfrm>
+      </p:grpSpPr>
+      <p:sp>
+        <p:nvSpPr>
+          <p:cNvPr id="2" name="Slide Image Placeholder 1"/>
+          <p:cNvSpPr>
+            <a:spLocks noGrp="1" noRot="1" noChangeAspect="1"/>
+          </p:cNvSpPr>
+          <p:nvPr>
+            <p:ph type="sldImg"/>
+          </p:nvPr>
+        </p:nvSpPr>
+        <p:spPr/>
+      </p:sp>
+      <p:sp>
+        <p:nvSpPr>
+          <p:cNvPr id="3" name="Notes Placeholder 2"/>
+          <p:cNvSpPr>
+            <a:spLocks noGrp="1"/>
+          </p:cNvSpPr>
+          <p:nvPr>
+            <p:ph type="body" idx="1"/>
+          </p:nvPr>
+        </p:nvSpPr>
+        <p:spPr/>
+        <p:txBody>
+          <a:bodyPr/>
+          <a:lstStyle/>
+          <a:p>
+            <a:r>
+              <a:rPr lang="en-US" dirty="0" err="1" smtClean="0"/>
+              <a:t>Que</a:t>
+            </a:r>
+            <a:r>
+              <a:rPr lang="en-US" dirty="0" smtClean="0"/>
+              <a:t> son? R/</a:t>
+            </a:r>
+            <a:endParaRPr lang="es-ES" dirty="0"/>
+          </a:p>
+        </p:txBody>
+      </p:sp>
+      <p:sp>
+        <p:nvSpPr>
+          <p:cNvPr id="4" name="Slide Number Placeholder 3"/>
+          <p:cNvSpPr>
+            <a:spLocks noGrp="1"/>
+          </p:cNvSpPr>
+          <p:nvPr>
+            <p:ph type="sldNum" sz="quarter" idx="10"/>
+          </p:nvPr>
+        </p:nvSpPr>
+        <p:spPr/>
+        <p:txBody>
+          <a:bodyPr/>
+          <a:lstStyle/>
+          <a:p>
+            <a:fld id="{C42A67DC-8677-4C0C-9BD5-613D8A4CD6D6}" type="slidenum">
+              <a:rPr lang="es-ES" smtClean="0"/>
+              <a:t>3</a:t>
+            </a:fld>
+            <a:endParaRPr lang="es-ES"/>
+          </a:p>
+        </p:txBody>
+      </p:sp>
+    </p:spTree>
+    <p:extLst>
+      <p:ext uri="{BB962C8B-B14F-4D97-AF65-F5344CB8AC3E}">
+        <p14:creationId xmlns:p14="http://schemas.microsoft.com/office/powerpoint/2010/main" val="265753751"/>
+      </p:ext>
+    </p:extLst>
+  </p:cSld>
+  <p:clrMapOvr>
+    <a:masterClrMapping/>
+  </p:clrMapOvr>
+</p:notes>
+</file>
+
+<file path=ppt/notesSlides/notesSlide3.xml><?xml version="1.0" encoding="utf-8"?>
+<p:notes xmlns:a="http://schemas.openxmlformats.org/drawingml/2006/main" xmlns:r="http://schemas.openxmlformats.org/officeDocument/2006/relationships" xmlns:p="http://schemas.openxmlformats.org/presentationml/2006/main">
+  <p:cSld>
+    <p:spTree>
+      <p:nvGrpSpPr>
+        <p:cNvPr id="1" name=""/>
+        <p:cNvGrpSpPr/>
+        <p:nvPr/>
+      </p:nvGrpSpPr>
+      <p:grpSpPr>
+        <a:xfrm>
+          <a:off x="0" y="0"/>
+          <a:ext cx="0" cy="0"/>
+          <a:chOff x="0" y="0"/>
+          <a:chExt cx="0" cy="0"/>
+        </a:xfrm>
+      </p:grpSpPr>
+      <p:sp>
+        <p:nvSpPr>
+          <p:cNvPr id="2" name="Slide Image Placeholder 1"/>
+          <p:cNvSpPr>
+            <a:spLocks noGrp="1" noRot="1" noChangeAspect="1"/>
+          </p:cNvSpPr>
+          <p:nvPr>
+            <p:ph type="sldImg"/>
+          </p:nvPr>
+        </p:nvSpPr>
+        <p:spPr/>
+      </p:sp>
+      <p:sp>
+        <p:nvSpPr>
+          <p:cNvPr id="3" name="Notes Placeholder 2"/>
+          <p:cNvSpPr>
+            <a:spLocks noGrp="1"/>
+          </p:cNvSpPr>
+          <p:nvPr>
+            <p:ph type="body" idx="1"/>
+          </p:nvPr>
+        </p:nvSpPr>
+        <p:spPr/>
+        <p:txBody>
+          <a:bodyPr/>
+          <a:lstStyle/>
+          <a:p>
+            <a:pPr marL="0" marR="0" indent="0" algn="l" defTabSz="914400" rtl="0" eaLnBrk="1" fontAlgn="auto" latinLnBrk="0" hangingPunct="1">
+              <a:lnSpc>
+                <a:spcPct val="100000"/>
+              </a:lnSpc>
+              <a:spcBef>
+                <a:spcPts val="0"/>
+              </a:spcBef>
+              <a:spcAft>
+                <a:spcPts val="0"/>
+              </a:spcAft>
+              <a:buClrTx/>
+              <a:buSzTx/>
+              <a:buFontTx/>
+              <a:buNone/>
+              <a:tabLst/>
+              <a:defRPr/>
+            </a:pPr>
+            <a:r>
+              <a:rPr lang="en-US" b="1" dirty="0" smtClean="0"/>
+              <a:t>Run Time Engine:</a:t>
+            </a:r>
+            <a:r>
+              <a:rPr lang="en-US" dirty="0" smtClean="0"/>
+              <a:t> Se </a:t>
+            </a:r>
+            <a:r>
+              <a:rPr lang="en-US" dirty="0" err="1" smtClean="0"/>
+              <a:t>encarga</a:t>
+            </a:r>
+            <a:r>
+              <a:rPr lang="en-US" dirty="0" smtClean="0"/>
+              <a:t> del</a:t>
+            </a:r>
+            <a:r>
+              <a:rPr lang="en-US" baseline="0" dirty="0" smtClean="0"/>
+              <a:t> control de </a:t>
+            </a:r>
+            <a:r>
+              <a:rPr lang="en-US" baseline="0" dirty="0" err="1" smtClean="0"/>
+              <a:t>tareas</a:t>
+            </a:r>
+            <a:r>
+              <a:rPr lang="en-US" baseline="0" dirty="0" smtClean="0"/>
+              <a:t> y </a:t>
+            </a:r>
+            <a:r>
+              <a:rPr lang="en-US" baseline="0" dirty="0" err="1" smtClean="0"/>
+              <a:t>orden</a:t>
+            </a:r>
+            <a:r>
+              <a:rPr lang="en-US" baseline="0" dirty="0" smtClean="0"/>
+              <a:t> de </a:t>
+            </a:r>
+            <a:r>
+              <a:rPr lang="en-US" baseline="0" dirty="0" err="1" smtClean="0"/>
+              <a:t>ejecución</a:t>
+            </a:r>
+            <a:r>
+              <a:rPr lang="en-US" baseline="0" dirty="0" smtClean="0"/>
+              <a:t> de los </a:t>
+            </a:r>
+            <a:r>
+              <a:rPr lang="en-US" baseline="0" dirty="0" err="1" smtClean="0"/>
+              <a:t>procesos</a:t>
+            </a:r>
+            <a:r>
+              <a:rPr lang="en-US" baseline="0" dirty="0" smtClean="0"/>
+              <a:t> </a:t>
+            </a:r>
+            <a:r>
+              <a:rPr lang="en-US" baseline="0" dirty="0" err="1" smtClean="0"/>
+              <a:t>que</a:t>
+            </a:r>
+            <a:r>
+              <a:rPr lang="en-US" baseline="0" dirty="0" smtClean="0"/>
+              <a:t> </a:t>
+            </a:r>
+            <a:r>
+              <a:rPr lang="en-US" baseline="0" dirty="0" err="1" smtClean="0"/>
+              <a:t>generalmente</a:t>
+            </a:r>
+            <a:r>
+              <a:rPr lang="en-US" baseline="0" dirty="0" smtClean="0"/>
+              <a:t> no </a:t>
+            </a:r>
+            <a:r>
+              <a:rPr lang="en-US" baseline="0" dirty="0" err="1" smtClean="0"/>
+              <a:t>estan</a:t>
+            </a:r>
+            <a:r>
+              <a:rPr lang="en-US" baseline="0" dirty="0" smtClean="0"/>
+              <a:t> </a:t>
+            </a:r>
+            <a:r>
+              <a:rPr lang="en-US" baseline="0" dirty="0" err="1" smtClean="0"/>
+              <a:t>estrechamente</a:t>
+            </a:r>
+            <a:r>
+              <a:rPr lang="en-US" baseline="0" dirty="0" smtClean="0"/>
+              <a:t> </a:t>
+            </a:r>
+            <a:r>
+              <a:rPr lang="en-US" baseline="0" dirty="0" err="1" smtClean="0"/>
+              <a:t>ligados</a:t>
+            </a:r>
+            <a:r>
+              <a:rPr lang="en-US" baseline="0" dirty="0" smtClean="0"/>
+              <a:t> los </a:t>
+            </a:r>
+            <a:r>
+              <a:rPr lang="en-US" baseline="0" dirty="0" err="1" smtClean="0"/>
+              <a:t>conjuntos</a:t>
+            </a:r>
+            <a:r>
+              <a:rPr lang="en-US" baseline="0" dirty="0" smtClean="0"/>
+              <a:t> de </a:t>
+            </a:r>
+            <a:r>
+              <a:rPr lang="en-US" baseline="0" dirty="0" err="1" smtClean="0"/>
+              <a:t>datos</a:t>
+            </a:r>
+            <a:r>
+              <a:rPr lang="en-US" baseline="0" dirty="0" smtClean="0"/>
+              <a:t> y </a:t>
+            </a:r>
+            <a:r>
+              <a:rPr lang="en-US" baseline="0" dirty="0" err="1" smtClean="0"/>
+              <a:t>su</a:t>
+            </a:r>
+            <a:r>
+              <a:rPr lang="en-US" baseline="0" dirty="0" smtClean="0"/>
+              <a:t> </a:t>
+            </a:r>
+            <a:r>
+              <a:rPr lang="en-US" baseline="0" dirty="0" err="1" smtClean="0"/>
+              <a:t>manejo</a:t>
+            </a:r>
+            <a:endParaRPr lang="en-US" baseline="0" dirty="0" smtClean="0"/>
+          </a:p>
+          <a:p>
+            <a:pPr marL="0" marR="0" indent="0" algn="l" defTabSz="914400" rtl="0" eaLnBrk="1" fontAlgn="auto" latinLnBrk="0" hangingPunct="1">
+              <a:lnSpc>
+                <a:spcPct val="100000"/>
+              </a:lnSpc>
+              <a:spcBef>
+                <a:spcPts val="0"/>
+              </a:spcBef>
+              <a:spcAft>
+                <a:spcPts val="0"/>
+              </a:spcAft>
+              <a:buClrTx/>
+              <a:buSzTx/>
+              <a:buFontTx/>
+              <a:buNone/>
+              <a:tabLst/>
+              <a:defRPr/>
+            </a:pPr>
+            <a:r>
+              <a:rPr lang="en-US" b="1" baseline="0" dirty="0" smtClean="0"/>
+              <a:t>Data Flow Time:</a:t>
+            </a:r>
+            <a:r>
+              <a:rPr lang="en-US" baseline="0" dirty="0" smtClean="0"/>
+              <a:t> </a:t>
+            </a:r>
+            <a:r>
+              <a:rPr lang="en-US" baseline="0" dirty="0" err="1" smtClean="0"/>
+              <a:t>Es</a:t>
+            </a:r>
+            <a:r>
+              <a:rPr lang="en-US" baseline="0" dirty="0" smtClean="0"/>
+              <a:t> </a:t>
+            </a:r>
+            <a:r>
+              <a:rPr lang="en-US" baseline="0" dirty="0" err="1" smtClean="0"/>
+              <a:t>por</a:t>
+            </a:r>
+            <a:r>
+              <a:rPr lang="en-US" baseline="0" dirty="0" smtClean="0"/>
+              <a:t> </a:t>
+            </a:r>
+            <a:r>
+              <a:rPr lang="en-US" baseline="0" dirty="0" err="1" smtClean="0"/>
+              <a:t>excelencia</a:t>
+            </a:r>
+            <a:r>
+              <a:rPr lang="en-US" baseline="0" dirty="0" smtClean="0"/>
+              <a:t> el </a:t>
+            </a:r>
+            <a:r>
+              <a:rPr lang="en-US" baseline="0" dirty="0" err="1" smtClean="0"/>
+              <a:t>encargado</a:t>
+            </a:r>
+            <a:r>
+              <a:rPr lang="en-US" baseline="0" dirty="0" smtClean="0"/>
+              <a:t> de </a:t>
+            </a:r>
+            <a:r>
+              <a:rPr lang="en-US" baseline="0" dirty="0" err="1" smtClean="0"/>
+              <a:t>obtener</a:t>
+            </a:r>
+            <a:r>
+              <a:rPr lang="en-US" baseline="0" dirty="0" smtClean="0"/>
+              <a:t>, </a:t>
+            </a:r>
+            <a:r>
+              <a:rPr lang="en-US" baseline="0" dirty="0" err="1" smtClean="0"/>
+              <a:t>procesar</a:t>
+            </a:r>
+            <a:r>
+              <a:rPr lang="en-US" baseline="0" dirty="0" smtClean="0"/>
+              <a:t> y </a:t>
+            </a:r>
+            <a:r>
+              <a:rPr lang="en-US" baseline="0" dirty="0" err="1" smtClean="0"/>
+              <a:t>direccionar</a:t>
+            </a:r>
+            <a:r>
+              <a:rPr lang="en-US" baseline="0" dirty="0" smtClean="0"/>
+              <a:t> </a:t>
+            </a:r>
+            <a:r>
+              <a:rPr lang="en-US" baseline="0" dirty="0" err="1" smtClean="0"/>
+              <a:t>ademas</a:t>
+            </a:r>
+            <a:r>
+              <a:rPr lang="en-US" baseline="0" dirty="0" smtClean="0"/>
+              <a:t> de </a:t>
+            </a:r>
+            <a:r>
+              <a:rPr lang="en-US" baseline="0" dirty="0" err="1" smtClean="0"/>
+              <a:t>insertar</a:t>
+            </a:r>
+            <a:r>
+              <a:rPr lang="en-US" baseline="0" dirty="0" smtClean="0"/>
+              <a:t> los </a:t>
+            </a:r>
+            <a:r>
+              <a:rPr lang="en-US" baseline="0" dirty="0" err="1" smtClean="0"/>
+              <a:t>datos</a:t>
+            </a:r>
+            <a:r>
+              <a:rPr lang="en-US" baseline="0" dirty="0" smtClean="0"/>
+              <a:t> </a:t>
+            </a:r>
+            <a:r>
+              <a:rPr lang="en-US" baseline="0" dirty="0" err="1" smtClean="0"/>
+              <a:t>que</a:t>
+            </a:r>
+            <a:r>
+              <a:rPr lang="en-US" baseline="0" dirty="0" smtClean="0"/>
+              <a:t> se </a:t>
+            </a:r>
+            <a:r>
+              <a:rPr lang="en-US" baseline="0" dirty="0" err="1" smtClean="0"/>
+              <a:t>obtienen</a:t>
+            </a:r>
+            <a:r>
+              <a:rPr lang="en-US" baseline="0" dirty="0" smtClean="0"/>
+              <a:t> de </a:t>
+            </a:r>
+            <a:r>
+              <a:rPr lang="en-US" baseline="0" dirty="0" err="1" smtClean="0"/>
+              <a:t>uno</a:t>
+            </a:r>
+            <a:r>
+              <a:rPr lang="en-US" baseline="0" dirty="0" smtClean="0"/>
+              <a:t> o multiples y </a:t>
+            </a:r>
+            <a:r>
+              <a:rPr lang="en-US" baseline="0" dirty="0" err="1" smtClean="0"/>
+              <a:t>heterogeneos</a:t>
+            </a:r>
+            <a:r>
+              <a:rPr lang="en-US" baseline="0" dirty="0" smtClean="0"/>
+              <a:t> </a:t>
+            </a:r>
+            <a:r>
+              <a:rPr lang="en-US" baseline="0" dirty="0" err="1" smtClean="0"/>
+              <a:t>origenes</a:t>
+            </a:r>
+            <a:r>
+              <a:rPr lang="en-US" baseline="0" dirty="0" smtClean="0"/>
+              <a:t> de </a:t>
+            </a:r>
+            <a:r>
+              <a:rPr lang="en-US" baseline="0" dirty="0" err="1" smtClean="0"/>
+              <a:t>datos</a:t>
+            </a:r>
+            <a:r>
+              <a:rPr lang="en-US" baseline="0" dirty="0" smtClean="0"/>
+              <a:t>, los </a:t>
+            </a:r>
+            <a:r>
+              <a:rPr lang="en-US" baseline="0" dirty="0" err="1" smtClean="0"/>
+              <a:t>mezcla</a:t>
+            </a:r>
+            <a:r>
+              <a:rPr lang="en-US" baseline="0" dirty="0" smtClean="0"/>
+              <a:t> o </a:t>
+            </a:r>
+            <a:r>
+              <a:rPr lang="en-US" baseline="0" dirty="0" err="1" smtClean="0"/>
+              <a:t>crea</a:t>
+            </a:r>
+            <a:r>
+              <a:rPr lang="en-US" baseline="0" dirty="0" smtClean="0"/>
+              <a:t>, los </a:t>
+            </a:r>
+            <a:r>
+              <a:rPr lang="en-US" baseline="0" dirty="0" err="1" smtClean="0"/>
+              <a:t>limpina</a:t>
+            </a:r>
+            <a:r>
+              <a:rPr lang="en-US" baseline="0" dirty="0" smtClean="0"/>
+              <a:t> y </a:t>
+            </a:r>
+            <a:r>
+              <a:rPr lang="en-US" baseline="0" dirty="0" err="1" smtClean="0"/>
+              <a:t>almacena</a:t>
+            </a:r>
+            <a:r>
+              <a:rPr lang="en-US" baseline="0" dirty="0" smtClean="0"/>
+              <a:t>.</a:t>
+            </a:r>
+            <a:endParaRPr lang="es-ES" dirty="0" smtClean="0"/>
+          </a:p>
+          <a:p>
+            <a:endParaRPr lang="es-ES" dirty="0"/>
+          </a:p>
+        </p:txBody>
+      </p:sp>
+      <p:sp>
+        <p:nvSpPr>
+          <p:cNvPr id="4" name="Slide Number Placeholder 3"/>
+          <p:cNvSpPr>
+            <a:spLocks noGrp="1"/>
+          </p:cNvSpPr>
+          <p:nvPr>
+            <p:ph type="sldNum" sz="quarter" idx="10"/>
+          </p:nvPr>
+        </p:nvSpPr>
+        <p:spPr/>
+        <p:txBody>
+          <a:bodyPr/>
+          <a:lstStyle/>
+          <a:p>
+            <a:fld id="{C42A67DC-8677-4C0C-9BD5-613D8A4CD6D6}" type="slidenum">
+              <a:rPr lang="es-ES" smtClean="0"/>
+              <a:t>4</a:t>
+            </a:fld>
+            <a:endParaRPr lang="es-ES"/>
+          </a:p>
+        </p:txBody>
+      </p:sp>
+    </p:spTree>
+    <p:extLst>
+      <p:ext uri="{BB962C8B-B14F-4D97-AF65-F5344CB8AC3E}">
+        <p14:creationId xmlns:p14="http://schemas.microsoft.com/office/powerpoint/2010/main" val="2926691846"/>
+      </p:ext>
+    </p:extLst>
+  </p:cSld>
+  <p:clrMapOvr>
+    <a:masterClrMapping/>
+  </p:clrMapOvr>
+</p:notes>
+</file>
+
+<file path=ppt/notesSlides/notesSlide4.xml><?xml version="1.0" encoding="utf-8"?>
+<p:notes xmlns:a="http://schemas.openxmlformats.org/drawingml/2006/main" xmlns:r="http://schemas.openxmlformats.org/officeDocument/2006/relationships" xmlns:p="http://schemas.openxmlformats.org/presentationml/2006/main">
+  <p:cSld>
+    <p:spTree>
+      <p:nvGrpSpPr>
+        <p:cNvPr id="1" name=""/>
+        <p:cNvGrpSpPr/>
+        <p:nvPr/>
+      </p:nvGrpSpPr>
+      <p:grpSpPr>
+        <a:xfrm>
+          <a:off x="0" y="0"/>
+          <a:ext cx="0" cy="0"/>
+          <a:chOff x="0" y="0"/>
+          <a:chExt cx="0" cy="0"/>
+        </a:xfrm>
+      </p:grpSpPr>
+      <p:sp>
+        <p:nvSpPr>
+          <p:cNvPr id="2" name="Slide Image Placeholder 1"/>
+          <p:cNvSpPr>
+            <a:spLocks noGrp="1" noRot="1" noChangeAspect="1"/>
+          </p:cNvSpPr>
+          <p:nvPr>
+            <p:ph type="sldImg"/>
+          </p:nvPr>
+        </p:nvSpPr>
+        <p:spPr/>
+      </p:sp>
+      <p:sp>
+        <p:nvSpPr>
+          <p:cNvPr id="3" name="Notes Placeholder 2"/>
+          <p:cNvSpPr>
+            <a:spLocks noGrp="1"/>
+          </p:cNvSpPr>
+          <p:nvPr>
+            <p:ph type="body" idx="1"/>
+          </p:nvPr>
+        </p:nvSpPr>
+        <p:spPr/>
+        <p:txBody>
+          <a:bodyPr/>
+          <a:lstStyle/>
+          <a:p>
+            <a:r>
+              <a:rPr lang="en-US" dirty="0" smtClean="0"/>
+              <a:t>El Run</a:t>
+            </a:r>
+            <a:r>
+              <a:rPr lang="en-US" baseline="0" dirty="0" smtClean="0"/>
+              <a:t> Time se </a:t>
+            </a:r>
+            <a:r>
+              <a:rPr lang="en-US" baseline="0" dirty="0" err="1" smtClean="0"/>
+              <a:t>encarga</a:t>
+            </a:r>
+            <a:r>
+              <a:rPr lang="en-US" baseline="0" dirty="0" smtClean="0"/>
+              <a:t> de </a:t>
+            </a:r>
+            <a:r>
+              <a:rPr lang="en-US" baseline="0" dirty="0" err="1" smtClean="0"/>
+              <a:t>orquestar</a:t>
+            </a:r>
+            <a:r>
+              <a:rPr lang="en-US" baseline="0" dirty="0" smtClean="0"/>
+              <a:t> y la forma </a:t>
+            </a:r>
+            <a:r>
+              <a:rPr lang="en-US" baseline="0" dirty="0" err="1" smtClean="0"/>
+              <a:t>en</a:t>
+            </a:r>
+            <a:r>
+              <a:rPr lang="en-US" baseline="0" dirty="0" smtClean="0"/>
+              <a:t> </a:t>
+            </a:r>
+            <a:r>
+              <a:rPr lang="en-US" baseline="0" dirty="0" err="1" smtClean="0"/>
+              <a:t>que</a:t>
+            </a:r>
+            <a:r>
+              <a:rPr lang="en-US" baseline="0" dirty="0" smtClean="0"/>
+              <a:t> se van </a:t>
+            </a:r>
+            <a:r>
+              <a:rPr lang="en-US" baseline="0" dirty="0" err="1" smtClean="0"/>
+              <a:t>dando</a:t>
+            </a:r>
+            <a:r>
+              <a:rPr lang="en-US" baseline="0" dirty="0" smtClean="0"/>
+              <a:t> los </a:t>
+            </a:r>
+            <a:r>
+              <a:rPr lang="en-US" baseline="0" dirty="0" err="1" smtClean="0"/>
+              <a:t>procesos</a:t>
+            </a:r>
+            <a:r>
+              <a:rPr lang="en-US" baseline="0" dirty="0" smtClean="0"/>
+              <a:t> y </a:t>
+            </a:r>
+            <a:r>
+              <a:rPr lang="en-US" baseline="0" dirty="0" err="1" smtClean="0"/>
+              <a:t>aprovecha</a:t>
+            </a:r>
+            <a:r>
+              <a:rPr lang="en-US" baseline="0" dirty="0" smtClean="0"/>
+              <a:t> para </a:t>
+            </a:r>
+            <a:r>
+              <a:rPr lang="en-US" baseline="0" dirty="0" err="1" smtClean="0"/>
+              <a:t>esto</a:t>
+            </a:r>
+            <a:r>
+              <a:rPr lang="en-US" baseline="0" dirty="0" smtClean="0"/>
+              <a:t> al </a:t>
+            </a:r>
+            <a:r>
+              <a:rPr lang="en-US" baseline="0" dirty="0" err="1" smtClean="0"/>
+              <a:t>maximo</a:t>
+            </a:r>
+            <a:r>
+              <a:rPr lang="en-US" baseline="0" dirty="0" smtClean="0"/>
+              <a:t> el </a:t>
+            </a:r>
+            <a:r>
+              <a:rPr lang="en-US" baseline="0" dirty="0" err="1" smtClean="0"/>
+              <a:t>paralelismo</a:t>
+            </a:r>
+            <a:r>
+              <a:rPr lang="en-US" baseline="0" dirty="0" smtClean="0"/>
+              <a:t> </a:t>
+            </a:r>
+            <a:r>
+              <a:rPr lang="en-US" baseline="0" dirty="0" err="1" smtClean="0"/>
+              <a:t>basado</a:t>
+            </a:r>
+            <a:r>
+              <a:rPr lang="en-US" baseline="0" dirty="0" smtClean="0"/>
+              <a:t> </a:t>
+            </a:r>
+            <a:r>
+              <a:rPr lang="en-US" baseline="0" dirty="0" err="1" smtClean="0"/>
+              <a:t>en</a:t>
+            </a:r>
+            <a:r>
+              <a:rPr lang="en-US" baseline="0" dirty="0" smtClean="0"/>
+              <a:t> </a:t>
+            </a:r>
+            <a:r>
+              <a:rPr lang="en-US" baseline="0" dirty="0" err="1" smtClean="0"/>
+              <a:t>las</a:t>
+            </a:r>
+            <a:r>
+              <a:rPr lang="en-US" baseline="0" dirty="0" smtClean="0"/>
+              <a:t> </a:t>
+            </a:r>
+            <a:r>
+              <a:rPr lang="en-US" baseline="0" dirty="0" err="1" smtClean="0"/>
+              <a:t>dependencias</a:t>
+            </a:r>
+            <a:r>
+              <a:rPr lang="en-US" baseline="0" dirty="0" smtClean="0"/>
+              <a:t> de los </a:t>
+            </a:r>
+            <a:r>
+              <a:rPr lang="en-US" baseline="0" dirty="0" err="1" smtClean="0"/>
+              <a:t>trabajos</a:t>
+            </a:r>
+            <a:r>
+              <a:rPr lang="en-US" baseline="0" dirty="0" smtClean="0"/>
+              <a:t> a </a:t>
+            </a:r>
+            <a:r>
+              <a:rPr lang="en-US" baseline="0" dirty="0" err="1" smtClean="0"/>
+              <a:t>realizar</a:t>
+            </a:r>
+            <a:r>
+              <a:rPr lang="en-US" baseline="0" dirty="0" smtClean="0"/>
+              <a:t>. </a:t>
+            </a:r>
+            <a:r>
+              <a:rPr lang="en-US" baseline="0" dirty="0" err="1" smtClean="0"/>
+              <a:t>Asigna</a:t>
+            </a:r>
+            <a:r>
+              <a:rPr lang="en-US" baseline="0" dirty="0" smtClean="0"/>
+              <a:t> y </a:t>
+            </a:r>
+            <a:r>
+              <a:rPr lang="en-US" baseline="0" dirty="0" err="1" smtClean="0"/>
+              <a:t>controla</a:t>
+            </a:r>
+            <a:r>
+              <a:rPr lang="en-US" baseline="0" dirty="0" smtClean="0"/>
+              <a:t> los </a:t>
+            </a:r>
+            <a:r>
+              <a:rPr lang="en-US" baseline="0" dirty="0" err="1" smtClean="0"/>
+              <a:t>diferentes</a:t>
+            </a:r>
+            <a:r>
+              <a:rPr lang="en-US" baseline="0" dirty="0" smtClean="0"/>
+              <a:t> </a:t>
+            </a:r>
+            <a:r>
+              <a:rPr lang="en-US" baseline="0" dirty="0" err="1" smtClean="0"/>
+              <a:t>hilos</a:t>
+            </a:r>
+            <a:r>
+              <a:rPr lang="en-US" baseline="0" dirty="0" smtClean="0"/>
+              <a:t> </a:t>
+            </a:r>
+            <a:r>
+              <a:rPr lang="en-US" baseline="0" dirty="0" err="1" smtClean="0"/>
+              <a:t>creados</a:t>
+            </a:r>
+            <a:r>
+              <a:rPr lang="en-US" baseline="0" dirty="0" smtClean="0"/>
+              <a:t> para </a:t>
+            </a:r>
+            <a:r>
+              <a:rPr lang="en-US" baseline="0" dirty="0" err="1" smtClean="0"/>
+              <a:t>ejecutar</a:t>
+            </a:r>
+            <a:r>
+              <a:rPr lang="en-US" baseline="0" dirty="0" smtClean="0"/>
+              <a:t> </a:t>
+            </a:r>
+            <a:r>
+              <a:rPr lang="en-US" baseline="0" dirty="0" err="1" smtClean="0"/>
+              <a:t>las</a:t>
+            </a:r>
+            <a:r>
+              <a:rPr lang="en-US" baseline="0" dirty="0" smtClean="0"/>
+              <a:t> </a:t>
+            </a:r>
+            <a:r>
+              <a:rPr lang="en-US" baseline="0" dirty="0" err="1" smtClean="0"/>
+              <a:t>tareas</a:t>
+            </a:r>
+            <a:r>
+              <a:rPr lang="es-ES" baseline="0" dirty="0" smtClean="0"/>
+              <a:t> del paquete; es por esta razón que en la mayoría de las </a:t>
+            </a:r>
+            <a:r>
+              <a:rPr lang="es-ES" baseline="0" dirty="0" err="1" smtClean="0"/>
+              <a:t>ocaciones</a:t>
+            </a:r>
+            <a:r>
+              <a:rPr lang="es-ES" baseline="0" dirty="0" smtClean="0"/>
+              <a:t> no es preferible ejecutar un SQL </a:t>
+            </a:r>
+            <a:r>
+              <a:rPr lang="es-ES" baseline="0" dirty="0" err="1" smtClean="0"/>
+              <a:t>Task</a:t>
+            </a:r>
+            <a:r>
+              <a:rPr lang="es-ES" baseline="0" dirty="0" smtClean="0"/>
+              <a:t> dado que se </a:t>
+            </a:r>
+            <a:r>
+              <a:rPr lang="es-ES" baseline="0" dirty="0" err="1" smtClean="0"/>
+              <a:t>se</a:t>
+            </a:r>
+            <a:r>
+              <a:rPr lang="es-ES" baseline="0" dirty="0" smtClean="0"/>
+              <a:t> envía la sentencia y hasta que el motor de datos </a:t>
+            </a:r>
+            <a:r>
+              <a:rPr lang="es-ES" baseline="0" dirty="0" err="1" smtClean="0"/>
+              <a:t>finalzice</a:t>
+            </a:r>
+            <a:r>
+              <a:rPr lang="es-ES" baseline="0" dirty="0" smtClean="0"/>
+              <a:t> se continua con la siguiente tarea.</a:t>
+            </a:r>
+          </a:p>
+        </p:txBody>
+      </p:sp>
+      <p:sp>
+        <p:nvSpPr>
+          <p:cNvPr id="4" name="Slide Number Placeholder 3"/>
+          <p:cNvSpPr>
+            <a:spLocks noGrp="1"/>
+          </p:cNvSpPr>
+          <p:nvPr>
+            <p:ph type="sldNum" sz="quarter" idx="10"/>
+          </p:nvPr>
+        </p:nvSpPr>
+        <p:spPr/>
+        <p:txBody>
+          <a:bodyPr/>
+          <a:lstStyle/>
+          <a:p>
+            <a:fld id="{C42A67DC-8677-4C0C-9BD5-613D8A4CD6D6}" type="slidenum">
+              <a:rPr lang="es-ES" smtClean="0"/>
+              <a:t>5</a:t>
+            </a:fld>
+            <a:endParaRPr lang="es-ES"/>
+          </a:p>
+        </p:txBody>
+      </p:sp>
+    </p:spTree>
+    <p:extLst>
+      <p:ext uri="{BB962C8B-B14F-4D97-AF65-F5344CB8AC3E}">
+        <p14:creationId xmlns:p14="http://schemas.microsoft.com/office/powerpoint/2010/main" val="1071456597"/>
+      </p:ext>
+    </p:extLst>
+  </p:cSld>
+  <p:clrMapOvr>
+    <a:masterClrMapping/>
+  </p:clrMapOvr>
+</p:notes>
+</file>
+
+<file path=ppt/notesSlides/notesSlide5.xml><?xml version="1.0" encoding="utf-8"?>
+<p:notes xmlns:a="http://schemas.openxmlformats.org/drawingml/2006/main" xmlns:r="http://schemas.openxmlformats.org/officeDocument/2006/relationships" xmlns:p="http://schemas.openxmlformats.org/presentationml/2006/main">
+  <p:cSld>
+    <p:spTree>
+      <p:nvGrpSpPr>
+        <p:cNvPr id="1" name=""/>
+        <p:cNvGrpSpPr/>
+        <p:nvPr/>
+      </p:nvGrpSpPr>
+      <p:grpSpPr>
+        <a:xfrm>
+          <a:off x="0" y="0"/>
+          <a:ext cx="0" cy="0"/>
+          <a:chOff x="0" y="0"/>
+          <a:chExt cx="0" cy="0"/>
+        </a:xfrm>
+      </p:grpSpPr>
+      <p:sp>
+        <p:nvSpPr>
+          <p:cNvPr id="2" name="Slide Image Placeholder 1"/>
+          <p:cNvSpPr>
+            <a:spLocks noGrp="1" noRot="1" noChangeAspect="1"/>
+          </p:cNvSpPr>
+          <p:nvPr>
+            <p:ph type="sldImg"/>
+          </p:nvPr>
+        </p:nvSpPr>
+        <p:spPr/>
+      </p:sp>
+      <p:sp>
+        <p:nvSpPr>
+          <p:cNvPr id="3" name="Notes Placeholder 2"/>
+          <p:cNvSpPr>
+            <a:spLocks noGrp="1"/>
+          </p:cNvSpPr>
+          <p:nvPr>
+            <p:ph type="body" idx="1"/>
+          </p:nvPr>
+        </p:nvSpPr>
+        <p:spPr/>
+        <p:txBody>
+          <a:bodyPr/>
+          <a:lstStyle/>
+          <a:p>
+            <a:endParaRPr lang="es-ES" dirty="0"/>
+          </a:p>
+        </p:txBody>
+      </p:sp>
+      <p:sp>
+        <p:nvSpPr>
+          <p:cNvPr id="4" name="Slide Number Placeholder 3"/>
+          <p:cNvSpPr>
+            <a:spLocks noGrp="1"/>
+          </p:cNvSpPr>
+          <p:nvPr>
+            <p:ph type="sldNum" sz="quarter" idx="10"/>
+          </p:nvPr>
+        </p:nvSpPr>
+        <p:spPr/>
+        <p:txBody>
+          <a:bodyPr/>
+          <a:lstStyle/>
+          <a:p>
+            <a:fld id="{C42A67DC-8677-4C0C-9BD5-613D8A4CD6D6}" type="slidenum">
+              <a:rPr lang="es-ES" smtClean="0"/>
+              <a:t>6</a:t>
+            </a:fld>
+            <a:endParaRPr lang="es-ES"/>
+          </a:p>
+        </p:txBody>
+      </p:sp>
+    </p:spTree>
+    <p:extLst>
+      <p:ext uri="{BB962C8B-B14F-4D97-AF65-F5344CB8AC3E}">
+        <p14:creationId xmlns:p14="http://schemas.microsoft.com/office/powerpoint/2010/main" val="528488462"/>
+      </p:ext>
+    </p:extLst>
+  </p:cSld>
+  <p:clrMapOvr>
+    <a:masterClrMapping/>
+  </p:clrMapOvr>
+</p:notes>
+</file>
+
+<file path=ppt/notesSlides/notesSlide6.xml><?xml version="1.0" encoding="utf-8"?>
+<p:notes xmlns:a="http://schemas.openxmlformats.org/drawingml/2006/main" xmlns:r="http://schemas.openxmlformats.org/officeDocument/2006/relationships" xmlns:p="http://schemas.openxmlformats.org/presentationml/2006/main">
+  <p:cSld>
+    <p:spTree>
+      <p:nvGrpSpPr>
+        <p:cNvPr id="1" name=""/>
+        <p:cNvGrpSpPr/>
+        <p:nvPr/>
+      </p:nvGrpSpPr>
+      <p:grpSpPr>
+        <a:xfrm>
+          <a:off x="0" y="0"/>
+          <a:ext cx="0" cy="0"/>
+          <a:chOff x="0" y="0"/>
+          <a:chExt cx="0" cy="0"/>
+        </a:xfrm>
+      </p:grpSpPr>
+      <p:sp>
+        <p:nvSpPr>
+          <p:cNvPr id="2" name="Slide Image Placeholder 1"/>
+          <p:cNvSpPr>
+            <a:spLocks noGrp="1" noRot="1" noChangeAspect="1"/>
+          </p:cNvSpPr>
+          <p:nvPr>
+            <p:ph type="sldImg"/>
+          </p:nvPr>
+        </p:nvSpPr>
+        <p:spPr/>
+      </p:sp>
+      <p:sp>
+        <p:nvSpPr>
+          <p:cNvPr id="3" name="Notes Placeholder 2"/>
+          <p:cNvSpPr>
+            <a:spLocks noGrp="1"/>
+          </p:cNvSpPr>
+          <p:nvPr>
+            <p:ph type="body" idx="1"/>
+          </p:nvPr>
+        </p:nvSpPr>
+        <p:spPr/>
+        <p:txBody>
+          <a:bodyPr/>
+          <a:lstStyle/>
+          <a:p>
+            <a:r>
+              <a:rPr lang="en-US" dirty="0" err="1" smtClean="0"/>
+              <a:t>Acá</a:t>
+            </a:r>
+            <a:r>
+              <a:rPr lang="en-US" baseline="0" dirty="0" smtClean="0"/>
+              <a:t> </a:t>
+            </a:r>
+            <a:r>
+              <a:rPr lang="en-US" baseline="0" dirty="0" err="1" smtClean="0"/>
+              <a:t>debe</a:t>
+            </a:r>
+            <a:r>
+              <a:rPr lang="en-US" baseline="0" dirty="0" smtClean="0"/>
+              <a:t> </a:t>
+            </a:r>
+            <a:r>
+              <a:rPr lang="en-US" baseline="0" dirty="0" err="1" smtClean="0"/>
+              <a:t>explicarse</a:t>
+            </a:r>
+            <a:r>
+              <a:rPr lang="en-US" baseline="0" dirty="0" smtClean="0"/>
+              <a:t> la forma </a:t>
+            </a:r>
+            <a:r>
+              <a:rPr lang="en-US" baseline="0" dirty="0" err="1" smtClean="0"/>
+              <a:t>en</a:t>
+            </a:r>
+            <a:r>
+              <a:rPr lang="en-US" baseline="0" dirty="0" smtClean="0"/>
+              <a:t> </a:t>
+            </a:r>
+            <a:r>
+              <a:rPr lang="en-US" baseline="0" dirty="0" err="1" smtClean="0"/>
+              <a:t>que</a:t>
+            </a:r>
+            <a:r>
+              <a:rPr lang="en-US" baseline="0" dirty="0" smtClean="0"/>
+              <a:t> se </a:t>
+            </a:r>
+            <a:r>
+              <a:rPr lang="en-US" baseline="0" dirty="0" err="1" smtClean="0"/>
+              <a:t>ven</a:t>
+            </a:r>
+            <a:r>
+              <a:rPr lang="en-US" baseline="0" dirty="0" smtClean="0"/>
+              <a:t> </a:t>
+            </a:r>
+            <a:r>
+              <a:rPr lang="en-US" baseline="0" dirty="0" err="1" smtClean="0"/>
+              <a:t>afectados</a:t>
+            </a:r>
+            <a:r>
+              <a:rPr lang="en-US" baseline="0" dirty="0" smtClean="0"/>
+              <a:t> los </a:t>
+            </a:r>
+            <a:r>
+              <a:rPr lang="en-US" baseline="0" dirty="0" err="1" smtClean="0"/>
+              <a:t>flujos</a:t>
+            </a:r>
+            <a:r>
+              <a:rPr lang="en-US" baseline="0" dirty="0" smtClean="0"/>
+              <a:t> de </a:t>
+            </a:r>
+            <a:r>
+              <a:rPr lang="en-US" baseline="0" dirty="0" err="1" smtClean="0"/>
+              <a:t>datos</a:t>
+            </a:r>
+            <a:r>
+              <a:rPr lang="en-US" baseline="0" dirty="0" smtClean="0"/>
+              <a:t> </a:t>
+            </a:r>
+            <a:r>
+              <a:rPr lang="en-US" baseline="0" dirty="0" err="1" smtClean="0"/>
+              <a:t>segun</a:t>
+            </a:r>
+            <a:r>
+              <a:rPr lang="en-US" baseline="0" dirty="0" smtClean="0"/>
+              <a:t> </a:t>
+            </a:r>
+            <a:r>
+              <a:rPr lang="en-US" baseline="0" dirty="0" err="1" smtClean="0"/>
+              <a:t>las</a:t>
+            </a:r>
+            <a:r>
+              <a:rPr lang="en-US" baseline="0" dirty="0" smtClean="0"/>
+              <a:t> </a:t>
+            </a:r>
+            <a:r>
+              <a:rPr lang="en-US" baseline="0" dirty="0" err="1" smtClean="0"/>
+              <a:t>diferentes</a:t>
+            </a:r>
+            <a:r>
+              <a:rPr lang="en-US" baseline="0" dirty="0" smtClean="0"/>
+              <a:t> </a:t>
+            </a:r>
+            <a:r>
+              <a:rPr lang="en-US" baseline="0" dirty="0" err="1" smtClean="0"/>
+              <a:t>tareas</a:t>
+            </a:r>
+            <a:r>
+              <a:rPr lang="en-US" baseline="0" dirty="0" smtClean="0"/>
+              <a:t> </a:t>
+            </a:r>
+            <a:r>
+              <a:rPr lang="en-US" baseline="0" dirty="0" err="1" smtClean="0"/>
+              <a:t>que</a:t>
+            </a:r>
+            <a:r>
+              <a:rPr lang="en-US" baseline="0" dirty="0" smtClean="0"/>
+              <a:t> se </a:t>
+            </a:r>
+            <a:r>
+              <a:rPr lang="en-US" baseline="0" dirty="0" err="1" smtClean="0"/>
+              <a:t>utilicen</a:t>
+            </a:r>
+            <a:r>
+              <a:rPr lang="en-US" baseline="0" dirty="0" smtClean="0"/>
+              <a:t> </a:t>
+            </a:r>
+            <a:r>
+              <a:rPr lang="en-US" baseline="0" dirty="0" err="1" smtClean="0"/>
+              <a:t>darle</a:t>
+            </a:r>
+            <a:r>
+              <a:rPr lang="en-US" baseline="0" dirty="0" smtClean="0"/>
+              <a:t> </a:t>
+            </a:r>
+            <a:r>
+              <a:rPr lang="en-US" baseline="0" dirty="0" err="1" smtClean="0"/>
+              <a:t>tratamiento</a:t>
+            </a:r>
+            <a:r>
+              <a:rPr lang="en-US" baseline="0" dirty="0" smtClean="0"/>
+              <a:t> a los </a:t>
+            </a:r>
+            <a:r>
+              <a:rPr lang="en-US" baseline="0" dirty="0" err="1" smtClean="0"/>
+              <a:t>datos</a:t>
+            </a:r>
+            <a:r>
+              <a:rPr lang="en-US" baseline="0" dirty="0" smtClean="0"/>
+              <a:t>, </a:t>
+            </a:r>
+            <a:endParaRPr lang="es-ES" dirty="0"/>
+          </a:p>
+        </p:txBody>
+      </p:sp>
+      <p:sp>
+        <p:nvSpPr>
+          <p:cNvPr id="4" name="Slide Number Placeholder 3"/>
+          <p:cNvSpPr>
+            <a:spLocks noGrp="1"/>
+          </p:cNvSpPr>
+          <p:nvPr>
+            <p:ph type="sldNum" sz="quarter" idx="10"/>
+          </p:nvPr>
+        </p:nvSpPr>
+        <p:spPr/>
+        <p:txBody>
+          <a:bodyPr/>
+          <a:lstStyle/>
+          <a:p>
+            <a:fld id="{C42A67DC-8677-4C0C-9BD5-613D8A4CD6D6}" type="slidenum">
+              <a:rPr lang="es-ES" smtClean="0"/>
+              <a:t>7</a:t>
+            </a:fld>
+            <a:endParaRPr lang="es-ES"/>
+          </a:p>
+        </p:txBody>
+      </p:sp>
+    </p:spTree>
+    <p:extLst>
+      <p:ext uri="{BB962C8B-B14F-4D97-AF65-F5344CB8AC3E}">
+        <p14:creationId xmlns:p14="http://schemas.microsoft.com/office/powerpoint/2010/main" val="3438132340"/>
+      </p:ext>
+    </p:extLst>
+  </p:cSld>
+  <p:clrMapOvr>
+    <a:masterClrMapping/>
+  </p:clrMapOvr>
+</p:notes>
+</file>
+
 <file path=ppt/slideLayouts/slideLayout1.xml><?xml version="1.0" encoding="utf-8"?>
 <p:sldLayout xmlns:a="http://schemas.openxmlformats.org/drawingml/2006/main" xmlns:r="http://schemas.openxmlformats.org/officeDocument/2006/relationships" xmlns:p="http://schemas.openxmlformats.org/presentationml/2006/main" type="title" preserve="1">
   <p:cSld name="Title Slide">
@@ -248,7 +4293,7 @@
           <a:p>
             <a:fld id="{80CAC7EA-04E5-4C3B-956D-07022E2952BA}" type="datetimeFigureOut">
               <a:rPr lang="es-ES" smtClean="0"/>
-              <a:t>02/04/2015</a:t>
+              <a:t>12/04/2015</a:t>
             </a:fld>
             <a:endParaRPr lang="es-ES"/>
           </a:p>
@@ -418,7 +4463,7 @@
           <a:p>
             <a:fld id="{80CAC7EA-04E5-4C3B-956D-07022E2952BA}" type="datetimeFigureOut">
               <a:rPr lang="es-ES" smtClean="0"/>
-              <a:t>02/04/2015</a:t>
+              <a:t>12/04/2015</a:t>
             </a:fld>
             <a:endParaRPr lang="es-ES"/>
           </a:p>
@@ -598,7 +4643,7 @@
           <a:p>
             <a:fld id="{80CAC7EA-04E5-4C3B-956D-07022E2952BA}" type="datetimeFigureOut">
               <a:rPr lang="es-ES" smtClean="0"/>
-              <a:t>02/04/2015</a:t>
+              <a:t>12/04/2015</a:t>
             </a:fld>
             <a:endParaRPr lang="es-ES"/>
           </a:p>
@@ -768,7 +4813,7 @@
           <a:p>
             <a:fld id="{80CAC7EA-04E5-4C3B-956D-07022E2952BA}" type="datetimeFigureOut">
               <a:rPr lang="es-ES" smtClean="0"/>
-              <a:t>02/04/2015</a:t>
+              <a:t>12/04/2015</a:t>
             </a:fld>
             <a:endParaRPr lang="es-ES"/>
           </a:p>
@@ -1014,7 +5059,7 @@
           <a:p>
             <a:fld id="{80CAC7EA-04E5-4C3B-956D-07022E2952BA}" type="datetimeFigureOut">
               <a:rPr lang="es-ES" smtClean="0"/>
-              <a:t>02/04/2015</a:t>
+              <a:t>12/04/2015</a:t>
             </a:fld>
             <a:endParaRPr lang="es-ES"/>
           </a:p>
@@ -1246,7 +5291,7 @@
           <a:p>
             <a:fld id="{80CAC7EA-04E5-4C3B-956D-07022E2952BA}" type="datetimeFigureOut">
               <a:rPr lang="es-ES" smtClean="0"/>
-              <a:t>02/04/2015</a:t>
+              <a:t>12/04/2015</a:t>
             </a:fld>
             <a:endParaRPr lang="es-ES"/>
           </a:p>
@@ -1613,7 +5658,7 @@
           <a:p>
             <a:fld id="{80CAC7EA-04E5-4C3B-956D-07022E2952BA}" type="datetimeFigureOut">
               <a:rPr lang="es-ES" smtClean="0"/>
-              <a:t>02/04/2015</a:t>
+              <a:t>12/04/2015</a:t>
             </a:fld>
             <a:endParaRPr lang="es-ES"/>
           </a:p>
@@ -1731,7 +5776,7 @@
           <a:p>
             <a:fld id="{80CAC7EA-04E5-4C3B-956D-07022E2952BA}" type="datetimeFigureOut">
               <a:rPr lang="es-ES" smtClean="0"/>
-              <a:t>02/04/2015</a:t>
+              <a:t>12/04/2015</a:t>
             </a:fld>
             <a:endParaRPr lang="es-ES"/>
           </a:p>
@@ -1826,7 +5871,7 @@
           <a:p>
             <a:fld id="{80CAC7EA-04E5-4C3B-956D-07022E2952BA}" type="datetimeFigureOut">
               <a:rPr lang="es-ES" smtClean="0"/>
-              <a:t>02/04/2015</a:t>
+              <a:t>12/04/2015</a:t>
             </a:fld>
             <a:endParaRPr lang="es-ES"/>
           </a:p>
@@ -2103,7 +6148,7 @@
           <a:p>
             <a:fld id="{80CAC7EA-04E5-4C3B-956D-07022E2952BA}" type="datetimeFigureOut">
               <a:rPr lang="es-ES" smtClean="0"/>
-              <a:t>02/04/2015</a:t>
+              <a:t>12/04/2015</a:t>
             </a:fld>
             <a:endParaRPr lang="es-ES"/>
           </a:p>
@@ -2356,7 +6401,7 @@
           <a:p>
             <a:fld id="{80CAC7EA-04E5-4C3B-956D-07022E2952BA}" type="datetimeFigureOut">
               <a:rPr lang="es-ES" smtClean="0"/>
-              <a:t>02/04/2015</a:t>
+              <a:t>12/04/2015</a:t>
             </a:fld>
             <a:endParaRPr lang="es-ES"/>
           </a:p>
@@ -2569,7 +6614,7 @@
           <a:p>
             <a:fld id="{80CAC7EA-04E5-4C3B-956D-07022E2952BA}" type="datetimeFigureOut">
               <a:rPr lang="es-ES" smtClean="0"/>
-              <a:t>02/04/2015</a:t>
+              <a:t>12/04/2015</a:t>
             </a:fld>
             <a:endParaRPr lang="es-ES"/>
           </a:p>
@@ -2992,10 +7037,10 @@
           <a:lstStyle/>
           <a:p>
             <a:r>
-              <a:rPr lang="en-US" sz="6600" b="1" dirty="0" smtClean="0"/>
+              <a:rPr lang="en-US" sz="8000" b="1" dirty="0" smtClean="0"/>
               <a:t>Integrations Services</a:t>
             </a:r>
-            <a:endParaRPr lang="es-ES" sz="6600" b="1" dirty="0"/>
+            <a:endParaRPr lang="es-ES" sz="8000" b="1" dirty="0"/>
           </a:p>
         </p:txBody>
       </p:sp>
@@ -3017,15 +7062,15 @@
         </p:spPr>
         <p:txBody>
           <a:bodyPr>
-            <a:normAutofit/>
+            <a:noAutofit/>
           </a:bodyPr>
           <a:lstStyle/>
           <a:p>
             <a:r>
-              <a:rPr lang="en-US" sz="4800" dirty="0" smtClean="0"/>
+              <a:rPr lang="en-US" sz="6000" b="1" dirty="0" smtClean="0"/>
               <a:t>Execution Trees</a:t>
             </a:r>
-            <a:endParaRPr lang="es-ES" sz="4800" dirty="0"/>
+            <a:endParaRPr lang="es-ES" sz="6000" b="1" dirty="0"/>
           </a:p>
         </p:txBody>
       </p:sp>
@@ -3037,7 +7082,7 @@
         </p:nvSpPr>
         <p:spPr>
           <a:xfrm>
-            <a:off x="8682446" y="5442858"/>
+            <a:off x="8672398" y="4970586"/>
             <a:ext cx="2446119" cy="1015663"/>
           </a:xfrm>
           <a:prstGeom prst="rect">
@@ -3134,66 +7179,88 @@
           <a:lstStyle/>
           <a:p>
             <a:r>
+              <a:rPr lang="en-US" dirty="0" smtClean="0"/>
+              <a:t>Agenda</a:t>
+            </a:r>
+            <a:endParaRPr lang="es-ES" dirty="0"/>
+          </a:p>
+        </p:txBody>
+      </p:sp>
+      <p:sp>
+        <p:nvSpPr>
+          <p:cNvPr id="3" name="Content Placeholder 2"/>
+          <p:cNvSpPr>
+            <a:spLocks noGrp="1"/>
+          </p:cNvSpPr>
+          <p:nvPr>
+            <p:ph idx="1"/>
+          </p:nvPr>
+        </p:nvSpPr>
+        <p:spPr/>
+        <p:txBody>
+          <a:bodyPr/>
+          <a:lstStyle/>
+          <a:p>
+            <a:r>
+              <a:rPr lang="en-US" dirty="0" err="1" smtClean="0"/>
+              <a:t>Definicion</a:t>
+            </a:r>
+            <a:endParaRPr lang="en-US" dirty="0" smtClean="0"/>
+          </a:p>
+          <a:p>
+            <a:r>
               <a:rPr lang="en-US" dirty="0" err="1" smtClean="0"/>
               <a:t>Arquitectura</a:t>
             </a:r>
-            <a:endParaRPr lang="es-ES" dirty="0"/>
-          </a:p>
-        </p:txBody>
-      </p:sp>
-      <p:sp>
-        <p:nvSpPr>
-          <p:cNvPr id="3" name="Content Placeholder 2"/>
-          <p:cNvSpPr>
-            <a:spLocks noGrp="1"/>
-          </p:cNvSpPr>
-          <p:nvPr>
-            <p:ph idx="1"/>
-          </p:nvPr>
-        </p:nvSpPr>
-        <p:spPr/>
-        <p:txBody>
-          <a:bodyPr/>
-          <a:lstStyle/>
-          <a:p>
+            <a:endParaRPr lang="en-US" dirty="0" smtClean="0"/>
+          </a:p>
+          <a:p>
+            <a:pPr lvl="1"/>
             <a:r>
               <a:rPr lang="en-US" dirty="0" err="1" smtClean="0"/>
               <a:t>Motores</a:t>
             </a:r>
-            <a:endParaRPr lang="es-ES" dirty="0" smtClean="0"/>
-          </a:p>
-          <a:p>
-            <a:pPr marL="0" indent="0">
-              <a:buNone/>
-            </a:pPr>
-            <a:r>
-              <a:rPr lang="en-US" dirty="0"/>
-              <a:t>	</a:t>
-            </a:r>
+            <a:endParaRPr lang="en-US" dirty="0" smtClean="0"/>
+          </a:p>
+          <a:p>
+            <a:pPr lvl="1"/>
+            <a:r>
+              <a:rPr lang="en-US" dirty="0" err="1" smtClean="0"/>
+              <a:t>Memoria</a:t>
+            </a:r>
+            <a:endParaRPr lang="en-US" dirty="0" smtClean="0"/>
+          </a:p>
+          <a:p>
+            <a:pPr lvl="1"/>
+            <a:r>
+              <a:rPr lang="en-US" dirty="0" err="1" smtClean="0"/>
+              <a:t>Paralelismo</a:t>
+            </a:r>
+            <a:endParaRPr lang="en-US" dirty="0" smtClean="0"/>
+          </a:p>
+          <a:p>
             <a:r>
               <a:rPr lang="en-US" dirty="0" smtClean="0"/>
-              <a:t>Run-Time engine</a:t>
-            </a:r>
-          </a:p>
-          <a:p>
-            <a:pPr marL="0" indent="0">
-              <a:buNone/>
-            </a:pPr>
-            <a:r>
-              <a:rPr lang="en-US" dirty="0"/>
-              <a:t>	</a:t>
-            </a:r>
+              <a:t>Demos</a:t>
+            </a:r>
+          </a:p>
+          <a:p>
             <a:r>
               <a:rPr lang="en-US" dirty="0" smtClean="0"/>
-              <a:t>Data flow engine</a:t>
-            </a:r>
+              <a:t>Q&amp;A</a:t>
+            </a:r>
+            <a:endParaRPr lang="en-US" dirty="0" smtClean="0"/>
+          </a:p>
+          <a:p>
+            <a:pPr lvl="1"/>
+            <a:endParaRPr lang="en-US" dirty="0" smtClean="0"/>
           </a:p>
         </p:txBody>
       </p:sp>
     </p:spTree>
     <p:extLst>
       <p:ext uri="{BB962C8B-B14F-4D97-AF65-F5344CB8AC3E}">
-        <p14:creationId xmlns:p14="http://schemas.microsoft.com/office/powerpoint/2010/main" val="3446579772"/>
+        <p14:creationId xmlns:p14="http://schemas.microsoft.com/office/powerpoint/2010/main" val="2471820063"/>
       </p:ext>
     </p:extLst>
   </p:cSld>
@@ -3243,9 +7310,22 @@
           <a:lstStyle/>
           <a:p>
             <a:r>
-              <a:rPr lang="en-US" dirty="0"/>
-              <a:t>Run-Time engine</a:t>
-            </a:r>
+              <a:rPr lang="en-US" dirty="0" err="1" smtClean="0"/>
+              <a:t>Arboles</a:t>
+            </a:r>
+            <a:r>
+              <a:rPr lang="en-US" dirty="0" smtClean="0"/>
+              <a:t> de </a:t>
+            </a:r>
+            <a:r>
+              <a:rPr lang="en-US" dirty="0" err="1" smtClean="0"/>
+              <a:t>ejecución</a:t>
+            </a:r>
+            <a:r>
+              <a:rPr lang="en-US" dirty="0" smtClean="0"/>
+              <a:t>… ?</a:t>
+            </a:r>
+            <a:endParaRPr lang="es-ES" dirty="0"/>
           </a:p>
         </p:txBody>
       </p:sp>
@@ -3261,12 +7341,24 @@
         </p:nvSpPr>
         <p:spPr/>
         <p:txBody>
-          <a:bodyPr/>
+          <a:bodyPr>
+            <a:normAutofit/>
+          </a:bodyPr>
           <a:lstStyle/>
           <a:p>
             <a:r>
               <a:rPr lang="en-US" dirty="0" err="1" smtClean="0"/>
-              <a:t>Altamente</a:t>
+              <a:t>Que</a:t>
+            </a:r>
+            <a:r>
+              <a:rPr lang="en-US" dirty="0" smtClean="0"/>
+              <a:t> son?</a:t>
+            </a:r>
+          </a:p>
+          <a:p>
+            <a:r>
+              <a:rPr lang="en-US" dirty="0" err="1" smtClean="0"/>
+              <a:t>Que</a:t>
             </a:r>
             <a:r>
               <a:rPr lang="en-US" dirty="0" smtClean="0"/>
@@ -3274,30 +7366,42 @@
             </a:r>
             <a:r>
               <a:rPr lang="en-US" dirty="0" err="1" smtClean="0"/>
-              <a:t>orientado</a:t>
+              <a:t>Componentes</a:t>
             </a:r>
             <a:r>
               <a:rPr lang="en-US" dirty="0" smtClean="0"/>
-              <a:t> a </a:t>
+              <a:t> </a:t>
             </a:r>
             <a:r>
               <a:rPr lang="en-US" dirty="0" err="1" smtClean="0"/>
-              <a:t>Paralelismo</a:t>
-            </a:r>
+              <a:t>tienen</a:t>
+            </a:r>
+            <a:r>
+              <a:rPr lang="en-US" dirty="0" smtClean="0"/>
+              <a:t>?</a:t>
+            </a:r>
+          </a:p>
+          <a:p>
+            <a:r>
+              <a:rPr lang="en-US" dirty="0" smtClean="0"/>
+              <a:t>Como se </a:t>
+            </a:r>
+            <a:r>
+              <a:rPr lang="en-US" dirty="0" err="1" smtClean="0"/>
+              <a:t>identifican</a:t>
+            </a:r>
+            <a:r>
+              <a:rPr lang="en-US" dirty="0" smtClean="0"/>
+              <a:t>?</a:t>
+            </a:r>
+          </a:p>
+          <a:p>
             <a:endParaRPr lang="en-US" dirty="0" smtClean="0"/>
           </a:p>
           <a:p>
             <a:r>
               <a:rPr lang="en-US" dirty="0" err="1" smtClean="0"/>
-              <a:t>Organizar</a:t>
-            </a:r>
-            <a:r>
-              <a:rPr lang="en-US" dirty="0" smtClean="0"/>
-              <a:t> la </a:t>
-            </a:r>
-            <a:r>
-              <a:rPr lang="en-US" dirty="0" err="1" smtClean="0"/>
-              <a:t>secuencia</a:t>
+              <a:t>Conjunto</a:t>
             </a:r>
             <a:r>
               <a:rPr lang="en-US" dirty="0" smtClean="0"/>
@@ -3307,32 +7411,13 @@
               <a:rPr lang="en-US" dirty="0" err="1" smtClean="0"/>
               <a:t>tareas</a:t>
             </a:r>
-            <a:endParaRPr lang="en-US" dirty="0" smtClean="0"/>
-          </a:p>
-          <a:p>
-            <a:r>
-              <a:rPr lang="en-US" dirty="0" smtClean="0"/>
-              <a:t>Su </a:t>
-            </a:r>
-            <a:r>
-              <a:rPr lang="en-US" dirty="0" err="1" smtClean="0"/>
-              <a:t>rendimiento</a:t>
-            </a:r>
-            <a:r>
-              <a:rPr lang="en-US" dirty="0" smtClean="0"/>
-              <a:t> se </a:t>
-            </a:r>
-            <a:r>
-              <a:rPr lang="en-US" dirty="0" err="1" smtClean="0"/>
-              <a:t>ve</a:t>
-            </a:r>
             <a:r>
               <a:rPr lang="en-US" dirty="0" smtClean="0"/>
               <a:t> </a:t>
             </a:r>
             <a:r>
               <a:rPr lang="en-US" dirty="0" err="1" smtClean="0"/>
-              <a:t>afectado</a:t>
+              <a:t>manejadas</a:t>
             </a:r>
             <a:r>
               <a:rPr lang="en-US" dirty="0" smtClean="0"/>
@@ -3340,7 +7425,7 @@
             </a:r>
             <a:r>
               <a:rPr lang="en-US" dirty="0" err="1" smtClean="0"/>
-              <a:t>por</a:t>
+              <a:t>como</a:t>
             </a:r>
             <a:r>
               <a:rPr lang="en-US" dirty="0" smtClean="0"/>
@@ -3348,19 +7433,105 @@
             </a:r>
             <a:r>
               <a:rPr lang="en-US" dirty="0" err="1" smtClean="0"/>
-              <a:t>factores</a:t>
+              <a:t>bloque</a:t>
             </a:r>
             <a:r>
               <a:rPr lang="en-US" dirty="0" smtClean="0"/>
               <a:t> </a:t>
             </a:r>
+          </a:p>
+          <a:p>
+            <a:r>
+              <a:rPr lang="en-US" dirty="0" smtClean="0"/>
+              <a:t>Hilo de </a:t>
+            </a:r>
             <a:r>
               <a:rPr lang="en-US" dirty="0" err="1" smtClean="0"/>
-              <a:t>externos</a:t>
+              <a:t>ejecución</a:t>
+            </a:r>
+            <a:r>
+              <a:rPr lang="en-US" dirty="0" smtClean="0"/>
+              <a:t> </a:t>
+            </a:r>
+            <a:r>
+              <a:rPr lang="en-US" dirty="0" err="1" smtClean="0"/>
+              <a:t>que</a:t>
+            </a:r>
+            <a:r>
+              <a:rPr lang="en-US" dirty="0" smtClean="0"/>
+              <a:t> </a:t>
+            </a:r>
+            <a:r>
+              <a:rPr lang="en-US" dirty="0" err="1" smtClean="0"/>
+              <a:t>maneja</a:t>
+            </a:r>
+            <a:r>
+              <a:rPr lang="en-US" dirty="0" smtClean="0"/>
+              <a:t> un set de </a:t>
+            </a:r>
+            <a:r>
+              <a:rPr lang="en-US" dirty="0" err="1" smtClean="0"/>
+              <a:t>datos</a:t>
+            </a:r>
+            <a:r>
+              <a:rPr lang="en-US" dirty="0" smtClean="0"/>
+              <a:t> de forma </a:t>
+            </a:r>
+            <a:r>
+              <a:rPr lang="en-US" dirty="0" err="1" smtClean="0"/>
+              <a:t>unica</a:t>
             </a:r>
             <a:endParaRPr lang="en-US" dirty="0" smtClean="0"/>
           </a:p>
           <a:p>
+            <a:r>
+              <a:rPr lang="en-US" dirty="0" err="1" smtClean="0"/>
+              <a:t>Espacio</a:t>
+            </a:r>
+            <a:r>
+              <a:rPr lang="en-US" dirty="0" smtClean="0"/>
+              <a:t> </a:t>
+            </a:r>
+            <a:r>
+              <a:rPr lang="en-US" dirty="0" err="1" smtClean="0"/>
+              <a:t>en</a:t>
+            </a:r>
+            <a:r>
+              <a:rPr lang="en-US" dirty="0" smtClean="0"/>
+              <a:t> </a:t>
+            </a:r>
+            <a:r>
+              <a:rPr lang="en-US" dirty="0" err="1" smtClean="0"/>
+              <a:t>memoria</a:t>
+            </a:r>
+            <a:r>
+              <a:rPr lang="en-US" dirty="0" smtClean="0"/>
+              <a:t> </a:t>
+            </a:r>
+            <a:r>
+              <a:rPr lang="en-US" dirty="0" err="1" smtClean="0"/>
+              <a:t>asociado</a:t>
+            </a:r>
+            <a:r>
+              <a:rPr lang="en-US" dirty="0" smtClean="0"/>
+              <a:t> a un </a:t>
+            </a:r>
+            <a:r>
+              <a:rPr lang="en-US" dirty="0" err="1" smtClean="0"/>
+              <a:t>hilo</a:t>
+            </a:r>
+            <a:r>
+              <a:rPr lang="en-US" dirty="0" smtClean="0"/>
+              <a:t> de </a:t>
+            </a:r>
+            <a:r>
+              <a:rPr lang="en-US" dirty="0" err="1" smtClean="0"/>
+              <a:t>ejecucion</a:t>
+            </a:r>
+            <a:r>
+              <a:rPr lang="en-US" dirty="0" smtClean="0"/>
+              <a:t> </a:t>
+            </a:r>
             <a:endParaRPr lang="es-ES" dirty="0"/>
           </a:p>
         </p:txBody>
@@ -3368,7 +7539,7 @@
     </p:spTree>
     <p:extLst>
       <p:ext uri="{BB962C8B-B14F-4D97-AF65-F5344CB8AC3E}">
-        <p14:creationId xmlns:p14="http://schemas.microsoft.com/office/powerpoint/2010/main" val="3648258022"/>
+        <p14:creationId xmlns:p14="http://schemas.microsoft.com/office/powerpoint/2010/main" val="192353925"/>
       </p:ext>
     </p:extLst>
   </p:cSld>
@@ -3418,9 +7589,10 @@
           <a:lstStyle/>
           <a:p>
             <a:r>
-              <a:rPr lang="en-US" dirty="0"/>
-              <a:t>Data flow engine</a:t>
-            </a:r>
+              <a:rPr lang="en-US" dirty="0" err="1" smtClean="0"/>
+              <a:t>Arquitectura</a:t>
+            </a:r>
+            <a:endParaRPr lang="es-ES" dirty="0"/>
           </a:p>
         </p:txBody>
       </p:sp>
@@ -3440,94 +7612,43 @@
           <a:lstStyle/>
           <a:p>
             <a:r>
+              <a:rPr lang="en-US" dirty="0" err="1" smtClean="0"/>
+              <a:t>Motores</a:t>
+            </a:r>
+            <a:endParaRPr lang="es-ES" dirty="0" smtClean="0"/>
+          </a:p>
+          <a:p>
+            <a:pPr marL="0" indent="0">
+              <a:buNone/>
+            </a:pPr>
+            <a:r>
+              <a:rPr lang="en-US" dirty="0"/>
+              <a:t>	</a:t>
+            </a:r>
+            <a:r>
               <a:rPr lang="en-US" dirty="0" smtClean="0"/>
-              <a:t>Se </a:t>
-            </a:r>
-            <a:r>
-              <a:rPr lang="en-US" dirty="0" err="1" smtClean="0"/>
-              <a:t>especializa</a:t>
+              <a:t>Run-Time engine</a:t>
+            </a:r>
+          </a:p>
+          <a:p>
+            <a:pPr marL="0" indent="0">
+              <a:buNone/>
+            </a:pPr>
+            <a:r>
+              <a:rPr lang="en-US" dirty="0"/>
+              <a:t>	</a:t>
             </a:r>
             <a:r>
               <a:rPr lang="en-US" dirty="0" smtClean="0"/>
-              <a:t> </a:t>
-            </a:r>
-            <a:r>
-              <a:rPr lang="en-US" dirty="0" err="1" smtClean="0"/>
-              <a:t>en</a:t>
-            </a:r>
-            <a:r>
-              <a:rPr lang="en-US" dirty="0" smtClean="0"/>
-              <a:t> </a:t>
-            </a:r>
-            <a:r>
-              <a:rPr lang="en-US" dirty="0" err="1" smtClean="0"/>
-              <a:t>manejo</a:t>
-            </a:r>
-            <a:r>
-              <a:rPr lang="en-US" dirty="0" smtClean="0"/>
-              <a:t> de </a:t>
-            </a:r>
-            <a:r>
-              <a:rPr lang="en-US" dirty="0" err="1" smtClean="0"/>
-              <a:t>datos</a:t>
-            </a:r>
-            <a:endParaRPr lang="en-US" dirty="0" smtClean="0"/>
-          </a:p>
-          <a:p>
-            <a:r>
-              <a:rPr lang="en-US" dirty="0" err="1" smtClean="0"/>
-              <a:t>Extrae</a:t>
-            </a:r>
-            <a:r>
-              <a:rPr lang="en-US" dirty="0" smtClean="0"/>
-              <a:t> de multiples </a:t>
-            </a:r>
-            <a:r>
-              <a:rPr lang="en-US" dirty="0" err="1" smtClean="0"/>
-              <a:t>origenes</a:t>
-            </a:r>
-            <a:endParaRPr lang="en-US" dirty="0" smtClean="0"/>
-          </a:p>
-          <a:p>
-            <a:r>
-              <a:rPr lang="en-US" dirty="0" err="1" smtClean="0"/>
-              <a:t>Transforma</a:t>
-            </a:r>
-            <a:r>
-              <a:rPr lang="en-US" dirty="0" smtClean="0"/>
-              <a:t> </a:t>
-            </a:r>
-            <a:r>
-              <a:rPr lang="en-US" dirty="0" err="1" smtClean="0"/>
-              <a:t>en</a:t>
-            </a:r>
-            <a:r>
-              <a:rPr lang="en-US" dirty="0" smtClean="0"/>
-              <a:t> </a:t>
-            </a:r>
-            <a:r>
-              <a:rPr lang="en-US" dirty="0" err="1" smtClean="0"/>
-              <a:t>memoria</a:t>
-            </a:r>
-            <a:r>
-              <a:rPr lang="en-US" dirty="0" smtClean="0"/>
-              <a:t> los </a:t>
-            </a:r>
-            <a:r>
-              <a:rPr lang="en-US" dirty="0" err="1" smtClean="0"/>
-              <a:t>datos</a:t>
-            </a:r>
-            <a:endParaRPr lang="en-US" dirty="0" smtClean="0"/>
-          </a:p>
-          <a:p>
-            <a:endParaRPr lang="es-ES" dirty="0"/>
+              <a:t>Data flow engine</a:t>
+            </a:r>
           </a:p>
         </p:txBody>
       </p:sp>
     </p:spTree>
     <p:extLst>
       <p:ext uri="{BB962C8B-B14F-4D97-AF65-F5344CB8AC3E}">
-        <p14:creationId xmlns:p14="http://schemas.microsoft.com/office/powerpoint/2010/main" val="1350388201"/>
+        <p14:creationId xmlns:p14="http://schemas.microsoft.com/office/powerpoint/2010/main" val="3446579772"/>
       </p:ext>
     </p:extLst>
   </p:cSld>
@@ -3571,106 +7692,211 @@
             <p:ph type="title"/>
           </p:nvPr>
         </p:nvSpPr>
+        <p:spPr/>
+        <p:txBody>
+          <a:bodyPr/>
+          <a:lstStyle/>
+          <a:p>
+            <a:r>
+              <a:rPr lang="en-US" dirty="0"/>
+              <a:t>Run-Time engine</a:t>
+            </a:r>
+          </a:p>
+        </p:txBody>
+      </p:sp>
+      <p:pic>
+        <p:nvPicPr>
+          <p:cNvPr id="4" name="Picture 3"/>
+          <p:cNvPicPr>
+            <a:picLocks noChangeAspect="1"/>
+          </p:cNvPicPr>
+          <p:nvPr/>
+        </p:nvPicPr>
+        <p:blipFill>
+          <a:blip r:embed="rId3">
+            <a:extLst>
+              <a:ext uri="{28A0092B-C50C-407E-A947-70E740481C1C}">
+                <a14:useLocalDpi xmlns:a14="http://schemas.microsoft.com/office/drawing/2010/main" val="0"/>
+              </a:ext>
+            </a:extLst>
+          </a:blip>
+          <a:stretch>
+            <a:fillRect/>
+          </a:stretch>
+        </p:blipFill>
         <p:spPr>
           <a:xfrm>
-            <a:off x="838200" y="365125"/>
-            <a:ext cx="1877008" cy="1325563"/>
-          </a:xfrm>
-        </p:spPr>
-        <p:txBody>
-          <a:bodyPr/>
-          <a:lstStyle/>
-          <a:p>
-            <a:r>
-              <a:rPr lang="en-US" dirty="0" smtClean="0"/>
-              <a:t>Buffer</a:t>
-            </a:r>
-            <a:endParaRPr lang="es-ES" dirty="0"/>
-          </a:p>
-        </p:txBody>
-      </p:sp>
-      <p:sp>
-        <p:nvSpPr>
-          <p:cNvPr id="3" name="Content Placeholder 2"/>
-          <p:cNvSpPr>
-            <a:spLocks noGrp="1"/>
-          </p:cNvSpPr>
-          <p:nvPr>
-            <p:ph idx="1"/>
-          </p:nvPr>
-        </p:nvSpPr>
-        <p:spPr/>
-        <p:txBody>
-          <a:bodyPr/>
-          <a:lstStyle/>
-          <a:p>
-            <a:r>
-              <a:rPr lang="en-US" dirty="0" err="1" smtClean="0"/>
-              <a:t>Tamaño</a:t>
-            </a:r>
-            <a:endParaRPr lang="en-US" dirty="0" smtClean="0"/>
-          </a:p>
-          <a:p>
-            <a:r>
-              <a:rPr lang="en-US" dirty="0" err="1" smtClean="0"/>
-              <a:t>Manejo</a:t>
-            </a:r>
-            <a:endParaRPr lang="en-US" dirty="0"/>
-          </a:p>
-          <a:p>
-            <a:r>
-              <a:rPr lang="en-US" dirty="0" err="1" smtClean="0"/>
-              <a:t>Recomendaciones</a:t>
-            </a:r>
-            <a:endParaRPr lang="es-ES" dirty="0"/>
-          </a:p>
-        </p:txBody>
-      </p:sp>
-      <p:sp>
-        <p:nvSpPr>
-          <p:cNvPr id="4" name="Title 1"/>
-          <p:cNvSpPr txBox="1">
-            <a:spLocks/>
-          </p:cNvSpPr>
-          <p:nvPr/>
-        </p:nvSpPr>
-        <p:spPr>
-          <a:xfrm>
-            <a:off x="2192686" y="368231"/>
-            <a:ext cx="8731897" cy="1325563"/>
+            <a:off x="5783192" y="2351314"/>
+            <a:ext cx="5570608" cy="3825649"/>
           </a:xfrm>
           <a:prstGeom prst="rect">
             <a:avLst/>
           </a:prstGeom>
+          <a:noFill/>
+          <a:ln>
+            <a:solidFill>
+              <a:schemeClr val="accent1"/>
+            </a:solidFill>
+          </a:ln>
         </p:spPr>
-        <p:txBody>
-          <a:bodyPr vert="horz" lIns="91440" tIns="45720" rIns="91440" bIns="45720" rtlCol="0" anchor="ctr">
-            <a:normAutofit/>
-          </a:bodyPr>
-          <a:lstStyle>
-            <a:lvl1pPr algn="l" defTabSz="914400" rtl="0" eaLnBrk="1" latinLnBrk="0" hangingPunct="1">
-              <a:lnSpc>
-                <a:spcPct val="90000"/>
-              </a:lnSpc>
-              <a:spcBef>
-                <a:spcPct val="0"/>
-              </a:spcBef>
-              <a:buNone/>
-              <a:defRPr sz="4400" kern="1200">
-                <a:solidFill>
-                  <a:schemeClr val="tx1"/>
-                </a:solidFill>
-                <a:latin typeface="+mj-lt"/>
-                <a:ea typeface="+mj-ea"/>
-                <a:cs typeface="+mj-cs"/>
-              </a:defRPr>
-            </a:lvl1pPr>
-          </a:lstStyle>
-          <a:p>
+      </p:pic>
+      <p:sp>
+        <p:nvSpPr>
+          <p:cNvPr id="3" name="Content Placeholder 2"/>
+          <p:cNvSpPr>
+            <a:spLocks noGrp="1"/>
+          </p:cNvSpPr>
+          <p:nvPr>
+            <p:ph idx="1"/>
+          </p:nvPr>
+        </p:nvSpPr>
+        <p:spPr>
+          <a:xfrm>
+            <a:off x="838200" y="1825625"/>
+            <a:ext cx="5210908" cy="4351338"/>
+          </a:xfrm>
+        </p:spPr>
+        <p:txBody>
+          <a:bodyPr/>
+          <a:lstStyle/>
+          <a:p>
+            <a:r>
+              <a:rPr lang="en-US" dirty="0" err="1" smtClean="0"/>
+              <a:t>Orientado</a:t>
+            </a:r>
             <a:r>
               <a:rPr lang="en-US" dirty="0" smtClean="0"/>
-              <a:t>s del Data Flow</a:t>
-            </a:r>
+              <a:t> a </a:t>
+            </a:r>
+            <a:r>
+              <a:rPr lang="en-US" dirty="0" err="1" smtClean="0"/>
+              <a:t>Paralelismo</a:t>
+            </a:r>
+            <a:endParaRPr lang="en-US" dirty="0" smtClean="0"/>
+          </a:p>
+          <a:p>
+            <a:r>
+              <a:rPr lang="en-US" dirty="0" err="1" smtClean="0"/>
+              <a:t>Organizar</a:t>
+            </a:r>
+            <a:r>
+              <a:rPr lang="en-US" dirty="0" smtClean="0"/>
+              <a:t> la </a:t>
+            </a:r>
+            <a:r>
+              <a:rPr lang="en-US" dirty="0" err="1" smtClean="0"/>
+              <a:t>secuencia</a:t>
+            </a:r>
+            <a:r>
+              <a:rPr lang="en-US" dirty="0" smtClean="0"/>
+              <a:t> de </a:t>
+            </a:r>
+            <a:r>
+              <a:rPr lang="en-US" dirty="0" err="1" smtClean="0"/>
+              <a:t>tareas</a:t>
+            </a:r>
+            <a:endParaRPr lang="en-US" dirty="0" smtClean="0"/>
+          </a:p>
+          <a:p>
+            <a:r>
+              <a:rPr lang="en-US" dirty="0" smtClean="0"/>
+              <a:t>Su </a:t>
+            </a:r>
+            <a:r>
+              <a:rPr lang="en-US" dirty="0" err="1" smtClean="0"/>
+              <a:t>rendimiento</a:t>
+            </a:r>
+            <a:r>
+              <a:rPr lang="en-US" dirty="0" smtClean="0"/>
+              <a:t> se </a:t>
+            </a:r>
+            <a:r>
+              <a:rPr lang="en-US" dirty="0" err="1" smtClean="0"/>
+              <a:t>ve</a:t>
+            </a:r>
+            <a:r>
+              <a:rPr lang="en-US" dirty="0" smtClean="0"/>
+              <a:t> </a:t>
+            </a:r>
+            <a:r>
+              <a:rPr lang="en-US" dirty="0" err="1" smtClean="0"/>
+              <a:t>afectado</a:t>
+            </a:r>
+            <a:r>
+              <a:rPr lang="en-US" dirty="0" smtClean="0"/>
+              <a:t> </a:t>
+            </a:r>
+            <a:r>
+              <a:rPr lang="en-US" dirty="0" err="1" smtClean="0"/>
+              <a:t>por</a:t>
+            </a:r>
+            <a:r>
+              <a:rPr lang="en-US" dirty="0" smtClean="0"/>
+              <a:t> </a:t>
+            </a:r>
+            <a:r>
+              <a:rPr lang="en-US" dirty="0" err="1" smtClean="0"/>
+              <a:t>factores</a:t>
+            </a:r>
+            <a:r>
+              <a:rPr lang="en-US" dirty="0" smtClean="0"/>
+              <a:t> </a:t>
+            </a:r>
+            <a:r>
+              <a:rPr lang="en-US" dirty="0" err="1" smtClean="0"/>
+              <a:t>externos</a:t>
+            </a:r>
+            <a:endParaRPr lang="en-US" dirty="0" smtClean="0"/>
+          </a:p>
+          <a:p>
+            <a:r>
+              <a:rPr lang="en-US" dirty="0" err="1" smtClean="0"/>
+              <a:t>Controla</a:t>
+            </a:r>
+            <a:r>
+              <a:rPr lang="en-US" dirty="0" smtClean="0"/>
+              <a:t> los </a:t>
+            </a:r>
+            <a:r>
+              <a:rPr lang="en-US" dirty="0" err="1" smtClean="0"/>
+              <a:t>hilos</a:t>
+            </a:r>
+            <a:r>
+              <a:rPr lang="en-US" dirty="0" smtClean="0"/>
+              <a:t> de </a:t>
+            </a:r>
+            <a:r>
+              <a:rPr lang="en-US" dirty="0" err="1" smtClean="0"/>
+              <a:t>ejecución</a:t>
+            </a:r>
+            <a:endParaRPr lang="en-US" dirty="0" smtClean="0"/>
+          </a:p>
+          <a:p>
+            <a:r>
+              <a:rPr lang="en-US" dirty="0" err="1" smtClean="0"/>
+              <a:t>Envia</a:t>
+            </a:r>
+            <a:r>
+              <a:rPr lang="en-US" dirty="0" smtClean="0"/>
+              <a:t> </a:t>
+            </a:r>
+            <a:r>
+              <a:rPr lang="en-US" dirty="0" err="1" smtClean="0"/>
+              <a:t>llamadas</a:t>
+            </a:r>
+            <a:r>
+              <a:rPr lang="en-US" dirty="0" smtClean="0"/>
+              <a:t> a SQL </a:t>
+            </a:r>
+            <a:r>
+              <a:rPr lang="en-US" dirty="0" smtClean="0">
+                <a:sym typeface="Wingdings" panose="05000000000000000000" pitchFamily="2" charset="2"/>
+              </a:rPr>
+              <a:t></a:t>
+            </a:r>
+            <a:endParaRPr lang="en-US" dirty="0" smtClean="0"/>
+          </a:p>
+          <a:p>
             <a:endParaRPr lang="es-ES" dirty="0"/>
           </a:p>
         </p:txBody>
@@ -3678,7 +7904,7 @@
     </p:spTree>
     <p:extLst>
       <p:ext uri="{BB962C8B-B14F-4D97-AF65-F5344CB8AC3E}">
-        <p14:creationId xmlns:p14="http://schemas.microsoft.com/office/powerpoint/2010/main" val="3356273479"/>
+        <p14:creationId xmlns:p14="http://schemas.microsoft.com/office/powerpoint/2010/main" val="3648258022"/>
       </p:ext>
     </p:extLst>
   </p:cSld>
@@ -3688,80 +7914,9 @@
   <p:timing>
     <p:tnLst>
       <p:par>
-        <p:cTn id="1" dur="indefinite" restart="never" nodeType="tmRoot">
-          <p:childTnLst>
-            <p:seq concurrent="1" nextAc="seek">
-              <p:cTn id="2" dur="indefinite" nodeType="mainSeq">
-                <p:childTnLst>
-                  <p:par>
-                    <p:cTn id="3" fill="hold">
-                      <p:stCondLst>
-                        <p:cond delay="indefinite"/>
-                      </p:stCondLst>
-                      <p:childTnLst>
-                        <p:par>
-                          <p:cTn id="4" fill="hold">
-                            <p:stCondLst>
-                              <p:cond delay="0"/>
-                            </p:stCondLst>
-                            <p:childTnLst>
-                              <p:par>
-                                <p:cTn id="5" presetID="1" presetClass="entr" presetSubtype="0" fill="hold" grpId="0" nodeType="clickEffect">
-                                  <p:stCondLst>
-                                    <p:cond delay="0"/>
-                                  </p:stCondLst>
-                                  <p:childTnLst>
-                                    <p:set>
-                                      <p:cBhvr>
-                                        <p:cTn id="6" dur="1" fill="hold">
-                                          <p:stCondLst>
-                                            <p:cond delay="0"/>
-                                          </p:stCondLst>
-                                        </p:cTn>
-                                        <p:tgtEl>
-                                          <p:spTgt spid="4"/>
-                                        </p:tgtEl>
-                                        <p:attrNameLst>
-                                          <p:attrName>style.visibility</p:attrName>
-                                        </p:attrNameLst>
-                                      </p:cBhvr>
-                                      <p:to>
-                                        <p:strVal val="visible"/>
-                                      </p:to>
-                                    </p:set>
-                                  </p:childTnLst>
-                                </p:cTn>
-                              </p:par>
-                            </p:childTnLst>
-                          </p:cTn>
-                        </p:par>
-                      </p:childTnLst>
-                    </p:cTn>
-                  </p:par>
-                </p:childTnLst>
-              </p:cTn>
-              <p:prevCondLst>
-                <p:cond evt="onPrev" delay="0">
-                  <p:tgtEl>
-                    <p:sldTgt/>
-                  </p:tgtEl>
-                </p:cond>
-              </p:prevCondLst>
-              <p:nextCondLst>
-                <p:cond evt="onNext" delay="0">
-                  <p:tgtEl>
-                    <p:sldTgt/>
-                  </p:tgtEl>
-                </p:cond>
-              </p:nextCondLst>
-            </p:seq>
-          </p:childTnLst>
-        </p:cTn>
+        <p:cTn id="1" dur="indefinite" restart="never" nodeType="tmRoot"/>
       </p:par>
     </p:tnLst>
-    <p:bldLst>
-      <p:bldP spid="4" grpId="0"/>
-    </p:bldLst>
   </p:timing>
 </p:sld>
 </file>
@@ -3783,6 +7938,787 @@
           <a:chExt cx="0" cy="0"/>
         </a:xfrm>
       </p:grpSpPr>
+      <p:graphicFrame>
+        <p:nvGraphicFramePr>
+          <p:cNvPr id="4" name="Diagram 3"/>
+          <p:cNvGraphicFramePr/>
+          <p:nvPr>
+            <p:extLst>
+              <p:ext uri="{D42A27DB-BD31-4B8C-83A1-F6EECF244321}">
+                <p14:modId xmlns:p14="http://schemas.microsoft.com/office/powerpoint/2010/main" val="2548426923"/>
+              </p:ext>
+            </p:extLst>
+          </p:nvPr>
+        </p:nvGraphicFramePr>
+        <p:xfrm>
+          <a:off x="5486400" y="0"/>
+          <a:ext cx="6625214" cy="6858000"/>
+        </p:xfrm>
+        <a:graphic>
+          <a:graphicData uri="http://schemas.openxmlformats.org/drawingml/2006/diagram">
+            <dgm:relIds xmlns:dgm="http://schemas.openxmlformats.org/drawingml/2006/diagram" xmlns:r="http://schemas.openxmlformats.org/officeDocument/2006/relationships" r:dm="rId3" r:lo="rId4" r:qs="rId5" r:cs="rId6"/>
+          </a:graphicData>
+        </a:graphic>
+      </p:graphicFrame>
+      <p:sp>
+        <p:nvSpPr>
+          <p:cNvPr id="2" name="Title 1"/>
+          <p:cNvSpPr>
+            <a:spLocks noGrp="1"/>
+          </p:cNvSpPr>
+          <p:nvPr>
+            <p:ph type="title"/>
+          </p:nvPr>
+        </p:nvSpPr>
+        <p:spPr/>
+        <p:txBody>
+          <a:bodyPr/>
+          <a:lstStyle/>
+          <a:p>
+            <a:r>
+              <a:rPr lang="en-US" dirty="0"/>
+              <a:t>Data </a:t>
+            </a:r>
+            <a:r>
+              <a:rPr lang="en-US" dirty="0" smtClean="0"/>
+              <a:t>Flow Engine</a:t>
+            </a:r>
+            <a:endParaRPr lang="en-US" dirty="0"/>
+          </a:p>
+        </p:txBody>
+      </p:sp>
+      <p:sp>
+        <p:nvSpPr>
+          <p:cNvPr id="3" name="Content Placeholder 2"/>
+          <p:cNvSpPr>
+            <a:spLocks noGrp="1"/>
+          </p:cNvSpPr>
+          <p:nvPr>
+            <p:ph idx="1"/>
+          </p:nvPr>
+        </p:nvSpPr>
+        <p:spPr>
+          <a:xfrm>
+            <a:off x="838200" y="1825625"/>
+            <a:ext cx="9729675" cy="4351338"/>
+          </a:xfrm>
+        </p:spPr>
+        <p:txBody>
+          <a:bodyPr/>
+          <a:lstStyle/>
+          <a:p>
+            <a:r>
+              <a:rPr lang="en-US" dirty="0" smtClean="0"/>
+              <a:t>Se </a:t>
+            </a:r>
+            <a:r>
+              <a:rPr lang="en-US" dirty="0" err="1" smtClean="0"/>
+              <a:t>especializa</a:t>
+            </a:r>
+            <a:r>
+              <a:rPr lang="en-US" dirty="0" smtClean="0"/>
+              <a:t> </a:t>
+            </a:r>
+            <a:r>
+              <a:rPr lang="en-US" dirty="0" err="1" smtClean="0"/>
+              <a:t>en</a:t>
+            </a:r>
+            <a:r>
+              <a:rPr lang="en-US" dirty="0" smtClean="0"/>
+              <a:t> </a:t>
+            </a:r>
+            <a:r>
+              <a:rPr lang="en-US" dirty="0" err="1" smtClean="0"/>
+              <a:t>manejo</a:t>
+            </a:r>
+            <a:r>
+              <a:rPr lang="en-US" dirty="0" smtClean="0"/>
+              <a:t> de </a:t>
+            </a:r>
+            <a:r>
+              <a:rPr lang="en-US" dirty="0" err="1" smtClean="0"/>
+              <a:t>datos</a:t>
+            </a:r>
+            <a:endParaRPr lang="en-US" dirty="0" smtClean="0"/>
+          </a:p>
+          <a:p>
+            <a:r>
+              <a:rPr lang="en-US" dirty="0" err="1" smtClean="0"/>
+              <a:t>Extrae</a:t>
+            </a:r>
+            <a:r>
+              <a:rPr lang="en-US" dirty="0" smtClean="0"/>
+              <a:t> de multiples </a:t>
+            </a:r>
+            <a:r>
+              <a:rPr lang="en-US" dirty="0" err="1" smtClean="0"/>
+              <a:t>origenes</a:t>
+            </a:r>
+            <a:endParaRPr lang="en-US" dirty="0" smtClean="0"/>
+          </a:p>
+          <a:p>
+            <a:r>
+              <a:rPr lang="en-US" dirty="0" err="1" smtClean="0"/>
+              <a:t>Transforma</a:t>
+            </a:r>
+            <a:r>
+              <a:rPr lang="en-US" dirty="0" smtClean="0"/>
+              <a:t> </a:t>
+            </a:r>
+            <a:r>
+              <a:rPr lang="en-US" dirty="0" err="1" smtClean="0"/>
+              <a:t>en</a:t>
+            </a:r>
+            <a:r>
+              <a:rPr lang="en-US" dirty="0" smtClean="0"/>
+              <a:t> </a:t>
+            </a:r>
+            <a:r>
+              <a:rPr lang="en-US" dirty="0" err="1" smtClean="0"/>
+              <a:t>memoria</a:t>
+            </a:r>
+            <a:r>
+              <a:rPr lang="en-US" dirty="0" smtClean="0"/>
+              <a:t> los </a:t>
+            </a:r>
+            <a:r>
+              <a:rPr lang="en-US" dirty="0" err="1" smtClean="0"/>
+              <a:t>datos</a:t>
+            </a:r>
+            <a:endParaRPr lang="en-US" dirty="0" smtClean="0"/>
+          </a:p>
+          <a:p>
+            <a:r>
+              <a:rPr lang="en-US" dirty="0" err="1" smtClean="0"/>
+              <a:t>Arquitectura</a:t>
+            </a:r>
+            <a:r>
+              <a:rPr lang="en-US" dirty="0" smtClean="0"/>
+              <a:t> </a:t>
+            </a:r>
+            <a:r>
+              <a:rPr lang="en-US" dirty="0" err="1" smtClean="0"/>
+              <a:t>orientada</a:t>
+            </a:r>
+            <a:r>
+              <a:rPr lang="en-US" dirty="0" smtClean="0"/>
+              <a:t> a buffer</a:t>
+            </a:r>
+            <a:endParaRPr lang="es-ES" dirty="0"/>
+          </a:p>
+        </p:txBody>
+      </p:sp>
+      <p:sp>
+        <p:nvSpPr>
+          <p:cNvPr id="5" name="TextBox 4"/>
+          <p:cNvSpPr txBox="1"/>
+          <p:nvPr/>
+        </p:nvSpPr>
+        <p:spPr>
+          <a:xfrm rot="17193824">
+            <a:off x="9208478" y="2974312"/>
+            <a:ext cx="1840184" cy="369332"/>
+          </a:xfrm>
+          <a:prstGeom prst="rect">
+            <a:avLst/>
+          </a:prstGeom>
+          <a:noFill/>
+        </p:spPr>
+        <p:txBody>
+          <a:bodyPr wrap="none" rtlCol="0">
+            <a:spAutoFit/>
+          </a:bodyPr>
+          <a:lstStyle/>
+          <a:p>
+            <a:r>
+              <a:rPr lang="en-US" dirty="0" err="1" smtClean="0"/>
+              <a:t>Transformaciones</a:t>
+            </a:r>
+            <a:endParaRPr lang="es-ES" dirty="0"/>
+          </a:p>
+        </p:txBody>
+      </p:sp>
+    </p:spTree>
+    <p:extLst>
+      <p:ext uri="{BB962C8B-B14F-4D97-AF65-F5344CB8AC3E}">
+        <p14:creationId xmlns:p14="http://schemas.microsoft.com/office/powerpoint/2010/main" val="1350388201"/>
+      </p:ext>
+    </p:extLst>
+  </p:cSld>
+  <p:clrMapOvr>
+    <a:masterClrMapping/>
+  </p:clrMapOvr>
+  <p:timing>
+    <p:tnLst>
+      <p:par>
+        <p:cTn id="1" dur="indefinite" restart="never" nodeType="tmRoot"/>
+      </p:par>
+    </p:tnLst>
+  </p:timing>
+</p:sld>
+</file>
+
+<file path=ppt/slides/slide7.xml><?xml version="1.0" encoding="utf-8"?>
+<p:sld xmlns:a="http://schemas.openxmlformats.org/drawingml/2006/main" xmlns:r="http://schemas.openxmlformats.org/officeDocument/2006/relationships" xmlns:p="http://schemas.openxmlformats.org/presentationml/2006/main">
+  <p:cSld>
+    <p:spTree>
+      <p:nvGrpSpPr>
+        <p:cNvPr id="1" name=""/>
+        <p:cNvGrpSpPr/>
+        <p:nvPr/>
+      </p:nvGrpSpPr>
+      <p:grpSpPr>
+        <a:xfrm>
+          <a:off x="0" y="0"/>
+          <a:ext cx="0" cy="0"/>
+          <a:chOff x="0" y="0"/>
+          <a:chExt cx="0" cy="0"/>
+        </a:xfrm>
+      </p:grpSpPr>
+      <p:sp>
+        <p:nvSpPr>
+          <p:cNvPr id="2" name="Title 1"/>
+          <p:cNvSpPr>
+            <a:spLocks noGrp="1"/>
+          </p:cNvSpPr>
+          <p:nvPr>
+            <p:ph type="title"/>
+          </p:nvPr>
+        </p:nvSpPr>
+        <p:spPr>
+          <a:xfrm>
+            <a:off x="838200" y="365125"/>
+            <a:ext cx="10515600" cy="1325563"/>
+          </a:xfrm>
+        </p:spPr>
+        <p:txBody>
+          <a:bodyPr>
+            <a:normAutofit/>
+          </a:bodyPr>
+          <a:lstStyle/>
+          <a:p>
+            <a:r>
+              <a:rPr lang="en-US" dirty="0" err="1" smtClean="0"/>
+              <a:t>Uso</a:t>
+            </a:r>
+            <a:r>
+              <a:rPr lang="en-US" dirty="0" smtClean="0"/>
+              <a:t> del Buffer</a:t>
+            </a:r>
+            <a:endParaRPr lang="es-ES" dirty="0"/>
+          </a:p>
+        </p:txBody>
+      </p:sp>
+      <p:sp>
+        <p:nvSpPr>
+          <p:cNvPr id="3" name="Content Placeholder 2"/>
+          <p:cNvSpPr>
+            <a:spLocks noGrp="1"/>
+          </p:cNvSpPr>
+          <p:nvPr>
+            <p:ph idx="1"/>
+          </p:nvPr>
+        </p:nvSpPr>
+        <p:spPr>
+          <a:xfrm>
+            <a:off x="838201" y="1818142"/>
+            <a:ext cx="3492639" cy="4351338"/>
+          </a:xfrm>
+          <a:ln>
+            <a:solidFill>
+              <a:schemeClr val="tx1"/>
+            </a:solidFill>
+          </a:ln>
+        </p:spPr>
+        <p:txBody>
+          <a:bodyPr/>
+          <a:lstStyle/>
+          <a:p>
+            <a:r>
+              <a:rPr lang="es-ES" dirty="0" err="1"/>
+              <a:t>Row</a:t>
+            </a:r>
+            <a:r>
+              <a:rPr lang="es-ES" dirty="0"/>
+              <a:t> </a:t>
+            </a:r>
+            <a:r>
+              <a:rPr lang="es-ES" dirty="0" err="1"/>
+              <a:t>Transformations</a:t>
+            </a:r>
+            <a:r>
+              <a:rPr lang="es-ES" dirty="0"/>
+              <a:t> </a:t>
+            </a:r>
+            <a:r>
+              <a:rPr lang="es-ES" dirty="0" smtClean="0"/>
+              <a:t> </a:t>
+            </a:r>
+            <a:r>
+              <a:rPr lang="es-ES" sz="2000" i="1" dirty="0" err="1" smtClean="0"/>
+              <a:t>synchronous</a:t>
+            </a:r>
+            <a:r>
+              <a:rPr lang="es-ES" sz="2000" i="1" dirty="0" smtClean="0"/>
+              <a:t> </a:t>
+            </a:r>
+            <a:r>
+              <a:rPr lang="es-ES" sz="2000" i="1" dirty="0" err="1" smtClean="0"/>
+              <a:t>transformations</a:t>
+            </a:r>
+            <a:endParaRPr lang="en-US" sz="2000" dirty="0"/>
+          </a:p>
+        </p:txBody>
+      </p:sp>
+      <p:sp>
+        <p:nvSpPr>
+          <p:cNvPr id="5" name="Content Placeholder 2"/>
+          <p:cNvSpPr txBox="1">
+            <a:spLocks/>
+          </p:cNvSpPr>
+          <p:nvPr/>
+        </p:nvSpPr>
+        <p:spPr>
+          <a:xfrm>
+            <a:off x="4330840" y="1818142"/>
+            <a:ext cx="3567164" cy="4351338"/>
+          </a:xfrm>
+          <a:prstGeom prst="rect">
+            <a:avLst/>
+          </a:prstGeom>
+          <a:ln>
+            <a:solidFill>
+              <a:schemeClr val="tx1"/>
+            </a:solidFill>
+          </a:ln>
+        </p:spPr>
+        <p:txBody>
+          <a:bodyPr vert="horz" lIns="91440" tIns="45720" rIns="91440" bIns="45720" rtlCol="0">
+            <a:normAutofit/>
+          </a:bodyPr>
+          <a:lstStyle>
+            <a:lvl1pPr marL="228600" indent="-228600" algn="l" defTabSz="914400" rtl="0" eaLnBrk="1" latinLnBrk="0" hangingPunct="1">
+              <a:lnSpc>
+                <a:spcPct val="90000"/>
+              </a:lnSpc>
+              <a:spcBef>
+                <a:spcPts val="1000"/>
+              </a:spcBef>
+              <a:buFont typeface="Arial" panose="020B0604020202020204" pitchFamily="34" charset="0"/>
+              <a:buChar char="•"/>
+              <a:defRPr sz="2800" kern="1200">
+                <a:solidFill>
+                  <a:schemeClr val="tx1"/>
+                </a:solidFill>
+                <a:latin typeface="+mn-lt"/>
+                <a:ea typeface="+mn-ea"/>
+                <a:cs typeface="+mn-cs"/>
+              </a:defRPr>
+            </a:lvl1pPr>
+            <a:lvl2pPr marL="685800" indent="-228600" algn="l" defTabSz="914400" rtl="0" eaLnBrk="1" latinLnBrk="0" hangingPunct="1">
+              <a:lnSpc>
+                <a:spcPct val="90000"/>
+              </a:lnSpc>
+              <a:spcBef>
+                <a:spcPts val="500"/>
+              </a:spcBef>
+              <a:buFont typeface="Arial" panose="020B0604020202020204" pitchFamily="34" charset="0"/>
+              <a:buChar char="•"/>
+              <a:defRPr sz="2400" kern="1200">
+                <a:solidFill>
+                  <a:schemeClr val="tx1"/>
+                </a:solidFill>
+                <a:latin typeface="+mn-lt"/>
+                <a:ea typeface="+mn-ea"/>
+                <a:cs typeface="+mn-cs"/>
+              </a:defRPr>
+            </a:lvl2pPr>
+            <a:lvl3pPr marL="1143000" indent="-228600" algn="l" defTabSz="914400" rtl="0" eaLnBrk="1" latinLnBrk="0" hangingPunct="1">
+              <a:lnSpc>
+                <a:spcPct val="90000"/>
+              </a:lnSpc>
+              <a:spcBef>
+                <a:spcPts val="500"/>
+              </a:spcBef>
+              <a:buFont typeface="Arial" panose="020B0604020202020204" pitchFamily="34" charset="0"/>
+              <a:buChar char="•"/>
+              <a:defRPr sz="2000" kern="1200">
+                <a:solidFill>
+                  <a:schemeClr val="tx1"/>
+                </a:solidFill>
+                <a:latin typeface="+mn-lt"/>
+                <a:ea typeface="+mn-ea"/>
+                <a:cs typeface="+mn-cs"/>
+              </a:defRPr>
+            </a:lvl3pPr>
+            <a:lvl4pPr marL="1600200" indent="-228600" algn="l" defTabSz="914400" rtl="0" eaLnBrk="1" latinLnBrk="0" hangingPunct="1">
+              <a:lnSpc>
+                <a:spcPct val="90000"/>
+              </a:lnSpc>
+              <a:spcBef>
+                <a:spcPts val="500"/>
+              </a:spcBef>
+              <a:buFont typeface="Arial" panose="020B0604020202020204" pitchFamily="34" charset="0"/>
+              <a:buChar char="•"/>
+              <a:defRPr sz="1800" kern="1200">
+                <a:solidFill>
+                  <a:schemeClr val="tx1"/>
+                </a:solidFill>
+                <a:latin typeface="+mn-lt"/>
+                <a:ea typeface="+mn-ea"/>
+                <a:cs typeface="+mn-cs"/>
+              </a:defRPr>
+            </a:lvl4pPr>
+            <a:lvl5pPr marL="2057400" indent="-228600" algn="l" defTabSz="914400" rtl="0" eaLnBrk="1" latinLnBrk="0" hangingPunct="1">
+              <a:lnSpc>
+                <a:spcPct val="90000"/>
+              </a:lnSpc>
+              <a:spcBef>
+                <a:spcPts val="500"/>
+              </a:spcBef>
+              <a:buFont typeface="Arial" panose="020B0604020202020204" pitchFamily="34" charset="0"/>
+              <a:buChar char="•"/>
+              <a:defRPr sz="1800" kern="1200">
+                <a:solidFill>
+                  <a:schemeClr val="tx1"/>
+                </a:solidFill>
+                <a:latin typeface="+mn-lt"/>
+                <a:ea typeface="+mn-ea"/>
+                <a:cs typeface="+mn-cs"/>
+              </a:defRPr>
+            </a:lvl5pPr>
+            <a:lvl6pPr marL="2514600" indent="-228600" algn="l" defTabSz="914400" rtl="0" eaLnBrk="1" latinLnBrk="0" hangingPunct="1">
+              <a:lnSpc>
+                <a:spcPct val="90000"/>
+              </a:lnSpc>
+              <a:spcBef>
+                <a:spcPts val="500"/>
+              </a:spcBef>
+              <a:buFont typeface="Arial" panose="020B0604020202020204" pitchFamily="34" charset="0"/>
+              <a:buChar char="•"/>
+              <a:defRPr sz="1800" kern="1200">
+                <a:solidFill>
+                  <a:schemeClr val="tx1"/>
+                </a:solidFill>
+                <a:latin typeface="+mn-lt"/>
+                <a:ea typeface="+mn-ea"/>
+                <a:cs typeface="+mn-cs"/>
+              </a:defRPr>
+            </a:lvl6pPr>
+            <a:lvl7pPr marL="2971800" indent="-228600" algn="l" defTabSz="914400" rtl="0" eaLnBrk="1" latinLnBrk="0" hangingPunct="1">
+              <a:lnSpc>
+                <a:spcPct val="90000"/>
+              </a:lnSpc>
+              <a:spcBef>
+                <a:spcPts val="500"/>
+              </a:spcBef>
+              <a:buFont typeface="Arial" panose="020B0604020202020204" pitchFamily="34" charset="0"/>
+              <a:buChar char="•"/>
+              <a:defRPr sz="1800" kern="1200">
+                <a:solidFill>
+                  <a:schemeClr val="tx1"/>
+                </a:solidFill>
+                <a:latin typeface="+mn-lt"/>
+                <a:ea typeface="+mn-ea"/>
+                <a:cs typeface="+mn-cs"/>
+              </a:defRPr>
+            </a:lvl7pPr>
+            <a:lvl8pPr marL="3429000" indent="-228600" algn="l" defTabSz="914400" rtl="0" eaLnBrk="1" latinLnBrk="0" hangingPunct="1">
+              <a:lnSpc>
+                <a:spcPct val="90000"/>
+              </a:lnSpc>
+              <a:spcBef>
+                <a:spcPts val="500"/>
+              </a:spcBef>
+              <a:buFont typeface="Arial" panose="020B0604020202020204" pitchFamily="34" charset="0"/>
+              <a:buChar char="•"/>
+              <a:defRPr sz="1800" kern="1200">
+                <a:solidFill>
+                  <a:schemeClr val="tx1"/>
+                </a:solidFill>
+                <a:latin typeface="+mn-lt"/>
+                <a:ea typeface="+mn-ea"/>
+                <a:cs typeface="+mn-cs"/>
+              </a:defRPr>
+            </a:lvl8pPr>
+            <a:lvl9pPr marL="3886200" indent="-228600" algn="l" defTabSz="914400" rtl="0" eaLnBrk="1" latinLnBrk="0" hangingPunct="1">
+              <a:lnSpc>
+                <a:spcPct val="90000"/>
+              </a:lnSpc>
+              <a:spcBef>
+                <a:spcPts val="500"/>
+              </a:spcBef>
+              <a:buFont typeface="Arial" panose="020B0604020202020204" pitchFamily="34" charset="0"/>
+              <a:buChar char="•"/>
+              <a:defRPr sz="1800" kern="1200">
+                <a:solidFill>
+                  <a:schemeClr val="tx1"/>
+                </a:solidFill>
+                <a:latin typeface="+mn-lt"/>
+                <a:ea typeface="+mn-ea"/>
+                <a:cs typeface="+mn-cs"/>
+              </a:defRPr>
+            </a:lvl9pPr>
+          </a:lstStyle>
+          <a:p>
+            <a:r>
+              <a:rPr lang="en-US" dirty="0" smtClean="0"/>
+              <a:t>Partial blocking  </a:t>
+            </a:r>
+            <a:r>
+              <a:rPr lang="es-ES" sz="2000" i="1" dirty="0" err="1" smtClean="0"/>
+              <a:t>asynchronous</a:t>
+            </a:r>
+            <a:r>
+              <a:rPr lang="es-ES" sz="2000" i="1" dirty="0" smtClean="0"/>
+              <a:t> </a:t>
+            </a:r>
+            <a:r>
+              <a:rPr lang="es-ES" sz="2000" i="1" dirty="0" err="1" smtClean="0"/>
+              <a:t>transformations</a:t>
+            </a:r>
+            <a:endParaRPr lang="en-US" sz="2000" dirty="0" smtClean="0"/>
+          </a:p>
+        </p:txBody>
+      </p:sp>
+      <p:sp>
+        <p:nvSpPr>
+          <p:cNvPr id="6" name="Content Placeholder 2"/>
+          <p:cNvSpPr txBox="1">
+            <a:spLocks/>
+          </p:cNvSpPr>
+          <p:nvPr/>
+        </p:nvSpPr>
+        <p:spPr>
+          <a:xfrm>
+            <a:off x="7898004" y="1818142"/>
+            <a:ext cx="3677698" cy="4351338"/>
+          </a:xfrm>
+          <a:prstGeom prst="rect">
+            <a:avLst/>
+          </a:prstGeom>
+          <a:ln>
+            <a:solidFill>
+              <a:schemeClr val="tx1"/>
+            </a:solidFill>
+          </a:ln>
+        </p:spPr>
+        <p:txBody>
+          <a:bodyPr vert="horz" lIns="91440" tIns="45720" rIns="91440" bIns="45720" rtlCol="0">
+            <a:normAutofit/>
+          </a:bodyPr>
+          <a:lstStyle>
+            <a:lvl1pPr marL="228600" indent="-228600" algn="l" defTabSz="914400" rtl="0" eaLnBrk="1" latinLnBrk="0" hangingPunct="1">
+              <a:lnSpc>
+                <a:spcPct val="90000"/>
+              </a:lnSpc>
+              <a:spcBef>
+                <a:spcPts val="1000"/>
+              </a:spcBef>
+              <a:buFont typeface="Arial" panose="020B0604020202020204" pitchFamily="34" charset="0"/>
+              <a:buChar char="•"/>
+              <a:defRPr sz="2800" kern="1200">
+                <a:solidFill>
+                  <a:schemeClr val="tx1"/>
+                </a:solidFill>
+                <a:latin typeface="+mn-lt"/>
+                <a:ea typeface="+mn-ea"/>
+                <a:cs typeface="+mn-cs"/>
+              </a:defRPr>
+            </a:lvl1pPr>
+            <a:lvl2pPr marL="685800" indent="-228600" algn="l" defTabSz="914400" rtl="0" eaLnBrk="1" latinLnBrk="0" hangingPunct="1">
+              <a:lnSpc>
+                <a:spcPct val="90000"/>
+              </a:lnSpc>
+              <a:spcBef>
+                <a:spcPts val="500"/>
+              </a:spcBef>
+              <a:buFont typeface="Arial" panose="020B0604020202020204" pitchFamily="34" charset="0"/>
+              <a:buChar char="•"/>
+              <a:defRPr sz="2400" kern="1200">
+                <a:solidFill>
+                  <a:schemeClr val="tx1"/>
+                </a:solidFill>
+                <a:latin typeface="+mn-lt"/>
+                <a:ea typeface="+mn-ea"/>
+                <a:cs typeface="+mn-cs"/>
+              </a:defRPr>
+            </a:lvl2pPr>
+            <a:lvl3pPr marL="1143000" indent="-228600" algn="l" defTabSz="914400" rtl="0" eaLnBrk="1" latinLnBrk="0" hangingPunct="1">
+              <a:lnSpc>
+                <a:spcPct val="90000"/>
+              </a:lnSpc>
+              <a:spcBef>
+                <a:spcPts val="500"/>
+              </a:spcBef>
+              <a:buFont typeface="Arial" panose="020B0604020202020204" pitchFamily="34" charset="0"/>
+              <a:buChar char="•"/>
+              <a:defRPr sz="2000" kern="1200">
+                <a:solidFill>
+                  <a:schemeClr val="tx1"/>
+                </a:solidFill>
+                <a:latin typeface="+mn-lt"/>
+                <a:ea typeface="+mn-ea"/>
+                <a:cs typeface="+mn-cs"/>
+              </a:defRPr>
+            </a:lvl3pPr>
+            <a:lvl4pPr marL="1600200" indent="-228600" algn="l" defTabSz="914400" rtl="0" eaLnBrk="1" latinLnBrk="0" hangingPunct="1">
+              <a:lnSpc>
+                <a:spcPct val="90000"/>
+              </a:lnSpc>
+              <a:spcBef>
+                <a:spcPts val="500"/>
+              </a:spcBef>
+              <a:buFont typeface="Arial" panose="020B0604020202020204" pitchFamily="34" charset="0"/>
+              <a:buChar char="•"/>
+              <a:defRPr sz="1800" kern="1200">
+                <a:solidFill>
+                  <a:schemeClr val="tx1"/>
+                </a:solidFill>
+                <a:latin typeface="+mn-lt"/>
+                <a:ea typeface="+mn-ea"/>
+                <a:cs typeface="+mn-cs"/>
+              </a:defRPr>
+            </a:lvl4pPr>
+            <a:lvl5pPr marL="2057400" indent="-228600" algn="l" defTabSz="914400" rtl="0" eaLnBrk="1" latinLnBrk="0" hangingPunct="1">
+              <a:lnSpc>
+                <a:spcPct val="90000"/>
+              </a:lnSpc>
+              <a:spcBef>
+                <a:spcPts val="500"/>
+              </a:spcBef>
+              <a:buFont typeface="Arial" panose="020B0604020202020204" pitchFamily="34" charset="0"/>
+              <a:buChar char="•"/>
+              <a:defRPr sz="1800" kern="1200">
+                <a:solidFill>
+                  <a:schemeClr val="tx1"/>
+                </a:solidFill>
+                <a:latin typeface="+mn-lt"/>
+                <a:ea typeface="+mn-ea"/>
+                <a:cs typeface="+mn-cs"/>
+              </a:defRPr>
+            </a:lvl5pPr>
+            <a:lvl6pPr marL="2514600" indent="-228600" algn="l" defTabSz="914400" rtl="0" eaLnBrk="1" latinLnBrk="0" hangingPunct="1">
+              <a:lnSpc>
+                <a:spcPct val="90000"/>
+              </a:lnSpc>
+              <a:spcBef>
+                <a:spcPts val="500"/>
+              </a:spcBef>
+              <a:buFont typeface="Arial" panose="020B0604020202020204" pitchFamily="34" charset="0"/>
+              <a:buChar char="•"/>
+              <a:defRPr sz="1800" kern="1200">
+                <a:solidFill>
+                  <a:schemeClr val="tx1"/>
+                </a:solidFill>
+                <a:latin typeface="+mn-lt"/>
+                <a:ea typeface="+mn-ea"/>
+                <a:cs typeface="+mn-cs"/>
+              </a:defRPr>
+            </a:lvl6pPr>
+            <a:lvl7pPr marL="2971800" indent="-228600" algn="l" defTabSz="914400" rtl="0" eaLnBrk="1" latinLnBrk="0" hangingPunct="1">
+              <a:lnSpc>
+                <a:spcPct val="90000"/>
+              </a:lnSpc>
+              <a:spcBef>
+                <a:spcPts val="500"/>
+              </a:spcBef>
+              <a:buFont typeface="Arial" panose="020B0604020202020204" pitchFamily="34" charset="0"/>
+              <a:buChar char="•"/>
+              <a:defRPr sz="1800" kern="1200">
+                <a:solidFill>
+                  <a:schemeClr val="tx1"/>
+                </a:solidFill>
+                <a:latin typeface="+mn-lt"/>
+                <a:ea typeface="+mn-ea"/>
+                <a:cs typeface="+mn-cs"/>
+              </a:defRPr>
+            </a:lvl7pPr>
+            <a:lvl8pPr marL="3429000" indent="-228600" algn="l" defTabSz="914400" rtl="0" eaLnBrk="1" latinLnBrk="0" hangingPunct="1">
+              <a:lnSpc>
+                <a:spcPct val="90000"/>
+              </a:lnSpc>
+              <a:spcBef>
+                <a:spcPts val="500"/>
+              </a:spcBef>
+              <a:buFont typeface="Arial" panose="020B0604020202020204" pitchFamily="34" charset="0"/>
+              <a:buChar char="•"/>
+              <a:defRPr sz="1800" kern="1200">
+                <a:solidFill>
+                  <a:schemeClr val="tx1"/>
+                </a:solidFill>
+                <a:latin typeface="+mn-lt"/>
+                <a:ea typeface="+mn-ea"/>
+                <a:cs typeface="+mn-cs"/>
+              </a:defRPr>
+            </a:lvl8pPr>
+            <a:lvl9pPr marL="3886200" indent="-228600" algn="l" defTabSz="914400" rtl="0" eaLnBrk="1" latinLnBrk="0" hangingPunct="1">
+              <a:lnSpc>
+                <a:spcPct val="90000"/>
+              </a:lnSpc>
+              <a:spcBef>
+                <a:spcPts val="500"/>
+              </a:spcBef>
+              <a:buFont typeface="Arial" panose="020B0604020202020204" pitchFamily="34" charset="0"/>
+              <a:buChar char="•"/>
+              <a:defRPr sz="1800" kern="1200">
+                <a:solidFill>
+                  <a:schemeClr val="tx1"/>
+                </a:solidFill>
+                <a:latin typeface="+mn-lt"/>
+                <a:ea typeface="+mn-ea"/>
+                <a:cs typeface="+mn-cs"/>
+              </a:defRPr>
+            </a:lvl9pPr>
+          </a:lstStyle>
+          <a:p>
+            <a:r>
+              <a:rPr lang="en-US" dirty="0" smtClean="0"/>
+              <a:t>Blocking transformation</a:t>
+            </a:r>
+          </a:p>
+          <a:p>
+            <a:endParaRPr lang="en-US" dirty="0" smtClean="0"/>
+          </a:p>
+        </p:txBody>
+      </p:sp>
+    </p:spTree>
+    <p:extLst>
+      <p:ext uri="{BB962C8B-B14F-4D97-AF65-F5344CB8AC3E}">
+        <p14:creationId xmlns:p14="http://schemas.microsoft.com/office/powerpoint/2010/main" val="3356273479"/>
+      </p:ext>
+    </p:extLst>
+  </p:cSld>
+  <p:clrMapOvr>
+    <a:masterClrMapping/>
+  </p:clrMapOvr>
+  <p:timing>
+    <p:tnLst>
+      <p:par>
+        <p:cTn id="1" dur="indefinite" restart="never" nodeType="tmRoot"/>
+      </p:par>
+    </p:tnLst>
+  </p:timing>
+</p:sld>
+</file>
+
+<file path=ppt/slides/slide8.xml><?xml version="1.0" encoding="utf-8"?>
+<p:sld xmlns:a="http://schemas.openxmlformats.org/drawingml/2006/main" xmlns:r="http://schemas.openxmlformats.org/officeDocument/2006/relationships" xmlns:p="http://schemas.openxmlformats.org/presentationml/2006/main">
+  <p:cSld>
+    <p:spTree>
+      <p:nvGrpSpPr>
+        <p:cNvPr id="1" name=""/>
+        <p:cNvGrpSpPr/>
+        <p:nvPr/>
+      </p:nvGrpSpPr>
+      <p:grpSpPr>
+        <a:xfrm>
+          <a:off x="0" y="0"/>
+          <a:ext cx="0" cy="0"/>
+          <a:chOff x="0" y="0"/>
+          <a:chExt cx="0" cy="0"/>
+        </a:xfrm>
+      </p:grpSpPr>
       <p:sp>
         <p:nvSpPr>
           <p:cNvPr id="2" name="Title 1"/>
@@ -3829,6 +8765,131 @@
     <p:extLst>
       <p:ext uri="{BB962C8B-B14F-4D97-AF65-F5344CB8AC3E}">
         <p14:creationId xmlns:p14="http://schemas.microsoft.com/office/powerpoint/2010/main" val="1936855784"/>
+      </p:ext>
+    </p:extLst>
+  </p:cSld>
+  <p:clrMapOvr>
+    <a:masterClrMapping/>
+  </p:clrMapOvr>
+  <p:timing>
+    <p:tnLst>
+      <p:par>
+        <p:cTn id="1" dur="indefinite" restart="never" nodeType="tmRoot"/>
+      </p:par>
+    </p:tnLst>
+  </p:timing>
+</p:sld>
+</file>
+
+<file path=ppt/slides/slide9.xml><?xml version="1.0" encoding="utf-8"?>
+<p:sld xmlns:a="http://schemas.openxmlformats.org/drawingml/2006/main" xmlns:r="http://schemas.openxmlformats.org/officeDocument/2006/relationships" xmlns:p="http://schemas.openxmlformats.org/presentationml/2006/main">
+  <p:cSld>
+    <p:spTree>
+      <p:nvGrpSpPr>
+        <p:cNvPr id="1" name=""/>
+        <p:cNvGrpSpPr/>
+        <p:nvPr/>
+      </p:nvGrpSpPr>
+      <p:grpSpPr>
+        <a:xfrm>
+          <a:off x="0" y="0"/>
+          <a:ext cx="0" cy="0"/>
+          <a:chOff x="0" y="0"/>
+          <a:chExt cx="0" cy="0"/>
+        </a:xfrm>
+      </p:grpSpPr>
+      <p:sp>
+        <p:nvSpPr>
+          <p:cNvPr id="2" name="Title 1"/>
+          <p:cNvSpPr>
+            <a:spLocks noGrp="1"/>
+          </p:cNvSpPr>
+          <p:nvPr>
+            <p:ph type="title"/>
+          </p:nvPr>
+        </p:nvSpPr>
+        <p:spPr/>
+        <p:txBody>
+          <a:bodyPr/>
+          <a:lstStyle/>
+          <a:p>
+            <a:r>
+              <a:rPr lang="en-US" dirty="0" smtClean="0"/>
+              <a:t>Demos</a:t>
+            </a:r>
+            <a:endParaRPr lang="es-ES" dirty="0"/>
+          </a:p>
+        </p:txBody>
+      </p:sp>
+      <p:sp>
+        <p:nvSpPr>
+          <p:cNvPr id="3" name="Content Placeholder 2"/>
+          <p:cNvSpPr>
+            <a:spLocks noGrp="1"/>
+          </p:cNvSpPr>
+          <p:nvPr>
+            <p:ph idx="1"/>
+          </p:nvPr>
+        </p:nvSpPr>
+        <p:spPr/>
+        <p:txBody>
+          <a:bodyPr/>
+          <a:lstStyle/>
+          <a:p>
+            <a:r>
+              <a:rPr lang="en-US" dirty="0" err="1"/>
+              <a:t>Patrones</a:t>
+            </a:r>
+            <a:r>
+              <a:rPr lang="en-US" dirty="0"/>
+              <a:t> de </a:t>
+            </a:r>
+            <a:r>
+              <a:rPr lang="en-US" dirty="0" err="1" smtClean="0"/>
+              <a:t>desdeño</a:t>
+            </a:r>
+            <a:endParaRPr lang="en-US" dirty="0" smtClean="0"/>
+          </a:p>
+          <a:p>
+            <a:r>
+              <a:rPr lang="en-US" dirty="0" err="1" smtClean="0"/>
+              <a:t>Patrones</a:t>
+            </a:r>
+            <a:r>
+              <a:rPr lang="en-US" dirty="0" smtClean="0"/>
+              <a:t> de </a:t>
+            </a:r>
+            <a:r>
+              <a:rPr lang="en-US" dirty="0" err="1" smtClean="0"/>
+              <a:t>diseño</a:t>
+            </a:r>
+            <a:endParaRPr lang="en-US" dirty="0" smtClean="0"/>
+          </a:p>
+          <a:p>
+            <a:r>
+              <a:rPr lang="en-US" dirty="0" smtClean="0"/>
+              <a:t>Del </a:t>
+            </a:r>
+            <a:r>
+              <a:rPr lang="en-US" dirty="0" err="1" smtClean="0"/>
+              <a:t>desdeño</a:t>
+            </a:r>
+            <a:r>
+              <a:rPr lang="en-US" dirty="0" smtClean="0"/>
+              <a:t> al </a:t>
+            </a:r>
+            <a:r>
+              <a:rPr lang="en-US" dirty="0" err="1" smtClean="0"/>
+              <a:t>diseño</a:t>
+            </a:r>
+            <a:endParaRPr lang="es-ES" dirty="0"/>
+          </a:p>
+        </p:txBody>
+      </p:sp>
+    </p:spTree>
+    <p:extLst>
+      <p:ext uri="{BB962C8B-B14F-4D97-AF65-F5344CB8AC3E}">
+        <p14:creationId xmlns:p14="http://schemas.microsoft.com/office/powerpoint/2010/main" val="3458814281"/>
       </p:ext>
     </p:extLst>
   </p:cSld>
@@ -4104,4 +9165,265 @@
     </a:ext>
   </a:extLst>
 </a:theme>
+</file>
+
+<file path=ppt/theme/theme2.xml><?xml version="1.0" encoding="utf-8"?>
+<a:theme xmlns:a="http://schemas.openxmlformats.org/drawingml/2006/main" name="Office Theme">
+  <a:themeElements>
+    <a:clrScheme name="Office">
+      <a:dk1>
+        <a:sysClr val="windowText" lastClr="000000"/>
+      </a:dk1>
+      <a:lt1>
+        <a:sysClr val="window" lastClr="FFFFFF"/>
+      </a:lt1>
+      <a:dk2>
+        <a:srgbClr val="44546A"/>
+      </a:dk2>
+      <a:lt2>
+        <a:srgbClr val="E7E6E6"/>
+      </a:lt2>
+      <a:accent1>
+        <a:srgbClr val="5B9BD5"/>
+      </a:accent1>
+      <a:accent2>
+        <a:srgbClr val="ED7D31"/>
+      </a:accent2>
+      <a:accent3>
+        <a:srgbClr val="A5A5A5"/>
+      </a:accent3>
+      <a:accent4>
+        <a:srgbClr val="FFC000"/>
+      </a:accent4>
+      <a:accent5>
+        <a:srgbClr val="4472C4"/>
+      </a:accent5>
+      <a:accent6>
+        <a:srgbClr val="70AD47"/>
+      </a:accent6>
+      <a:hlink>
+        <a:srgbClr val="0563C1"/>
+      </a:hlink>
+      <a:folHlink>
+        <a:srgbClr val="954F72"/>
+      </a:folHlink>
+    </a:clrScheme>
+    <a:fontScheme name="Office">
+      <a:majorFont>
+        <a:latin typeface="Calibri Light" panose="020F0302020204030204"/>
+        <a:ea typeface=""/>
+        <a:cs typeface=""/>
+        <a:font script="Jpan" typeface="ＭＳ Ｐゴシック"/>
+        <a:font script="Hang" typeface="맑은 고딕"/>
+        <a:font script="Hans" typeface="宋体"/>
+        <a:font script="Hant" typeface="新細明體"/>
+        <a:font script="Arab" typeface="Times New Roman"/>
+        <a:font script="Hebr" typeface="Times New Roman"/>
+        <a:font script="Thai" typeface="Angsana New"/>
+        <a:font script="Ethi" typeface="Nyala"/>
+        <a:font script="Beng" typeface="Vrinda"/>
+        <a:font script="Gujr" typeface="Shruti"/>
+        <a:font script="Khmr" typeface="MoolBoran"/>
+        <a:font script="Knda" typeface="Tunga"/>
+        <a:font script="Guru" typeface="Raavi"/>
+        <a:font script="Cans" typeface="Euphemia"/>
+        <a:font script="Cher" typeface="Plantagenet Cherokee"/>
+        <a:font script="Yiii" typeface="Microsoft Yi Baiti"/>
+        <a:font script="Tibt" typeface="Microsoft Himalaya"/>
+        <a:font script="Thaa" typeface="MV Boli"/>
+        <a:font script="Deva" typeface="Mangal"/>
+        <a:font script="Telu" typeface="Gautami"/>
+        <a:font script="Taml" typeface="Latha"/>
+        <a:font script="Syrc" typeface="Estrangelo Edessa"/>
+        <a:font script="Orya" typeface="Kalinga"/>
+        <a:font script="Mlym" typeface="Kartika"/>
+        <a:font script="Laoo" typeface="DokChampa"/>
+        <a:font script="Sinh" typeface="Iskoola Pota"/>
+        <a:font script="Mong" typeface="Mongolian Baiti"/>
+        <a:font script="Viet" typeface="Times New Roman"/>
+        <a:font script="Uigh" typeface="Microsoft Uighur"/>
+        <a:font script="Geor" typeface="Sylfaen"/>
+      </a:majorFont>
+      <a:minorFont>
+        <a:latin typeface="Calibri" panose="020F0502020204030204"/>
+        <a:ea typeface=""/>
+        <a:cs typeface=""/>
+        <a:font script="Jpan" typeface="ＭＳ Ｐゴシック"/>
+        <a:font script="Hang" typeface="맑은 고딕"/>
+        <a:font script="Hans" typeface="宋体"/>
+        <a:font script="Hant" typeface="新細明體"/>
+        <a:font script="Arab" typeface="Arial"/>
+        <a:font script="Hebr" typeface="Arial"/>
+        <a:font script="Thai" typeface="Cordia New"/>
+        <a:font script="Ethi" typeface="Nyala"/>
+        <a:font script="Beng" typeface="Vrinda"/>
+        <a:font script="Gujr" typeface="Shruti"/>
+        <a:font script="Khmr" typeface="DaunPenh"/>
+        <a:font script="Knda" typeface="Tunga"/>
+        <a:font script="Guru" typeface="Raavi"/>
+        <a:font script="Cans" typeface="Euphemia"/>
+        <a:font script="Cher" typeface="Plantagenet Cherokee"/>
+        <a:font script="Yiii" typeface="Microsoft Yi Baiti"/>
+        <a:font script="Tibt" typeface="Microsoft Himalaya"/>
+        <a:font script="Thaa" typeface="MV Boli"/>
+        <a:font script="Deva" typeface="Mangal"/>
+        <a:font script="Telu" typeface="Gautami"/>
+        <a:font script="Taml" typeface="Latha"/>
+        <a:font script="Syrc" typeface="Estrangelo Edessa"/>
+        <a:font script="Orya" typeface="Kalinga"/>
+        <a:font script="Mlym" typeface="Kartika"/>
+        <a:font script="Laoo" typeface="DokChampa"/>
+        <a:font script="Sinh" typeface="Iskoola Pota"/>
+        <a:font script="Mong" typeface="Mongolian Baiti"/>
+        <a:font script="Viet" typeface="Arial"/>
+        <a:font script="Uigh" typeface="Microsoft Uighur"/>
+        <a:font script="Geor" typeface="Sylfaen"/>
+      </a:minorFont>
+    </a:fontScheme>
+    <a:fmtScheme name="Office">
+      <a:fillStyleLst>
+        <a:solidFill>
+          <a:schemeClr val="phClr"/>
+        </a:solidFill>
+        <a:gradFill rotWithShape="1">
+          <a:gsLst>
+            <a:gs pos="0">
+              <a:schemeClr val="phClr">
+                <a:lumMod val="110000"/>
+                <a:satMod val="105000"/>
+                <a:tint val="67000"/>
+              </a:schemeClr>
+            </a:gs>
+            <a:gs pos="50000">
+              <a:schemeClr val="phClr">
+                <a:lumMod val="105000"/>
+                <a:satMod val="103000"/>
+                <a:tint val="73000"/>
+              </a:schemeClr>
+            </a:gs>
+            <a:gs pos="100000">
+              <a:schemeClr val="phClr">
+                <a:lumMod val="105000"/>
+                <a:satMod val="109000"/>
+                <a:tint val="81000"/>
+              </a:schemeClr>
+            </a:gs>
+          </a:gsLst>
+          <a:lin ang="5400000" scaled="0"/>
+        </a:gradFill>
+        <a:gradFill rotWithShape="1">
+          <a:gsLst>
+            <a:gs pos="0">
+              <a:schemeClr val="phClr">
+                <a:satMod val="103000"/>
+                <a:lumMod val="102000"/>
+                <a:tint val="94000"/>
+              </a:schemeClr>
+            </a:gs>
+            <a:gs pos="50000">
+              <a:schemeClr val="phClr">
+                <a:satMod val="110000"/>
+                <a:lumMod val="100000"/>
+                <a:shade val="100000"/>
+              </a:schemeClr>
+            </a:gs>
+            <a:gs pos="100000">
+              <a:schemeClr val="phClr">
+                <a:lumMod val="99000"/>
+                <a:satMod val="120000"/>
+                <a:shade val="78000"/>
+              </a:schemeClr>
+            </a:gs>
+          </a:gsLst>
+          <a:lin ang="5400000" scaled="0"/>
+        </a:gradFill>
+      </a:fillStyleLst>
+      <a:lnStyleLst>
+        <a:ln w="6350" cap="flat" cmpd="sng" algn="ctr">
+          <a:solidFill>
+            <a:schemeClr val="phClr"/>
+          </a:solidFill>
+          <a:prstDash val="solid"/>
+          <a:miter lim="800000"/>
+        </a:ln>
+        <a:ln w="12700" cap="flat" cmpd="sng" algn="ctr">
+          <a:solidFill>
+            <a:schemeClr val="phClr"/>
+          </a:solidFill>
+          <a:prstDash val="solid"/>
+          <a:miter lim="800000"/>
+        </a:ln>
+        <a:ln w="19050" cap="flat" cmpd="sng" algn="ctr">
+          <a:solidFill>
+            <a:schemeClr val="phClr"/>
+          </a:solidFill>
+          <a:prstDash val="solid"/>
+          <a:miter lim="800000"/>
+        </a:ln>
+      </a:lnStyleLst>
+      <a:effectStyleLst>
+        <a:effectStyle>
+          <a:effectLst/>
+        </a:effectStyle>
+        <a:effectStyle>
+          <a:effectLst/>
+        </a:effectStyle>
+        <a:effectStyle>
+          <a:effectLst>
+            <a:outerShdw blurRad="57150" dist="19050" dir="5400000" algn="ctr" rotWithShape="0">
+              <a:srgbClr val="000000">
+                <a:alpha val="63000"/>
+              </a:srgbClr>
+            </a:outerShdw>
+          </a:effectLst>
+        </a:effectStyle>
+      </a:effectStyleLst>
+      <a:bgFillStyleLst>
+        <a:solidFill>
+          <a:schemeClr val="phClr"/>
+        </a:solidFill>
+        <a:solidFill>
+          <a:schemeClr val="phClr">
+            <a:tint val="95000"/>
+            <a:satMod val="170000"/>
+          </a:schemeClr>
+        </a:solidFill>
+        <a:gradFill rotWithShape="1">
+          <a:gsLst>
+            <a:gs pos="0">
+              <a:schemeClr val="phClr">
+                <a:tint val="93000"/>
+                <a:satMod val="150000"/>
+                <a:shade val="98000"/>
+                <a:lumMod val="102000"/>
+              </a:schemeClr>
+            </a:gs>
+            <a:gs pos="50000">
+              <a:schemeClr val="phClr">
+                <a:tint val="98000"/>
+                <a:satMod val="130000"/>
+                <a:shade val="90000"/>
+                <a:lumMod val="103000"/>
+              </a:schemeClr>
+            </a:gs>
+            <a:gs pos="100000">
+              <a:schemeClr val="phClr">
+                <a:shade val="63000"/>
+                <a:satMod val="120000"/>
+              </a:schemeClr>
+            </a:gs>
+          </a:gsLst>
+          <a:lin ang="5400000" scaled="0"/>
+        </a:gradFill>
+      </a:bgFillStyleLst>
+    </a:fmtScheme>
+  </a:themeElements>
+  <a:objectDefaults/>
+  <a:extraClrSchemeLst/>
+  <a:extLst>
+    <a:ext uri="{05A4C25C-085E-4340-85A3-A5531E510DB2}">
+      <thm15:themeFamily xmlns:thm15="http://schemas.microsoft.com/office/thememl/2012/main" name="Office Theme" id="{62F939B6-93AF-4DB8-9C6B-D6C7DFDC589F}" vid="{4A3C46E8-61CC-4603-A589-7422A47A8E4A}"/>
+    </a:ext>
+  </a:extLst>
+</a:theme>
 </file>